--- a/Simplificacao_BD/BD20232_T2_G5_Apresentacao_ProjetoFinal.pptx
+++ b/Simplificacao_BD/BD20232_T2_G5_Apresentacao_ProjetoFinal.pptx
@@ -1,44 +1,44 @@
 
 <file path=ppt/presentation.xml><?xml version="1.0" encoding="utf-8"?>
-<p:presentation xmlns:a="http://schemas.openxmlformats.org/drawingml/2006/main" xmlns:r="http://schemas.openxmlformats.org/officeDocument/2006/relationships" xmlns:p="http://schemas.openxmlformats.org/presentationml/2006/main" strictFirstAndLastChars="0" embedTrueTypeFonts="1" saveSubsetFonts="1" autoCompressPictures="0">
+<p:presentation xmlns:a="http://schemas.openxmlformats.org/drawingml/2006/main" xmlns:r="http://schemas.openxmlformats.org/officeDocument/2006/relationships" xmlns:mc="http://schemas.openxmlformats.org/markup-compatibility/2006" xmlns:mv="urn:schemas-microsoft-com:mac:vml" xmlns:p="http://schemas.openxmlformats.org/presentationml/2006/main" xmlns:c="http://schemas.openxmlformats.org/drawingml/2006/chart" xmlns:dgm="http://schemas.openxmlformats.org/drawingml/2006/diagram" xmlns:o="urn:schemas-microsoft-com:office:office" xmlns:v="urn:schemas-microsoft-com:vml" xmlns:pvml="urn:schemas-microsoft-com:office:powerpoint" xmlns:com="http://schemas.openxmlformats.org/drawingml/2006/compatibility" xmlns:p14="http://schemas.microsoft.com/office/powerpoint/2010/main" xmlns:p15="http://schemas.microsoft.com/office/powerpoint/2012/main" xmlns:ahyp="http://schemas.microsoft.com/office/drawing/2018/hyperlinkcolor" autoCompressPictures="0" embedTrueTypeFonts="1" strictFirstAndLastChars="0" saveSubsetFonts="1">
   <p:sldMasterIdLst>
-    <p:sldMasterId id="2147483659" r:id="rId1"/>
+    <p:sldMasterId id="2147483659" r:id="rId4"/>
   </p:sldMasterIdLst>
   <p:notesMasterIdLst>
-    <p:notesMasterId r:id="rId12"/>
+    <p:notesMasterId r:id="rId5"/>
   </p:notesMasterIdLst>
   <p:sldIdLst>
-    <p:sldId id="256" r:id="rId2"/>
-    <p:sldId id="257" r:id="rId3"/>
-    <p:sldId id="258" r:id="rId4"/>
-    <p:sldId id="259" r:id="rId5"/>
-    <p:sldId id="260" r:id="rId6"/>
-    <p:sldId id="261" r:id="rId7"/>
-    <p:sldId id="262" r:id="rId8"/>
-    <p:sldId id="263" r:id="rId9"/>
-    <p:sldId id="264" r:id="rId10"/>
-    <p:sldId id="265" r:id="rId11"/>
+    <p:sldId id="256" r:id="rId6"/>
+    <p:sldId id="257" r:id="rId7"/>
+    <p:sldId id="258" r:id="rId8"/>
+    <p:sldId id="259" r:id="rId9"/>
+    <p:sldId id="260" r:id="rId10"/>
+    <p:sldId id="261" r:id="rId11"/>
+    <p:sldId id="262" r:id="rId12"/>
+    <p:sldId id="263" r:id="rId13"/>
+    <p:sldId id="264" r:id="rId14"/>
+    <p:sldId id="265" r:id="rId15"/>
   </p:sldIdLst>
-  <p:sldSz cx="9144000" cy="5143500" type="screen16x9"/>
+  <p:sldSz cy="5143500" cx="9144000"/>
   <p:notesSz cx="6858000" cy="9144000"/>
   <p:embeddedFontLst>
     <p:embeddedFont>
-      <p:font typeface="Lato" panose="020F0502020204030203" pitchFamily="34" charset="0"/>
-      <p:regular r:id="rId13"/>
-      <p:bold r:id="rId14"/>
-      <p:italic r:id="rId15"/>
-      <p:boldItalic r:id="rId16"/>
+      <p:font typeface="Raleway"/>
+      <p:regular r:id="rId16"/>
+      <p:bold r:id="rId17"/>
+      <p:italic r:id="rId18"/>
+      <p:boldItalic r:id="rId19"/>
     </p:embeddedFont>
     <p:embeddedFont>
-      <p:font typeface="Raleway" pitchFamily="2" charset="0"/>
-      <p:regular r:id="rId17"/>
-      <p:bold r:id="rId18"/>
-      <p:italic r:id="rId19"/>
-      <p:boldItalic r:id="rId20"/>
+      <p:font typeface="Lato"/>
+      <p:regular r:id="rId20"/>
+      <p:bold r:id="rId21"/>
+      <p:italic r:id="rId22"/>
+      <p:boldItalic r:id="rId23"/>
     </p:embeddedFont>
   </p:embeddedFontLst>
   <p:defaultTextStyle>
-    <a:defPPr marR="0" lvl="0" algn="l" rtl="0">
+    <a:defPPr lvl="0" marR="0" rtl="0" algn="l">
       <a:lnSpc>
         <a:spcPct val="100000"/>
       </a:lnSpc>
@@ -49,7 +49,7 @@
         <a:spcPts val="0"/>
       </a:spcAft>
     </a:defPPr>
-    <a:lvl1pPr marR="0" lvl="0" algn="l" rtl="0">
+    <a:lvl1pPr lvl="0" marR="0" rtl="0" algn="l">
       <a:lnSpc>
         <a:spcPct val="100000"/>
       </a:lnSpc>
@@ -63,7 +63,7 @@
         <a:srgbClr val="000000"/>
       </a:buClr>
       <a:buFont typeface="Arial"/>
-      <a:defRPr sz="1400" b="0" i="0" u="none" strike="noStrike" cap="none">
+      <a:defRPr b="0" i="0" sz="1400" u="none" cap="none" strike="noStrike">
         <a:solidFill>
           <a:srgbClr val="000000"/>
         </a:solidFill>
@@ -73,7 +73,7 @@
         <a:sym typeface="Arial"/>
       </a:defRPr>
     </a:lvl1pPr>
-    <a:lvl2pPr marR="0" lvl="1" algn="l" rtl="0">
+    <a:lvl2pPr lvl="1" marR="0" rtl="0" algn="l">
       <a:lnSpc>
         <a:spcPct val="100000"/>
       </a:lnSpc>
@@ -87,7 +87,7 @@
         <a:srgbClr val="000000"/>
       </a:buClr>
       <a:buFont typeface="Arial"/>
-      <a:defRPr sz="1400" b="0" i="0" u="none" strike="noStrike" cap="none">
+      <a:defRPr b="0" i="0" sz="1400" u="none" cap="none" strike="noStrike">
         <a:solidFill>
           <a:srgbClr val="000000"/>
         </a:solidFill>
@@ -97,7 +97,7 @@
         <a:sym typeface="Arial"/>
       </a:defRPr>
     </a:lvl2pPr>
-    <a:lvl3pPr marR="0" lvl="2" algn="l" rtl="0">
+    <a:lvl3pPr lvl="2" marR="0" rtl="0" algn="l">
       <a:lnSpc>
         <a:spcPct val="100000"/>
       </a:lnSpc>
@@ -111,7 +111,7 @@
         <a:srgbClr val="000000"/>
       </a:buClr>
       <a:buFont typeface="Arial"/>
-      <a:defRPr sz="1400" b="0" i="0" u="none" strike="noStrike" cap="none">
+      <a:defRPr b="0" i="0" sz="1400" u="none" cap="none" strike="noStrike">
         <a:solidFill>
           <a:srgbClr val="000000"/>
         </a:solidFill>
@@ -121,7 +121,7 @@
         <a:sym typeface="Arial"/>
       </a:defRPr>
     </a:lvl3pPr>
-    <a:lvl4pPr marR="0" lvl="3" algn="l" rtl="0">
+    <a:lvl4pPr lvl="3" marR="0" rtl="0" algn="l">
       <a:lnSpc>
         <a:spcPct val="100000"/>
       </a:lnSpc>
@@ -135,7 +135,7 @@
         <a:srgbClr val="000000"/>
       </a:buClr>
       <a:buFont typeface="Arial"/>
-      <a:defRPr sz="1400" b="0" i="0" u="none" strike="noStrike" cap="none">
+      <a:defRPr b="0" i="0" sz="1400" u="none" cap="none" strike="noStrike">
         <a:solidFill>
           <a:srgbClr val="000000"/>
         </a:solidFill>
@@ -145,7 +145,7 @@
         <a:sym typeface="Arial"/>
       </a:defRPr>
     </a:lvl4pPr>
-    <a:lvl5pPr marR="0" lvl="4" algn="l" rtl="0">
+    <a:lvl5pPr lvl="4" marR="0" rtl="0" algn="l">
       <a:lnSpc>
         <a:spcPct val="100000"/>
       </a:lnSpc>
@@ -159,7 +159,7 @@
         <a:srgbClr val="000000"/>
       </a:buClr>
       <a:buFont typeface="Arial"/>
-      <a:defRPr sz="1400" b="0" i="0" u="none" strike="noStrike" cap="none">
+      <a:defRPr b="0" i="0" sz="1400" u="none" cap="none" strike="noStrike">
         <a:solidFill>
           <a:srgbClr val="000000"/>
         </a:solidFill>
@@ -169,7 +169,7 @@
         <a:sym typeface="Arial"/>
       </a:defRPr>
     </a:lvl5pPr>
-    <a:lvl6pPr marR="0" lvl="5" algn="l" rtl="0">
+    <a:lvl6pPr lvl="5" marR="0" rtl="0" algn="l">
       <a:lnSpc>
         <a:spcPct val="100000"/>
       </a:lnSpc>
@@ -183,7 +183,7 @@
         <a:srgbClr val="000000"/>
       </a:buClr>
       <a:buFont typeface="Arial"/>
-      <a:defRPr sz="1400" b="0" i="0" u="none" strike="noStrike" cap="none">
+      <a:defRPr b="0" i="0" sz="1400" u="none" cap="none" strike="noStrike">
         <a:solidFill>
           <a:srgbClr val="000000"/>
         </a:solidFill>
@@ -193,7 +193,7 @@
         <a:sym typeface="Arial"/>
       </a:defRPr>
     </a:lvl6pPr>
-    <a:lvl7pPr marR="0" lvl="6" algn="l" rtl="0">
+    <a:lvl7pPr lvl="6" marR="0" rtl="0" algn="l">
       <a:lnSpc>
         <a:spcPct val="100000"/>
       </a:lnSpc>
@@ -207,7 +207,7 @@
         <a:srgbClr val="000000"/>
       </a:buClr>
       <a:buFont typeface="Arial"/>
-      <a:defRPr sz="1400" b="0" i="0" u="none" strike="noStrike" cap="none">
+      <a:defRPr b="0" i="0" sz="1400" u="none" cap="none" strike="noStrike">
         <a:solidFill>
           <a:srgbClr val="000000"/>
         </a:solidFill>
@@ -217,7 +217,7 @@
         <a:sym typeface="Arial"/>
       </a:defRPr>
     </a:lvl7pPr>
-    <a:lvl8pPr marR="0" lvl="7" algn="l" rtl="0">
+    <a:lvl8pPr lvl="7" marR="0" rtl="0" algn="l">
       <a:lnSpc>
         <a:spcPct val="100000"/>
       </a:lnSpc>
@@ -231,7 +231,7 @@
         <a:srgbClr val="000000"/>
       </a:buClr>
       <a:buFont typeface="Arial"/>
-      <a:defRPr sz="1400" b="0" i="0" u="none" strike="noStrike" cap="none">
+      <a:defRPr b="0" i="0" sz="1400" u="none" cap="none" strike="noStrike">
         <a:solidFill>
           <a:srgbClr val="000000"/>
         </a:solidFill>
@@ -241,7 +241,7 @@
         <a:sym typeface="Arial"/>
       </a:defRPr>
     </a:lvl8pPr>
-    <a:lvl9pPr marR="0" lvl="8" algn="l" rtl="0">
+    <a:lvl9pPr lvl="8" marR="0" rtl="0" algn="l">
       <a:lnSpc>
         <a:spcPct val="100000"/>
       </a:lnSpc>
@@ -255,7 +255,7 @@
         <a:srgbClr val="000000"/>
       </a:buClr>
       <a:buFont typeface="Arial"/>
-      <a:defRPr sz="1400" b="0" i="0" u="none" strike="noStrike" cap="none">
+      <a:defRPr b="0" i="0" sz="1400" u="none" cap="none" strike="noStrike">
         <a:solidFill>
           <a:srgbClr val="000000"/>
         </a:solidFill>
@@ -268,7 +268,7 @@
   </p:defaultTextStyle>
   <p:extLst>
     <p:ext uri="{EFAFB233-063F-42B5-8137-9DF3F51BA10A}">
-      <p15:sldGuideLst xmlns:p15="http://schemas.microsoft.com/office/powerpoint/2012/main">
+      <p15:sldGuideLst>
         <p15:guide id="1" orient="horz" pos="1620">
           <p15:clr>
             <a:srgbClr val="747775"/>
@@ -285,46 +285,12 @@
 </p:presentation>
 </file>
 
-<file path=ppt/changesInfos/changesInfo1.xml><?xml version="1.0" encoding="utf-8"?>
-<pc:chgInfo xmlns:a="http://schemas.openxmlformats.org/drawingml/2006/main" xmlns:r="http://schemas.openxmlformats.org/officeDocument/2006/relationships" xmlns:ac="http://schemas.microsoft.com/office/drawing/2013/main/command" xmlns:pc="http://schemas.microsoft.com/office/powerpoint/2013/main/command">
-  <pc:docChgLst>
-    <pc:chgData name="Maria da Conceicao Lima Afonso" userId="9aaec22c-3365-4358-86a6-971146a5fcee" providerId="ADAL" clId="{A55ED2DE-0CDE-4A09-A233-3A6A95376074}"/>
-    <pc:docChg chg="custSel modSld">
-      <pc:chgData name="Maria da Conceicao Lima Afonso" userId="9aaec22c-3365-4358-86a6-971146a5fcee" providerId="ADAL" clId="{A55ED2DE-0CDE-4A09-A233-3A6A95376074}" dt="2023-12-14T15:10:54.314" v="18" actId="1076"/>
-      <pc:docMkLst>
-        <pc:docMk/>
-      </pc:docMkLst>
-      <pc:sldChg chg="modSp mod">
-        <pc:chgData name="Maria da Conceicao Lima Afonso" userId="9aaec22c-3365-4358-86a6-971146a5fcee" providerId="ADAL" clId="{A55ED2DE-0CDE-4A09-A233-3A6A95376074}" dt="2023-12-14T15:10:54.314" v="18" actId="1076"/>
-        <pc:sldMkLst>
-          <pc:docMk/>
-          <pc:sldMk cId="0" sldId="256"/>
-        </pc:sldMkLst>
-        <pc:spChg chg="mod">
-          <ac:chgData name="Maria da Conceicao Lima Afonso" userId="9aaec22c-3365-4358-86a6-971146a5fcee" providerId="ADAL" clId="{A55ED2DE-0CDE-4A09-A233-3A6A95376074}" dt="2023-12-14T15:10:54.314" v="18" actId="1076"/>
-          <ac:spMkLst>
-            <pc:docMk/>
-            <pc:sldMk cId="0" sldId="256"/>
-            <ac:spMk id="72" creationId="{00000000-0000-0000-0000-000000000000}"/>
-          </ac:spMkLst>
-        </pc:spChg>
-      </pc:sldChg>
-    </pc:docChg>
-  </pc:docChgLst>
-</pc:chgInfo>
-</file>
-
 <file path=ppt/notesMasters/notesMaster1.xml><?xml version="1.0" encoding="utf-8"?>
-<p:notesMaster xmlns:a="http://schemas.openxmlformats.org/drawingml/2006/main" xmlns:r="http://schemas.openxmlformats.org/officeDocument/2006/relationships" xmlns:p="http://schemas.openxmlformats.org/presentationml/2006/main">
+<p:notesMaster xmlns:a="http://schemas.openxmlformats.org/drawingml/2006/main" xmlns:r="http://schemas.openxmlformats.org/officeDocument/2006/relationships" xmlns:mc="http://schemas.openxmlformats.org/markup-compatibility/2006" xmlns:mv="urn:schemas-microsoft-com:mac:vml" xmlns:p="http://schemas.openxmlformats.org/presentationml/2006/main" xmlns:c="http://schemas.openxmlformats.org/drawingml/2006/chart" xmlns:dgm="http://schemas.openxmlformats.org/drawingml/2006/diagram" xmlns:o="urn:schemas-microsoft-com:office:office" xmlns:v="urn:schemas-microsoft-com:vml" xmlns:pvml="urn:schemas-microsoft-com:office:powerpoint" xmlns:com="http://schemas.openxmlformats.org/drawingml/2006/compatibility" xmlns:p14="http://schemas.microsoft.com/office/powerpoint/2010/main" xmlns:p15="http://schemas.microsoft.com/office/powerpoint/2012/main" xmlns:ahyp="http://schemas.microsoft.com/office/drawing/2018/hyperlinkcolor">
   <p:cSld>
-    <p:bg>
-      <p:bgRef idx="1001">
-        <a:schemeClr val="bg1"/>
-      </p:bgRef>
-    </p:bg>
     <p:spTree>
       <p:nvGrpSpPr>
-        <p:cNvPr id="1" name="Shape 2"/>
+        <p:cNvPr id="2" name="Shape 2"/>
         <p:cNvGrpSpPr/>
         <p:nvPr/>
       </p:nvGrpSpPr>
@@ -339,11 +305,9 @@
       <p:sp>
         <p:nvSpPr>
           <p:cNvPr id="3" name="Google Shape;3;n"/>
-          <p:cNvSpPr>
-            <a:spLocks noGrp="1" noRot="1" noChangeAspect="1"/>
-          </p:cNvSpPr>
+          <p:cNvSpPr/>
           <p:nvPr>
-            <p:ph type="sldImg" idx="2"/>
+            <p:ph idx="2" type="sldImg"/>
           </p:nvPr>
         </p:nvSpPr>
         <p:spPr>
@@ -352,13 +316,9 @@
             <a:ext cx="6096075" cy="3429000"/>
           </a:xfrm>
           <a:custGeom>
-            <a:avLst/>
-            <a:gdLst/>
-            <a:ahLst/>
-            <a:cxnLst/>
-            <a:rect l="l" t="t" r="r" b="b"/>
+            <a:rect b="b" l="l" r="r" t="t"/>
             <a:pathLst>
-              <a:path w="120000" h="120000" extrusionOk="0">
+              <a:path extrusionOk="0" h="120000" w="120000">
                 <a:moveTo>
                   <a:pt x="0" y="0"/>
                 </a:moveTo>
@@ -376,25 +336,23 @@
             </a:pathLst>
           </a:custGeom>
           <a:noFill/>
-          <a:ln w="9525" cap="flat" cmpd="sng">
+          <a:ln cap="flat" cmpd="sng" w="9525">
             <a:solidFill>
               <a:srgbClr val="000000"/>
             </a:solidFill>
             <a:prstDash val="solid"/>
             <a:round/>
-            <a:headEnd type="none" w="sm" len="sm"/>
-            <a:tailEnd type="none" w="sm" len="sm"/>
+            <a:headEnd len="sm" w="sm" type="none"/>
+            <a:tailEnd len="sm" w="sm" type="none"/>
           </a:ln>
         </p:spPr>
       </p:sp>
       <p:sp>
         <p:nvSpPr>
           <p:cNvPr id="4" name="Google Shape;4;n"/>
-          <p:cNvSpPr txBox="1">
-            <a:spLocks noGrp="1"/>
-          </p:cNvSpPr>
+          <p:cNvSpPr txBox="1"/>
           <p:nvPr>
-            <p:ph type="body" idx="1"/>
+            <p:ph idx="1" type="body"/>
           </p:nvPr>
         </p:nvSpPr>
         <p:spPr>
@@ -411,11 +369,11 @@
           </a:ln>
         </p:spPr>
         <p:txBody>
-          <a:bodyPr spcFirstLastPara="1" wrap="square" lIns="91425" tIns="91425" rIns="91425" bIns="91425" anchor="t" anchorCtr="0">
+          <a:bodyPr anchorCtr="0" anchor="t" bIns="91425" lIns="91425" spcFirstLastPara="1" rIns="91425" wrap="square" tIns="91425">
             <a:noAutofit/>
           </a:bodyPr>
           <a:lstStyle>
-            <a:lvl1pPr marL="457200" lvl="0" indent="-298450">
+            <a:lvl1pPr indent="-298450" lvl="0" marL="457200">
               <a:spcBef>
                 <a:spcPts val="0"/>
               </a:spcBef>
@@ -426,7 +384,7 @@
               <a:buChar char="●"/>
               <a:defRPr sz="1100"/>
             </a:lvl1pPr>
-            <a:lvl2pPr marL="914400" lvl="1" indent="-298450">
+            <a:lvl2pPr indent="-298450" lvl="1" marL="914400">
               <a:spcBef>
                 <a:spcPts val="0"/>
               </a:spcBef>
@@ -437,7 +395,7 @@
               <a:buChar char="○"/>
               <a:defRPr sz="1100"/>
             </a:lvl2pPr>
-            <a:lvl3pPr marL="1371600" lvl="2" indent="-298450">
+            <a:lvl3pPr indent="-298450" lvl="2" marL="1371600">
               <a:spcBef>
                 <a:spcPts val="0"/>
               </a:spcBef>
@@ -448,7 +406,7 @@
               <a:buChar char="■"/>
               <a:defRPr sz="1100"/>
             </a:lvl3pPr>
-            <a:lvl4pPr marL="1828800" lvl="3" indent="-298450">
+            <a:lvl4pPr indent="-298450" lvl="3" marL="1828800">
               <a:spcBef>
                 <a:spcPts val="0"/>
               </a:spcBef>
@@ -459,7 +417,7 @@
               <a:buChar char="●"/>
               <a:defRPr sz="1100"/>
             </a:lvl4pPr>
-            <a:lvl5pPr marL="2286000" lvl="4" indent="-298450">
+            <a:lvl5pPr indent="-298450" lvl="4" marL="2286000">
               <a:spcBef>
                 <a:spcPts val="0"/>
               </a:spcBef>
@@ -470,7 +428,7 @@
               <a:buChar char="○"/>
               <a:defRPr sz="1100"/>
             </a:lvl5pPr>
-            <a:lvl6pPr marL="2743200" lvl="5" indent="-298450">
+            <a:lvl6pPr indent="-298450" lvl="5" marL="2743200">
               <a:spcBef>
                 <a:spcPts val="0"/>
               </a:spcBef>
@@ -481,7 +439,7 @@
               <a:buChar char="■"/>
               <a:defRPr sz="1100"/>
             </a:lvl6pPr>
-            <a:lvl7pPr marL="3200400" lvl="6" indent="-298450">
+            <a:lvl7pPr indent="-298450" lvl="6" marL="3200400">
               <a:spcBef>
                 <a:spcPts val="0"/>
               </a:spcBef>
@@ -492,7 +450,7 @@
               <a:buChar char="●"/>
               <a:defRPr sz="1100"/>
             </a:lvl7pPr>
-            <a:lvl8pPr marL="3657600" lvl="7" indent="-298450">
+            <a:lvl8pPr indent="-298450" lvl="7" marL="3657600">
               <a:spcBef>
                 <a:spcPts val="0"/>
               </a:spcBef>
@@ -503,7 +461,7 @@
               <a:buChar char="○"/>
               <a:defRPr sz="1100"/>
             </a:lvl8pPr>
-            <a:lvl9pPr marL="4114800" lvl="8" indent="-298450">
+            <a:lvl9pPr indent="-298450" lvl="8" marL="4114800">
               <a:spcBef>
                 <a:spcPts val="0"/>
               </a:spcBef>
@@ -515,16 +473,14 @@
               <a:defRPr sz="1100"/>
             </a:lvl9pPr>
           </a:lstStyle>
-          <a:p>
-            <a:endParaRPr/>
-          </a:p>
+          <a:p/>
         </p:txBody>
       </p:sp>
     </p:spTree>
   </p:cSld>
-  <p:clrMap bg1="lt1" tx1="dk1" bg2="dk2" tx2="lt2" accent1="accent1" accent2="accent2" accent3="accent3" accent4="accent4" accent5="accent5" accent6="accent6" hlink="hlink" folHlink="folHlink"/>
+  <p:clrMap accent1="accent1" accent2="accent2" accent3="accent3" accent4="accent4" accent5="accent5" accent6="accent6" bg1="lt1" bg2="dk2" tx1="dk1" tx2="lt2" folHlink="folHlink" hlink="hlink"/>
   <p:notesStyle>
-    <a:defPPr marR="0" lvl="0" algn="l" rtl="0">
+    <a:defPPr lvl="0" marR="0" rtl="0" algn="l">
       <a:lnSpc>
         <a:spcPct val="100000"/>
       </a:lnSpc>
@@ -535,7 +491,7 @@
         <a:spcPts val="0"/>
       </a:spcAft>
     </a:defPPr>
-    <a:lvl1pPr marR="0" lvl="0" algn="l" rtl="0">
+    <a:lvl1pPr lvl="0" marR="0" rtl="0" algn="l">
       <a:lnSpc>
         <a:spcPct val="100000"/>
       </a:lnSpc>
@@ -549,7 +505,7 @@
         <a:srgbClr val="000000"/>
       </a:buClr>
       <a:buFont typeface="Arial"/>
-      <a:defRPr sz="1400" b="0" i="0" u="none" strike="noStrike" cap="none">
+      <a:defRPr b="0" i="0" sz="1400" u="none" cap="none" strike="noStrike">
         <a:solidFill>
           <a:srgbClr val="000000"/>
         </a:solidFill>
@@ -559,7 +515,7 @@
         <a:sym typeface="Arial"/>
       </a:defRPr>
     </a:lvl1pPr>
-    <a:lvl2pPr marR="0" lvl="1" algn="l" rtl="0">
+    <a:lvl2pPr lvl="1" marR="0" rtl="0" algn="l">
       <a:lnSpc>
         <a:spcPct val="100000"/>
       </a:lnSpc>
@@ -573,7 +529,7 @@
         <a:srgbClr val="000000"/>
       </a:buClr>
       <a:buFont typeface="Arial"/>
-      <a:defRPr sz="1400" b="0" i="0" u="none" strike="noStrike" cap="none">
+      <a:defRPr b="0" i="0" sz="1400" u="none" cap="none" strike="noStrike">
         <a:solidFill>
           <a:srgbClr val="000000"/>
         </a:solidFill>
@@ -583,7 +539,7 @@
         <a:sym typeface="Arial"/>
       </a:defRPr>
     </a:lvl2pPr>
-    <a:lvl3pPr marR="0" lvl="2" algn="l" rtl="0">
+    <a:lvl3pPr lvl="2" marR="0" rtl="0" algn="l">
       <a:lnSpc>
         <a:spcPct val="100000"/>
       </a:lnSpc>
@@ -597,7 +553,7 @@
         <a:srgbClr val="000000"/>
       </a:buClr>
       <a:buFont typeface="Arial"/>
-      <a:defRPr sz="1400" b="0" i="0" u="none" strike="noStrike" cap="none">
+      <a:defRPr b="0" i="0" sz="1400" u="none" cap="none" strike="noStrike">
         <a:solidFill>
           <a:srgbClr val="000000"/>
         </a:solidFill>
@@ -607,7 +563,7 @@
         <a:sym typeface="Arial"/>
       </a:defRPr>
     </a:lvl3pPr>
-    <a:lvl4pPr marR="0" lvl="3" algn="l" rtl="0">
+    <a:lvl4pPr lvl="3" marR="0" rtl="0" algn="l">
       <a:lnSpc>
         <a:spcPct val="100000"/>
       </a:lnSpc>
@@ -621,7 +577,7 @@
         <a:srgbClr val="000000"/>
       </a:buClr>
       <a:buFont typeface="Arial"/>
-      <a:defRPr sz="1400" b="0" i="0" u="none" strike="noStrike" cap="none">
+      <a:defRPr b="0" i="0" sz="1400" u="none" cap="none" strike="noStrike">
         <a:solidFill>
           <a:srgbClr val="000000"/>
         </a:solidFill>
@@ -631,7 +587,7 @@
         <a:sym typeface="Arial"/>
       </a:defRPr>
     </a:lvl4pPr>
-    <a:lvl5pPr marR="0" lvl="4" algn="l" rtl="0">
+    <a:lvl5pPr lvl="4" marR="0" rtl="0" algn="l">
       <a:lnSpc>
         <a:spcPct val="100000"/>
       </a:lnSpc>
@@ -645,7 +601,7 @@
         <a:srgbClr val="000000"/>
       </a:buClr>
       <a:buFont typeface="Arial"/>
-      <a:defRPr sz="1400" b="0" i="0" u="none" strike="noStrike" cap="none">
+      <a:defRPr b="0" i="0" sz="1400" u="none" cap="none" strike="noStrike">
         <a:solidFill>
           <a:srgbClr val="000000"/>
         </a:solidFill>
@@ -655,7 +611,7 @@
         <a:sym typeface="Arial"/>
       </a:defRPr>
     </a:lvl5pPr>
-    <a:lvl6pPr marR="0" lvl="5" algn="l" rtl="0">
+    <a:lvl6pPr lvl="5" marR="0" rtl="0" algn="l">
       <a:lnSpc>
         <a:spcPct val="100000"/>
       </a:lnSpc>
@@ -669,7 +625,7 @@
         <a:srgbClr val="000000"/>
       </a:buClr>
       <a:buFont typeface="Arial"/>
-      <a:defRPr sz="1400" b="0" i="0" u="none" strike="noStrike" cap="none">
+      <a:defRPr b="0" i="0" sz="1400" u="none" cap="none" strike="noStrike">
         <a:solidFill>
           <a:srgbClr val="000000"/>
         </a:solidFill>
@@ -679,7 +635,7 @@
         <a:sym typeface="Arial"/>
       </a:defRPr>
     </a:lvl6pPr>
-    <a:lvl7pPr marR="0" lvl="6" algn="l" rtl="0">
+    <a:lvl7pPr lvl="6" marR="0" rtl="0" algn="l">
       <a:lnSpc>
         <a:spcPct val="100000"/>
       </a:lnSpc>
@@ -693,7 +649,7 @@
         <a:srgbClr val="000000"/>
       </a:buClr>
       <a:buFont typeface="Arial"/>
-      <a:defRPr sz="1400" b="0" i="0" u="none" strike="noStrike" cap="none">
+      <a:defRPr b="0" i="0" sz="1400" u="none" cap="none" strike="noStrike">
         <a:solidFill>
           <a:srgbClr val="000000"/>
         </a:solidFill>
@@ -703,7 +659,7 @@
         <a:sym typeface="Arial"/>
       </a:defRPr>
     </a:lvl7pPr>
-    <a:lvl8pPr marR="0" lvl="7" algn="l" rtl="0">
+    <a:lvl8pPr lvl="7" marR="0" rtl="0" algn="l">
       <a:lnSpc>
         <a:spcPct val="100000"/>
       </a:lnSpc>
@@ -717,7 +673,7 @@
         <a:srgbClr val="000000"/>
       </a:buClr>
       <a:buFont typeface="Arial"/>
-      <a:defRPr sz="1400" b="0" i="0" u="none" strike="noStrike" cap="none">
+      <a:defRPr b="0" i="0" sz="1400" u="none" cap="none" strike="noStrike">
         <a:solidFill>
           <a:srgbClr val="000000"/>
         </a:solidFill>
@@ -727,7 +683,7 @@
         <a:sym typeface="Arial"/>
       </a:defRPr>
     </a:lvl8pPr>
-    <a:lvl9pPr marR="0" lvl="8" algn="l" rtl="0">
+    <a:lvl9pPr lvl="8" marR="0" rtl="0" algn="l">
       <a:lnSpc>
         <a:spcPct val="100000"/>
       </a:lnSpc>
@@ -741,7 +697,7 @@
         <a:srgbClr val="000000"/>
       </a:buClr>
       <a:buFont typeface="Arial"/>
-      <a:defRPr sz="1400" b="0" i="0" u="none" strike="noStrike" cap="none">
+      <a:defRPr b="0" i="0" sz="1400" u="none" cap="none" strike="noStrike">
         <a:solidFill>
           <a:srgbClr val="000000"/>
         </a:solidFill>
@@ -756,11 +712,11 @@
 </file>
 
 <file path=ppt/notesSlides/notesSlide1.xml><?xml version="1.0" encoding="utf-8"?>
-<p:notes xmlns:a="http://schemas.openxmlformats.org/drawingml/2006/main" xmlns:r="http://schemas.openxmlformats.org/officeDocument/2006/relationships" xmlns:p="http://schemas.openxmlformats.org/presentationml/2006/main" showMasterSp="0" showMasterPhAnim="0">
+<p:notes xmlns:a="http://schemas.openxmlformats.org/drawingml/2006/main" xmlns:r="http://schemas.openxmlformats.org/officeDocument/2006/relationships" xmlns:mc="http://schemas.openxmlformats.org/markup-compatibility/2006" xmlns:mv="urn:schemas-microsoft-com:mac:vml" xmlns:p="http://schemas.openxmlformats.org/presentationml/2006/main" xmlns:c="http://schemas.openxmlformats.org/drawingml/2006/chart" xmlns:dgm="http://schemas.openxmlformats.org/drawingml/2006/diagram" xmlns:o="urn:schemas-microsoft-com:office:office" xmlns:v="urn:schemas-microsoft-com:vml" xmlns:pvml="urn:schemas-microsoft-com:office:powerpoint" xmlns:com="http://schemas.openxmlformats.org/drawingml/2006/compatibility" xmlns:p14="http://schemas.microsoft.com/office/powerpoint/2010/main" xmlns:p15="http://schemas.microsoft.com/office/powerpoint/2012/main" xmlns:ahyp="http://schemas.microsoft.com/office/drawing/2018/hyperlinkcolor" showMasterPhAnim="0" showMasterSp="0">
   <p:cSld>
     <p:spTree>
       <p:nvGrpSpPr>
-        <p:cNvPr id="1" name="Shape 68"/>
+        <p:cNvPr id="68" name="Shape 68"/>
         <p:cNvGrpSpPr/>
         <p:nvPr/>
       </p:nvGrpSpPr>
@@ -775,26 +731,20 @@
       <p:sp>
         <p:nvSpPr>
           <p:cNvPr id="69" name="Google Shape;69;p:notes"/>
-          <p:cNvSpPr>
-            <a:spLocks noGrp="1" noRot="1" noChangeAspect="1"/>
-          </p:cNvSpPr>
+          <p:cNvSpPr/>
           <p:nvPr>
-            <p:ph type="sldImg" idx="2"/>
+            <p:ph idx="2" type="sldImg"/>
           </p:nvPr>
         </p:nvSpPr>
         <p:spPr>
           <a:xfrm>
-            <a:off x="381000" y="685800"/>
-            <a:ext cx="6096000" cy="3429000"/>
+            <a:off x="381300" y="685800"/>
+            <a:ext cx="6096075" cy="3429000"/>
           </a:xfrm>
           <a:custGeom>
-            <a:avLst/>
-            <a:gdLst/>
-            <a:ahLst/>
-            <a:cxnLst/>
-            <a:rect l="l" t="t" r="r" b="b"/>
+            <a:rect b="b" l="l" r="r" t="t"/>
             <a:pathLst>
-              <a:path w="120000" h="120000" extrusionOk="0">
+              <a:path extrusionOk="0" h="120000" w="120000">
                 <a:moveTo>
                   <a:pt x="0" y="0"/>
                 </a:moveTo>
@@ -816,11 +766,9 @@
       <p:sp>
         <p:nvSpPr>
           <p:cNvPr id="70" name="Google Shape;70;p:notes"/>
-          <p:cNvSpPr txBox="1">
-            <a:spLocks noGrp="1"/>
-          </p:cNvSpPr>
+          <p:cNvSpPr txBox="1"/>
           <p:nvPr>
-            <p:ph type="body" idx="1"/>
+            <p:ph idx="1" type="body"/>
           </p:nvPr>
         </p:nvSpPr>
         <p:spPr>
@@ -833,12 +781,12 @@
           </a:prstGeom>
         </p:spPr>
         <p:txBody>
-          <a:bodyPr spcFirstLastPara="1" wrap="square" lIns="91425" tIns="91425" rIns="91425" bIns="91425" anchor="t" anchorCtr="0">
+          <a:bodyPr anchorCtr="0" anchor="t" bIns="91425" lIns="91425" spcFirstLastPara="1" rIns="91425" wrap="square" tIns="91425">
             <a:noAutofit/>
           </a:bodyPr>
           <a:lstStyle/>
           <a:p>
-            <a:pPr marL="0" lvl="0" indent="0" algn="l" rtl="0">
+            <a:pPr indent="0" lvl="0" marL="0" rtl="0" algn="l">
               <a:spcBef>
                 <a:spcPts val="0"/>
               </a:spcBef>
@@ -847,6 +795,9 @@
               </a:spcAft>
               <a:buNone/>
             </a:pPr>
+            <a:r>
+              <a:t/>
+            </a:r>
             <a:endParaRPr/>
           </a:p>
         </p:txBody>
@@ -860,11 +811,11 @@
 </file>
 
 <file path=ppt/notesSlides/notesSlide10.xml><?xml version="1.0" encoding="utf-8"?>
-<p:notes xmlns:a="http://schemas.openxmlformats.org/drawingml/2006/main" xmlns:r="http://schemas.openxmlformats.org/officeDocument/2006/relationships" xmlns:p="http://schemas.openxmlformats.org/presentationml/2006/main" showMasterSp="0" showMasterPhAnim="0">
+<p:notes xmlns:a="http://schemas.openxmlformats.org/drawingml/2006/main" xmlns:r="http://schemas.openxmlformats.org/officeDocument/2006/relationships" xmlns:mc="http://schemas.openxmlformats.org/markup-compatibility/2006" xmlns:mv="urn:schemas-microsoft-com:mac:vml" xmlns:p="http://schemas.openxmlformats.org/presentationml/2006/main" xmlns:c="http://schemas.openxmlformats.org/drawingml/2006/chart" xmlns:dgm="http://schemas.openxmlformats.org/drawingml/2006/diagram" xmlns:o="urn:schemas-microsoft-com:office:office" xmlns:v="urn:schemas-microsoft-com:vml" xmlns:pvml="urn:schemas-microsoft-com:office:powerpoint" xmlns:com="http://schemas.openxmlformats.org/drawingml/2006/compatibility" xmlns:p14="http://schemas.microsoft.com/office/powerpoint/2010/main" xmlns:p15="http://schemas.microsoft.com/office/powerpoint/2012/main" xmlns:ahyp="http://schemas.microsoft.com/office/drawing/2018/hyperlinkcolor" showMasterPhAnim="0" showMasterSp="0">
   <p:cSld>
     <p:spTree>
       <p:nvGrpSpPr>
-        <p:cNvPr id="1" name="Shape 135"/>
+        <p:cNvPr id="136" name="Shape 136"/>
         <p:cNvGrpSpPr/>
         <p:nvPr/>
       </p:nvGrpSpPr>
@@ -878,12 +829,10 @@
       </p:grpSpPr>
       <p:sp>
         <p:nvSpPr>
-          <p:cNvPr id="136" name="Google Shape;136;g2a275f5bc52_1_14:notes"/>
-          <p:cNvSpPr>
-            <a:spLocks noGrp="1" noRot="1" noChangeAspect="1"/>
-          </p:cNvSpPr>
+          <p:cNvPr id="137" name="Google Shape;137;g2a275f5bc52_1_14:notes"/>
+          <p:cNvSpPr/>
           <p:nvPr>
-            <p:ph type="sldImg" idx="2"/>
+            <p:ph idx="2" type="sldImg"/>
           </p:nvPr>
         </p:nvSpPr>
         <p:spPr>
@@ -892,13 +841,9 @@
             <a:ext cx="6096000" cy="3429000"/>
           </a:xfrm>
           <a:custGeom>
-            <a:avLst/>
-            <a:gdLst/>
-            <a:ahLst/>
-            <a:cxnLst/>
-            <a:rect l="l" t="t" r="r" b="b"/>
+            <a:rect b="b" l="l" r="r" t="t"/>
             <a:pathLst>
-              <a:path w="120000" h="120000" extrusionOk="0">
+              <a:path extrusionOk="0" h="120000" w="120000">
                 <a:moveTo>
                   <a:pt x="0" y="0"/>
                 </a:moveTo>
@@ -919,12 +864,10 @@
       </p:sp>
       <p:sp>
         <p:nvSpPr>
-          <p:cNvPr id="137" name="Google Shape;137;g2a275f5bc52_1_14:notes"/>
-          <p:cNvSpPr txBox="1">
-            <a:spLocks noGrp="1"/>
-          </p:cNvSpPr>
+          <p:cNvPr id="138" name="Google Shape;138;g2a275f5bc52_1_14:notes"/>
+          <p:cNvSpPr txBox="1"/>
           <p:nvPr>
-            <p:ph type="body" idx="1"/>
+            <p:ph idx="1" type="body"/>
           </p:nvPr>
         </p:nvSpPr>
         <p:spPr>
@@ -937,12 +880,12 @@
           </a:prstGeom>
         </p:spPr>
         <p:txBody>
-          <a:bodyPr spcFirstLastPara="1" wrap="square" lIns="91425" tIns="91425" rIns="91425" bIns="91425" anchor="t" anchorCtr="0">
+          <a:bodyPr anchorCtr="0" anchor="t" bIns="91425" lIns="91425" spcFirstLastPara="1" rIns="91425" wrap="square" tIns="91425">
             <a:noAutofit/>
           </a:bodyPr>
           <a:lstStyle/>
           <a:p>
-            <a:pPr marL="0" lvl="0" indent="0" algn="l" rtl="0">
+            <a:pPr indent="0" lvl="0" marL="0" rtl="0" algn="l">
               <a:spcBef>
                 <a:spcPts val="0"/>
               </a:spcBef>
@@ -951,6 +894,9 @@
               </a:spcAft>
               <a:buNone/>
             </a:pPr>
+            <a:r>
+              <a:t/>
+            </a:r>
             <a:endParaRPr/>
           </a:p>
         </p:txBody>
@@ -964,11 +910,11 @@
 </file>
 
 <file path=ppt/notesSlides/notesSlide2.xml><?xml version="1.0" encoding="utf-8"?>
-<p:notes xmlns:a="http://schemas.openxmlformats.org/drawingml/2006/main" xmlns:r="http://schemas.openxmlformats.org/officeDocument/2006/relationships" xmlns:p="http://schemas.openxmlformats.org/presentationml/2006/main" showMasterSp="0" showMasterPhAnim="0">
+<p:notes xmlns:a="http://schemas.openxmlformats.org/drawingml/2006/main" xmlns:r="http://schemas.openxmlformats.org/officeDocument/2006/relationships" xmlns:mc="http://schemas.openxmlformats.org/markup-compatibility/2006" xmlns:mv="urn:schemas-microsoft-com:mac:vml" xmlns:p="http://schemas.openxmlformats.org/presentationml/2006/main" xmlns:c="http://schemas.openxmlformats.org/drawingml/2006/chart" xmlns:dgm="http://schemas.openxmlformats.org/drawingml/2006/diagram" xmlns:o="urn:schemas-microsoft-com:office:office" xmlns:v="urn:schemas-microsoft-com:vml" xmlns:pvml="urn:schemas-microsoft-com:office:powerpoint" xmlns:com="http://schemas.openxmlformats.org/drawingml/2006/compatibility" xmlns:p14="http://schemas.microsoft.com/office/powerpoint/2010/main" xmlns:p15="http://schemas.microsoft.com/office/powerpoint/2012/main" xmlns:ahyp="http://schemas.microsoft.com/office/drawing/2018/hyperlinkcolor" showMasterPhAnim="0" showMasterSp="0">
   <p:cSld>
     <p:spTree>
       <p:nvGrpSpPr>
-        <p:cNvPr id="1" name="Shape 76"/>
+        <p:cNvPr id="76" name="Shape 76"/>
         <p:cNvGrpSpPr/>
         <p:nvPr/>
       </p:nvGrpSpPr>
@@ -983,11 +929,9 @@
       <p:sp>
         <p:nvSpPr>
           <p:cNvPr id="77" name="Google Shape;77;g2a228ccfc3d_0_4:notes"/>
-          <p:cNvSpPr>
-            <a:spLocks noGrp="1" noRot="1" noChangeAspect="1"/>
-          </p:cNvSpPr>
+          <p:cNvSpPr/>
           <p:nvPr>
-            <p:ph type="sldImg" idx="2"/>
+            <p:ph idx="2" type="sldImg"/>
           </p:nvPr>
         </p:nvSpPr>
         <p:spPr>
@@ -996,13 +940,9 @@
             <a:ext cx="6096000" cy="3429000"/>
           </a:xfrm>
           <a:custGeom>
-            <a:avLst/>
-            <a:gdLst/>
-            <a:ahLst/>
-            <a:cxnLst/>
-            <a:rect l="l" t="t" r="r" b="b"/>
+            <a:rect b="b" l="l" r="r" t="t"/>
             <a:pathLst>
-              <a:path w="120000" h="120000" extrusionOk="0">
+              <a:path extrusionOk="0" h="120000" w="120000">
                 <a:moveTo>
                   <a:pt x="0" y="0"/>
                 </a:moveTo>
@@ -1024,11 +964,9 @@
       <p:sp>
         <p:nvSpPr>
           <p:cNvPr id="78" name="Google Shape;78;g2a228ccfc3d_0_4:notes"/>
-          <p:cNvSpPr txBox="1">
-            <a:spLocks noGrp="1"/>
-          </p:cNvSpPr>
+          <p:cNvSpPr txBox="1"/>
           <p:nvPr>
-            <p:ph type="body" idx="1"/>
+            <p:ph idx="1" type="body"/>
           </p:nvPr>
         </p:nvSpPr>
         <p:spPr>
@@ -1041,12 +979,12 @@
           </a:prstGeom>
         </p:spPr>
         <p:txBody>
-          <a:bodyPr spcFirstLastPara="1" wrap="square" lIns="91425" tIns="91425" rIns="91425" bIns="91425" anchor="t" anchorCtr="0">
+          <a:bodyPr anchorCtr="0" anchor="t" bIns="91425" lIns="91425" spcFirstLastPara="1" rIns="91425" wrap="square" tIns="91425">
             <a:noAutofit/>
           </a:bodyPr>
           <a:lstStyle/>
           <a:p>
-            <a:pPr marL="0" lvl="0" indent="0" algn="l" rtl="0">
+            <a:pPr indent="0" lvl="0" marL="0" rtl="0" algn="l">
               <a:spcBef>
                 <a:spcPts val="0"/>
               </a:spcBef>
@@ -1060,14 +998,14 @@
                 <a:solidFill>
                   <a:schemeClr val="hlink"/>
                 </a:solidFill>
-                <a:hlinkClick r:id="rId3"/>
+                <a:hlinkClick r:id="rId2"/>
               </a:rPr>
               <a:t>https://www.youtube.com/watch?v=swlCK8lrtlU</a:t>
             </a:r>
             <a:endParaRPr/>
           </a:p>
           <a:p>
-            <a:pPr marL="0" lvl="0" indent="0" algn="l" rtl="0">
+            <a:pPr indent="0" lvl="0" marL="0" rtl="0" algn="l">
               <a:spcBef>
                 <a:spcPts val="0"/>
               </a:spcBef>
@@ -1076,10 +1014,13 @@
               </a:spcAft>
               <a:buNone/>
             </a:pPr>
+            <a:r>
+              <a:t/>
+            </a:r>
             <a:endParaRPr/>
           </a:p>
           <a:p>
-            <a:pPr marL="0" lvl="0" indent="0" algn="l" rtl="0">
+            <a:pPr indent="0" lvl="0" marL="0" rtl="0" algn="l">
               <a:spcBef>
                 <a:spcPts val="0"/>
               </a:spcBef>
@@ -1105,11 +1046,11 @@
 </file>
 
 <file path=ppt/notesSlides/notesSlide3.xml><?xml version="1.0" encoding="utf-8"?>
-<p:notes xmlns:a="http://schemas.openxmlformats.org/drawingml/2006/main" xmlns:r="http://schemas.openxmlformats.org/officeDocument/2006/relationships" xmlns:p="http://schemas.openxmlformats.org/presentationml/2006/main" showMasterSp="0" showMasterPhAnim="0">
+<p:notes xmlns:a="http://schemas.openxmlformats.org/drawingml/2006/main" xmlns:r="http://schemas.openxmlformats.org/officeDocument/2006/relationships" xmlns:mc="http://schemas.openxmlformats.org/markup-compatibility/2006" xmlns:mv="urn:schemas-microsoft-com:mac:vml" xmlns:p="http://schemas.openxmlformats.org/presentationml/2006/main" xmlns:c="http://schemas.openxmlformats.org/drawingml/2006/chart" xmlns:dgm="http://schemas.openxmlformats.org/drawingml/2006/diagram" xmlns:o="urn:schemas-microsoft-com:office:office" xmlns:v="urn:schemas-microsoft-com:vml" xmlns:pvml="urn:schemas-microsoft-com:office:powerpoint" xmlns:com="http://schemas.openxmlformats.org/drawingml/2006/compatibility" xmlns:p14="http://schemas.microsoft.com/office/powerpoint/2010/main" xmlns:p15="http://schemas.microsoft.com/office/powerpoint/2012/main" xmlns:ahyp="http://schemas.microsoft.com/office/drawing/2018/hyperlinkcolor" showMasterPhAnim="0" showMasterSp="0">
   <p:cSld>
     <p:spTree>
       <p:nvGrpSpPr>
-        <p:cNvPr id="1" name="Shape 82"/>
+        <p:cNvPr id="82" name="Shape 82"/>
         <p:cNvGrpSpPr/>
         <p:nvPr/>
       </p:nvGrpSpPr>
@@ -1124,11 +1065,9 @@
       <p:sp>
         <p:nvSpPr>
           <p:cNvPr id="83" name="Google Shape;83;g2a228ccfc3d_0_79:notes"/>
-          <p:cNvSpPr>
-            <a:spLocks noGrp="1" noRot="1" noChangeAspect="1"/>
-          </p:cNvSpPr>
+          <p:cNvSpPr/>
           <p:nvPr>
-            <p:ph type="sldImg" idx="2"/>
+            <p:ph idx="2" type="sldImg"/>
           </p:nvPr>
         </p:nvSpPr>
         <p:spPr>
@@ -1137,13 +1076,9 @@
             <a:ext cx="6096000" cy="3429000"/>
           </a:xfrm>
           <a:custGeom>
-            <a:avLst/>
-            <a:gdLst/>
-            <a:ahLst/>
-            <a:cxnLst/>
-            <a:rect l="l" t="t" r="r" b="b"/>
+            <a:rect b="b" l="l" r="r" t="t"/>
             <a:pathLst>
-              <a:path w="120000" h="120000" extrusionOk="0">
+              <a:path extrusionOk="0" h="120000" w="120000">
                 <a:moveTo>
                   <a:pt x="0" y="0"/>
                 </a:moveTo>
@@ -1165,11 +1100,9 @@
       <p:sp>
         <p:nvSpPr>
           <p:cNvPr id="84" name="Google Shape;84;g2a228ccfc3d_0_79:notes"/>
-          <p:cNvSpPr txBox="1">
-            <a:spLocks noGrp="1"/>
-          </p:cNvSpPr>
+          <p:cNvSpPr txBox="1"/>
           <p:nvPr>
-            <p:ph type="body" idx="1"/>
+            <p:ph idx="1" type="body"/>
           </p:nvPr>
         </p:nvSpPr>
         <p:spPr>
@@ -1182,12 +1115,12 @@
           </a:prstGeom>
         </p:spPr>
         <p:txBody>
-          <a:bodyPr spcFirstLastPara="1" wrap="square" lIns="91425" tIns="91425" rIns="91425" bIns="91425" anchor="t" anchorCtr="0">
+          <a:bodyPr anchorCtr="0" anchor="t" bIns="91425" lIns="91425" spcFirstLastPara="1" rIns="91425" wrap="square" tIns="91425">
             <a:noAutofit/>
           </a:bodyPr>
           <a:lstStyle/>
           <a:p>
-            <a:pPr marL="0" lvl="0" indent="0" algn="l" rtl="0">
+            <a:pPr indent="0" lvl="0" marL="0" rtl="0" algn="l">
               <a:spcBef>
                 <a:spcPts val="0"/>
               </a:spcBef>
@@ -1206,7 +1139,7 @@
                 <a:solidFill>
                   <a:schemeClr val="hlink"/>
                 </a:solidFill>
-                <a:hlinkClick r:id="rId3"/>
+                <a:hlinkClick r:id="rId2"/>
               </a:rPr>
               <a:t>https://www.mongodb.com/pt-br/company</a:t>
             </a:r>
@@ -1217,7 +1150,7 @@
             </a:endParaRPr>
           </a:p>
           <a:p>
-            <a:pPr marL="0" lvl="0" indent="0" algn="l" rtl="0">
+            <a:pPr indent="0" lvl="0" marL="0" rtl="0" algn="l">
               <a:spcBef>
                 <a:spcPts val="0"/>
               </a:spcBef>
@@ -1231,7 +1164,7 @@
                 <a:solidFill>
                   <a:schemeClr val="hlink"/>
                 </a:solidFill>
-                <a:hlinkClick r:id="rId4"/>
+                <a:hlinkClick r:id="rId3"/>
               </a:rPr>
               <a:t>https://www.ibm.com/br-pt/topics/mongodb</a:t>
             </a:r>
@@ -1242,7 +1175,7 @@
             </a:endParaRPr>
           </a:p>
           <a:p>
-            <a:pPr marL="0" lvl="0" indent="0" algn="l" rtl="0">
+            <a:pPr indent="0" lvl="0" marL="0" rtl="0" algn="l">
               <a:spcBef>
                 <a:spcPts val="0"/>
               </a:spcBef>
@@ -1251,6 +1184,9 @@
               </a:spcAft>
               <a:buNone/>
             </a:pPr>
+            <a:r>
+              <a:t/>
+            </a:r>
             <a:endParaRPr>
               <a:solidFill>
                 <a:schemeClr val="dk1"/>
@@ -1258,7 +1194,7 @@
             </a:endParaRPr>
           </a:p>
           <a:p>
-            <a:pPr marL="0" lvl="0" indent="0" algn="l" rtl="0">
+            <a:pPr indent="0" lvl="0" marL="0" rtl="0" algn="l">
               <a:spcBef>
                 <a:spcPts val="0"/>
               </a:spcBef>
@@ -1287,7 +1223,7 @@
             </a:endParaRPr>
           </a:p>
           <a:p>
-            <a:pPr marL="0" lvl="0" indent="0" algn="l" rtl="0">
+            <a:pPr indent="0" lvl="0" marL="0" rtl="0" algn="l">
               <a:spcBef>
                 <a:spcPts val="0"/>
               </a:spcBef>
@@ -1306,7 +1242,7 @@
                 <a:solidFill>
                   <a:schemeClr val="hlink"/>
                 </a:solidFill>
-                <a:hlinkClick r:id="rId5"/>
+                <a:hlinkClick r:id="rId4"/>
               </a:rPr>
               <a:t>https://intellipaat.com/blog/mongodb-vs-sql/#:~:text=In%20comparison%20to%20the%20SQL,of%20data%2C%20however%20MongoDB%20does</a:t>
             </a:r>
@@ -1325,7 +1261,7 @@
             </a:endParaRPr>
           </a:p>
           <a:p>
-            <a:pPr marL="0" lvl="0" indent="0" algn="l" rtl="0">
+            <a:pPr indent="0" lvl="0" marL="0" rtl="0" algn="l">
               <a:spcBef>
                 <a:spcPts val="0"/>
               </a:spcBef>
@@ -1339,6 +1275,9 @@
               <a:buFont typeface="Arial"/>
               <a:buNone/>
             </a:pPr>
+            <a:r>
+              <a:t/>
+            </a:r>
             <a:endParaRPr>
               <a:solidFill>
                 <a:schemeClr val="dk1"/>
@@ -1346,7 +1285,7 @@
             </a:endParaRPr>
           </a:p>
           <a:p>
-            <a:pPr marL="0" lvl="0" indent="0" algn="l" rtl="0">
+            <a:pPr indent="0" lvl="0" marL="0" rtl="0" algn="l">
               <a:spcBef>
                 <a:spcPts val="0"/>
               </a:spcBef>
@@ -1381,11 +1320,11 @@
 </file>
 
 <file path=ppt/notesSlides/notesSlide4.xml><?xml version="1.0" encoding="utf-8"?>
-<p:notes xmlns:a="http://schemas.openxmlformats.org/drawingml/2006/main" xmlns:r="http://schemas.openxmlformats.org/officeDocument/2006/relationships" xmlns:p="http://schemas.openxmlformats.org/presentationml/2006/main" showMasterSp="0" showMasterPhAnim="0">
+<p:notes xmlns:a="http://schemas.openxmlformats.org/drawingml/2006/main" xmlns:r="http://schemas.openxmlformats.org/officeDocument/2006/relationships" xmlns:mc="http://schemas.openxmlformats.org/markup-compatibility/2006" xmlns:mv="urn:schemas-microsoft-com:mac:vml" xmlns:p="http://schemas.openxmlformats.org/presentationml/2006/main" xmlns:c="http://schemas.openxmlformats.org/drawingml/2006/chart" xmlns:dgm="http://schemas.openxmlformats.org/drawingml/2006/diagram" xmlns:o="urn:schemas-microsoft-com:office:office" xmlns:v="urn:schemas-microsoft-com:vml" xmlns:pvml="urn:schemas-microsoft-com:office:powerpoint" xmlns:com="http://schemas.openxmlformats.org/drawingml/2006/compatibility" xmlns:p14="http://schemas.microsoft.com/office/powerpoint/2010/main" xmlns:p15="http://schemas.microsoft.com/office/powerpoint/2012/main" xmlns:ahyp="http://schemas.microsoft.com/office/drawing/2018/hyperlinkcolor" showMasterPhAnim="0" showMasterSp="0">
   <p:cSld>
     <p:spTree>
       <p:nvGrpSpPr>
-        <p:cNvPr id="1" name="Shape 88"/>
+        <p:cNvPr id="88" name="Shape 88"/>
         <p:cNvGrpSpPr/>
         <p:nvPr/>
       </p:nvGrpSpPr>
@@ -1400,11 +1339,9 @@
       <p:sp>
         <p:nvSpPr>
           <p:cNvPr id="89" name="Google Shape;89;g2a228ccfc3d_0_127:notes"/>
-          <p:cNvSpPr>
-            <a:spLocks noGrp="1" noRot="1" noChangeAspect="1"/>
-          </p:cNvSpPr>
+          <p:cNvSpPr/>
           <p:nvPr>
-            <p:ph type="sldImg" idx="2"/>
+            <p:ph idx="2" type="sldImg"/>
           </p:nvPr>
         </p:nvSpPr>
         <p:spPr>
@@ -1413,13 +1350,9 @@
             <a:ext cx="6096000" cy="3429000"/>
           </a:xfrm>
           <a:custGeom>
-            <a:avLst/>
-            <a:gdLst/>
-            <a:ahLst/>
-            <a:cxnLst/>
-            <a:rect l="l" t="t" r="r" b="b"/>
+            <a:rect b="b" l="l" r="r" t="t"/>
             <a:pathLst>
-              <a:path w="120000" h="120000" extrusionOk="0">
+              <a:path extrusionOk="0" h="120000" w="120000">
                 <a:moveTo>
                   <a:pt x="0" y="0"/>
                 </a:moveTo>
@@ -1441,11 +1374,9 @@
       <p:sp>
         <p:nvSpPr>
           <p:cNvPr id="90" name="Google Shape;90;g2a228ccfc3d_0_127:notes"/>
-          <p:cNvSpPr txBox="1">
-            <a:spLocks noGrp="1"/>
-          </p:cNvSpPr>
+          <p:cNvSpPr txBox="1"/>
           <p:nvPr>
-            <p:ph type="body" idx="1"/>
+            <p:ph idx="1" type="body"/>
           </p:nvPr>
         </p:nvSpPr>
         <p:spPr>
@@ -1458,12 +1389,12 @@
           </a:prstGeom>
         </p:spPr>
         <p:txBody>
-          <a:bodyPr spcFirstLastPara="1" wrap="square" lIns="91425" tIns="91425" rIns="91425" bIns="91425" anchor="t" anchorCtr="0">
+          <a:bodyPr anchorCtr="0" anchor="t" bIns="91425" lIns="91425" spcFirstLastPara="1" rIns="91425" wrap="square" tIns="91425">
             <a:noAutofit/>
           </a:bodyPr>
           <a:lstStyle/>
           <a:p>
-            <a:pPr marL="0" lvl="0" indent="0" algn="l" rtl="0">
+            <a:pPr indent="0" lvl="0" marL="0" rtl="0" algn="l">
               <a:spcBef>
                 <a:spcPts val="0"/>
               </a:spcBef>
@@ -1477,7 +1408,7 @@
                 <a:solidFill>
                   <a:schemeClr val="hlink"/>
                 </a:solidFill>
-                <a:hlinkClick r:id="rId3"/>
+                <a:hlinkClick r:id="rId2"/>
               </a:rPr>
               <a:t>https://www.mongodb.com/pt-br/company</a:t>
             </a:r>
@@ -1488,7 +1419,7 @@
             </a:endParaRPr>
           </a:p>
           <a:p>
-            <a:pPr marL="0" lvl="0" indent="0" algn="l" rtl="0">
+            <a:pPr indent="0" lvl="0" marL="0" rtl="0" algn="l">
               <a:spcBef>
                 <a:spcPts val="0"/>
               </a:spcBef>
@@ -1502,7 +1433,7 @@
                 <a:solidFill>
                   <a:schemeClr val="hlink"/>
                 </a:solidFill>
-                <a:hlinkClick r:id="rId4"/>
+                <a:hlinkClick r:id="rId3"/>
               </a:rPr>
               <a:t>https://www.ibm.com/br-pt/topics/mongodb</a:t>
             </a:r>
@@ -1513,7 +1444,7 @@
             </a:endParaRPr>
           </a:p>
           <a:p>
-            <a:pPr marL="0" lvl="0" indent="0" algn="l" rtl="0">
+            <a:pPr indent="0" lvl="0" marL="0" rtl="0" algn="l">
               <a:spcBef>
                 <a:spcPts val="0"/>
               </a:spcBef>
@@ -1522,6 +1453,9 @@
               </a:spcAft>
               <a:buNone/>
             </a:pPr>
+            <a:r>
+              <a:t/>
+            </a:r>
             <a:endParaRPr>
               <a:solidFill>
                 <a:schemeClr val="dk1"/>
@@ -1529,7 +1463,7 @@
             </a:endParaRPr>
           </a:p>
           <a:p>
-            <a:pPr marL="0" lvl="0" indent="0" algn="l" rtl="0">
+            <a:pPr indent="0" lvl="0" marL="0" rtl="0" algn="l">
               <a:spcBef>
                 <a:spcPts val="0"/>
               </a:spcBef>
@@ -1553,7 +1487,7 @@
             </a:endParaRPr>
           </a:p>
           <a:p>
-            <a:pPr marL="0" lvl="0" indent="0" algn="l" rtl="0">
+            <a:pPr indent="0" lvl="0" marL="0" rtl="0" algn="l">
               <a:spcBef>
                 <a:spcPts val="0"/>
               </a:spcBef>
@@ -1567,7 +1501,7 @@
                 <a:solidFill>
                   <a:schemeClr val="hlink"/>
                 </a:solidFill>
-                <a:hlinkClick r:id="rId5"/>
+                <a:hlinkClick r:id="rId4"/>
               </a:rPr>
               <a:t>https://intellipaat.com/blog/mongodb-vs-sql/#:~:text=In%20comparison%20to%20the%20SQL,of%20data%2C%20however%20MongoDB%20does</a:t>
             </a:r>
@@ -1586,7 +1520,7 @@
             </a:endParaRPr>
           </a:p>
           <a:p>
-            <a:pPr marL="0" lvl="0" indent="0" algn="l" rtl="0">
+            <a:pPr indent="0" lvl="0" marL="0" rtl="0" algn="l">
               <a:spcBef>
                 <a:spcPts val="0"/>
               </a:spcBef>
@@ -1595,6 +1529,9 @@
               </a:spcAft>
               <a:buNone/>
             </a:pPr>
+            <a:r>
+              <a:t/>
+            </a:r>
             <a:endParaRPr>
               <a:solidFill>
                 <a:schemeClr val="dk1"/>
@@ -1602,7 +1539,7 @@
             </a:endParaRPr>
           </a:p>
           <a:p>
-            <a:pPr marL="0" lvl="0" indent="0" algn="l" rtl="0">
+            <a:pPr indent="0" lvl="0" marL="0" rtl="0" algn="l">
               <a:spcBef>
                 <a:spcPts val="0"/>
               </a:spcBef>
@@ -1632,11 +1569,11 @@
 </file>
 
 <file path=ppt/notesSlides/notesSlide5.xml><?xml version="1.0" encoding="utf-8"?>
-<p:notes xmlns:a="http://schemas.openxmlformats.org/drawingml/2006/main" xmlns:r="http://schemas.openxmlformats.org/officeDocument/2006/relationships" xmlns:p="http://schemas.openxmlformats.org/presentationml/2006/main" showMasterSp="0" showMasterPhAnim="0">
+<p:notes xmlns:a="http://schemas.openxmlformats.org/drawingml/2006/main" xmlns:r="http://schemas.openxmlformats.org/officeDocument/2006/relationships" xmlns:mc="http://schemas.openxmlformats.org/markup-compatibility/2006" xmlns:mv="urn:schemas-microsoft-com:mac:vml" xmlns:p="http://schemas.openxmlformats.org/presentationml/2006/main" xmlns:c="http://schemas.openxmlformats.org/drawingml/2006/chart" xmlns:dgm="http://schemas.openxmlformats.org/drawingml/2006/diagram" xmlns:o="urn:schemas-microsoft-com:office:office" xmlns:v="urn:schemas-microsoft-com:vml" xmlns:pvml="urn:schemas-microsoft-com:office:powerpoint" xmlns:com="http://schemas.openxmlformats.org/drawingml/2006/compatibility" xmlns:p14="http://schemas.microsoft.com/office/powerpoint/2010/main" xmlns:p15="http://schemas.microsoft.com/office/powerpoint/2012/main" xmlns:ahyp="http://schemas.microsoft.com/office/drawing/2018/hyperlinkcolor" showMasterPhAnim="0" showMasterSp="0">
   <p:cSld>
     <p:spTree>
       <p:nvGrpSpPr>
-        <p:cNvPr id="1" name="Shape 99"/>
+        <p:cNvPr id="100" name="Shape 100"/>
         <p:cNvGrpSpPr/>
         <p:nvPr/>
       </p:nvGrpSpPr>
@@ -1650,12 +1587,10 @@
       </p:grpSpPr>
       <p:sp>
         <p:nvSpPr>
-          <p:cNvPr id="100" name="Google Shape;100;g1ed51a05976_0_17:notes"/>
-          <p:cNvSpPr>
-            <a:spLocks noGrp="1" noRot="1" noChangeAspect="1"/>
-          </p:cNvSpPr>
+          <p:cNvPr id="101" name="Google Shape;101;g1ed51a05976_0_17:notes"/>
+          <p:cNvSpPr/>
           <p:nvPr>
-            <p:ph type="sldImg" idx="2"/>
+            <p:ph idx="2" type="sldImg"/>
           </p:nvPr>
         </p:nvSpPr>
         <p:spPr>
@@ -1664,13 +1599,9 @@
             <a:ext cx="6096000" cy="3429000"/>
           </a:xfrm>
           <a:custGeom>
-            <a:avLst/>
-            <a:gdLst/>
-            <a:ahLst/>
-            <a:cxnLst/>
-            <a:rect l="l" t="t" r="r" b="b"/>
+            <a:rect b="b" l="l" r="r" t="t"/>
             <a:pathLst>
-              <a:path w="120000" h="120000" extrusionOk="0">
+              <a:path extrusionOk="0" h="120000" w="120000">
                 <a:moveTo>
                   <a:pt x="0" y="0"/>
                 </a:moveTo>
@@ -1691,12 +1622,10 @@
       </p:sp>
       <p:sp>
         <p:nvSpPr>
-          <p:cNvPr id="101" name="Google Shape;101;g1ed51a05976_0_17:notes"/>
-          <p:cNvSpPr txBox="1">
-            <a:spLocks noGrp="1"/>
-          </p:cNvSpPr>
+          <p:cNvPr id="102" name="Google Shape;102;g1ed51a05976_0_17:notes"/>
+          <p:cNvSpPr txBox="1"/>
           <p:nvPr>
-            <p:ph type="body" idx="1"/>
+            <p:ph idx="1" type="body"/>
           </p:nvPr>
         </p:nvSpPr>
         <p:spPr>
@@ -1709,12 +1638,12 @@
           </a:prstGeom>
         </p:spPr>
         <p:txBody>
-          <a:bodyPr spcFirstLastPara="1" wrap="square" lIns="91425" tIns="91425" rIns="91425" bIns="91425" anchor="t" anchorCtr="0">
+          <a:bodyPr anchorCtr="0" anchor="t" bIns="91425" lIns="91425" spcFirstLastPara="1" rIns="91425" wrap="square" tIns="91425">
             <a:noAutofit/>
           </a:bodyPr>
           <a:lstStyle/>
           <a:p>
-            <a:pPr marL="0" lvl="0" indent="0" algn="l" rtl="0">
+            <a:pPr indent="0" lvl="0" marL="0" rtl="0" algn="l">
               <a:spcBef>
                 <a:spcPts val="0"/>
               </a:spcBef>
@@ -1728,7 +1657,7 @@
                 <a:solidFill>
                   <a:schemeClr val="hlink"/>
                 </a:solidFill>
-                <a:hlinkClick r:id="rId3"/>
+                <a:hlinkClick r:id="rId2"/>
               </a:rPr>
               <a:t>https://www.mongodb.com/pt-br/company</a:t>
             </a:r>
@@ -1739,7 +1668,7 @@
             </a:endParaRPr>
           </a:p>
           <a:p>
-            <a:pPr marL="0" lvl="0" indent="0" algn="l" rtl="0">
+            <a:pPr indent="0" lvl="0" marL="0" rtl="0" algn="l">
               <a:spcBef>
                 <a:spcPts val="0"/>
               </a:spcBef>
@@ -1753,7 +1682,7 @@
                 <a:solidFill>
                   <a:schemeClr val="hlink"/>
                 </a:solidFill>
-                <a:hlinkClick r:id="rId4"/>
+                <a:hlinkClick r:id="rId3"/>
               </a:rPr>
               <a:t>https://www.ibm.com/br-pt/topics/mongodb</a:t>
             </a:r>
@@ -1764,7 +1693,7 @@
             </a:endParaRPr>
           </a:p>
           <a:p>
-            <a:pPr marL="0" lvl="0" indent="0" algn="l" rtl="0">
+            <a:pPr indent="0" lvl="0" marL="0" rtl="0" algn="l">
               <a:spcBef>
                 <a:spcPts val="0"/>
               </a:spcBef>
@@ -1773,6 +1702,9 @@
               </a:spcAft>
               <a:buNone/>
             </a:pPr>
+            <a:r>
+              <a:t/>
+            </a:r>
             <a:endParaRPr>
               <a:solidFill>
                 <a:schemeClr val="dk1"/>
@@ -1780,7 +1712,7 @@
             </a:endParaRPr>
           </a:p>
           <a:p>
-            <a:pPr marL="0" lvl="0" indent="0" algn="l" rtl="0">
+            <a:pPr indent="0" lvl="0" marL="0" rtl="0" algn="l">
               <a:spcBef>
                 <a:spcPts val="0"/>
               </a:spcBef>
@@ -1804,7 +1736,7 @@
             </a:endParaRPr>
           </a:p>
           <a:p>
-            <a:pPr marL="0" lvl="0" indent="0" algn="l" rtl="0">
+            <a:pPr indent="0" lvl="0" marL="0" rtl="0" algn="l">
               <a:spcBef>
                 <a:spcPts val="0"/>
               </a:spcBef>
@@ -1818,7 +1750,7 @@
                 <a:solidFill>
                   <a:schemeClr val="hlink"/>
                 </a:solidFill>
-                <a:hlinkClick r:id="rId5"/>
+                <a:hlinkClick r:id="rId4"/>
               </a:rPr>
               <a:t>https://intellipaat.com/blog/mongodb-vs-sql/#:~:text=In%20comparison%20to%20the%20SQL,of%20data%2C%20however%20MongoDB%20does</a:t>
             </a:r>
@@ -1837,7 +1769,7 @@
             </a:endParaRPr>
           </a:p>
           <a:p>
-            <a:pPr marL="0" lvl="0" indent="0" algn="l" rtl="0">
+            <a:pPr indent="0" lvl="0" marL="0" rtl="0" algn="l">
               <a:spcBef>
                 <a:spcPts val="0"/>
               </a:spcBef>
@@ -1846,6 +1778,9 @@
               </a:spcAft>
               <a:buNone/>
             </a:pPr>
+            <a:r>
+              <a:t/>
+            </a:r>
             <a:endParaRPr>
               <a:solidFill>
                 <a:schemeClr val="dk1"/>
@@ -1853,7 +1788,7 @@
             </a:endParaRPr>
           </a:p>
           <a:p>
-            <a:pPr marL="0" lvl="0" indent="0" algn="l" rtl="0">
+            <a:pPr indent="0" lvl="0" marL="0" rtl="0" algn="l">
               <a:spcBef>
                 <a:spcPts val="0"/>
               </a:spcBef>
@@ -1883,11 +1818,11 @@
 </file>
 
 <file path=ppt/notesSlides/notesSlide6.xml><?xml version="1.0" encoding="utf-8"?>
-<p:notes xmlns:a="http://schemas.openxmlformats.org/drawingml/2006/main" xmlns:r="http://schemas.openxmlformats.org/officeDocument/2006/relationships" xmlns:p="http://schemas.openxmlformats.org/presentationml/2006/main" showMasterSp="0" showMasterPhAnim="0">
+<p:notes xmlns:a="http://schemas.openxmlformats.org/drawingml/2006/main" xmlns:r="http://schemas.openxmlformats.org/officeDocument/2006/relationships" xmlns:mc="http://schemas.openxmlformats.org/markup-compatibility/2006" xmlns:mv="urn:schemas-microsoft-com:mac:vml" xmlns:p="http://schemas.openxmlformats.org/presentationml/2006/main" xmlns:c="http://schemas.openxmlformats.org/drawingml/2006/chart" xmlns:dgm="http://schemas.openxmlformats.org/drawingml/2006/diagram" xmlns:o="urn:schemas-microsoft-com:office:office" xmlns:v="urn:schemas-microsoft-com:vml" xmlns:pvml="urn:schemas-microsoft-com:office:powerpoint" xmlns:com="http://schemas.openxmlformats.org/drawingml/2006/compatibility" xmlns:p14="http://schemas.microsoft.com/office/powerpoint/2010/main" xmlns:p15="http://schemas.microsoft.com/office/powerpoint/2012/main" xmlns:ahyp="http://schemas.microsoft.com/office/drawing/2018/hyperlinkcolor" showMasterPhAnim="0" showMasterSp="0">
   <p:cSld>
     <p:spTree>
       <p:nvGrpSpPr>
-        <p:cNvPr id="1" name="Shape 106"/>
+        <p:cNvPr id="107" name="Shape 107"/>
         <p:cNvGrpSpPr/>
         <p:nvPr/>
       </p:nvGrpSpPr>
@@ -1901,12 +1836,10 @@
       </p:grpSpPr>
       <p:sp>
         <p:nvSpPr>
-          <p:cNvPr id="107" name="Google Shape;107;g1ed51a05976_0_72:notes"/>
-          <p:cNvSpPr>
-            <a:spLocks noGrp="1" noRot="1" noChangeAspect="1"/>
-          </p:cNvSpPr>
+          <p:cNvPr id="108" name="Google Shape;108;g1ed51a05976_0_72:notes"/>
+          <p:cNvSpPr/>
           <p:nvPr>
-            <p:ph type="sldImg" idx="2"/>
+            <p:ph idx="2" type="sldImg"/>
           </p:nvPr>
         </p:nvSpPr>
         <p:spPr>
@@ -1915,13 +1848,9 @@
             <a:ext cx="6096000" cy="3429000"/>
           </a:xfrm>
           <a:custGeom>
-            <a:avLst/>
-            <a:gdLst/>
-            <a:ahLst/>
-            <a:cxnLst/>
-            <a:rect l="l" t="t" r="r" b="b"/>
+            <a:rect b="b" l="l" r="r" t="t"/>
             <a:pathLst>
-              <a:path w="120000" h="120000" extrusionOk="0">
+              <a:path extrusionOk="0" h="120000" w="120000">
                 <a:moveTo>
                   <a:pt x="0" y="0"/>
                 </a:moveTo>
@@ -1942,12 +1871,10 @@
       </p:sp>
       <p:sp>
         <p:nvSpPr>
-          <p:cNvPr id="108" name="Google Shape;108;g1ed51a05976_0_72:notes"/>
-          <p:cNvSpPr txBox="1">
-            <a:spLocks noGrp="1"/>
-          </p:cNvSpPr>
+          <p:cNvPr id="109" name="Google Shape;109;g1ed51a05976_0_72:notes"/>
+          <p:cNvSpPr txBox="1"/>
           <p:nvPr>
-            <p:ph type="body" idx="1"/>
+            <p:ph idx="1" type="body"/>
           </p:nvPr>
         </p:nvSpPr>
         <p:spPr>
@@ -1960,12 +1887,12 @@
           </a:prstGeom>
         </p:spPr>
         <p:txBody>
-          <a:bodyPr spcFirstLastPara="1" wrap="square" lIns="91425" tIns="91425" rIns="91425" bIns="91425" anchor="t" anchorCtr="0">
+          <a:bodyPr anchorCtr="0" anchor="t" bIns="91425" lIns="91425" spcFirstLastPara="1" rIns="91425" wrap="square" tIns="91425">
             <a:noAutofit/>
           </a:bodyPr>
           <a:lstStyle/>
           <a:p>
-            <a:pPr marL="0" lvl="0" indent="0" algn="l" rtl="0">
+            <a:pPr indent="0" lvl="0" marL="0" rtl="0" algn="l">
               <a:spcBef>
                 <a:spcPts val="0"/>
               </a:spcBef>
@@ -1979,7 +1906,7 @@
                 <a:solidFill>
                   <a:schemeClr val="hlink"/>
                 </a:solidFill>
-                <a:hlinkClick r:id="rId3"/>
+                <a:hlinkClick r:id="rId2"/>
               </a:rPr>
               <a:t>https://www.mongodb.com/pt-br/company</a:t>
             </a:r>
@@ -1990,7 +1917,7 @@
             </a:endParaRPr>
           </a:p>
           <a:p>
-            <a:pPr marL="0" lvl="0" indent="0" algn="l" rtl="0">
+            <a:pPr indent="0" lvl="0" marL="0" rtl="0" algn="l">
               <a:spcBef>
                 <a:spcPts val="0"/>
               </a:spcBef>
@@ -2004,7 +1931,7 @@
                 <a:solidFill>
                   <a:schemeClr val="hlink"/>
                 </a:solidFill>
-                <a:hlinkClick r:id="rId4"/>
+                <a:hlinkClick r:id="rId3"/>
               </a:rPr>
               <a:t>https://www.ibm.com/br-pt/topics/mongodb</a:t>
             </a:r>
@@ -2015,7 +1942,7 @@
             </a:endParaRPr>
           </a:p>
           <a:p>
-            <a:pPr marL="0" lvl="0" indent="0" algn="l" rtl="0">
+            <a:pPr indent="0" lvl="0" marL="0" rtl="0" algn="l">
               <a:spcBef>
                 <a:spcPts val="0"/>
               </a:spcBef>
@@ -2024,6 +1951,9 @@
               </a:spcAft>
               <a:buNone/>
             </a:pPr>
+            <a:r>
+              <a:t/>
+            </a:r>
             <a:endParaRPr>
               <a:solidFill>
                 <a:schemeClr val="dk1"/>
@@ -2031,7 +1961,7 @@
             </a:endParaRPr>
           </a:p>
           <a:p>
-            <a:pPr marL="0" lvl="0" indent="0" algn="l" rtl="0">
+            <a:pPr indent="0" lvl="0" marL="0" rtl="0" algn="l">
               <a:spcBef>
                 <a:spcPts val="0"/>
               </a:spcBef>
@@ -2055,7 +1985,7 @@
             </a:endParaRPr>
           </a:p>
           <a:p>
-            <a:pPr marL="0" lvl="0" indent="0" algn="l" rtl="0">
+            <a:pPr indent="0" lvl="0" marL="0" rtl="0" algn="l">
               <a:spcBef>
                 <a:spcPts val="0"/>
               </a:spcBef>
@@ -2069,7 +1999,7 @@
                 <a:solidFill>
                   <a:schemeClr val="hlink"/>
                 </a:solidFill>
-                <a:hlinkClick r:id="rId5"/>
+                <a:hlinkClick r:id="rId4"/>
               </a:rPr>
               <a:t>https://intellipaat.com/blog/mongodb-vs-sql/#:~:text=In%20comparison%20to%20the%20SQL,of%20data%2C%20however%20MongoDB%20does</a:t>
             </a:r>
@@ -2088,7 +2018,7 @@
             </a:endParaRPr>
           </a:p>
           <a:p>
-            <a:pPr marL="0" lvl="0" indent="0" algn="l" rtl="0">
+            <a:pPr indent="0" lvl="0" marL="0" rtl="0" algn="l">
               <a:spcBef>
                 <a:spcPts val="0"/>
               </a:spcBef>
@@ -2097,6 +2027,9 @@
               </a:spcAft>
               <a:buNone/>
             </a:pPr>
+            <a:r>
+              <a:t/>
+            </a:r>
             <a:endParaRPr>
               <a:solidFill>
                 <a:schemeClr val="dk1"/>
@@ -2104,7 +2037,7 @@
             </a:endParaRPr>
           </a:p>
           <a:p>
-            <a:pPr marL="0" lvl="0" indent="0" algn="l" rtl="0">
+            <a:pPr indent="0" lvl="0" marL="0" rtl="0" algn="l">
               <a:spcBef>
                 <a:spcPts val="0"/>
               </a:spcBef>
@@ -2134,11 +2067,11 @@
 </file>
 
 <file path=ppt/notesSlides/notesSlide7.xml><?xml version="1.0" encoding="utf-8"?>
-<p:notes xmlns:a="http://schemas.openxmlformats.org/drawingml/2006/main" xmlns:r="http://schemas.openxmlformats.org/officeDocument/2006/relationships" xmlns:p="http://schemas.openxmlformats.org/presentationml/2006/main" showMasterSp="0" showMasterPhAnim="0">
+<p:notes xmlns:a="http://schemas.openxmlformats.org/drawingml/2006/main" xmlns:r="http://schemas.openxmlformats.org/officeDocument/2006/relationships" xmlns:mc="http://schemas.openxmlformats.org/markup-compatibility/2006" xmlns:mv="urn:schemas-microsoft-com:mac:vml" xmlns:p="http://schemas.openxmlformats.org/presentationml/2006/main" xmlns:c="http://schemas.openxmlformats.org/drawingml/2006/chart" xmlns:dgm="http://schemas.openxmlformats.org/drawingml/2006/diagram" xmlns:o="urn:schemas-microsoft-com:office:office" xmlns:v="urn:schemas-microsoft-com:vml" xmlns:pvml="urn:schemas-microsoft-com:office:powerpoint" xmlns:com="http://schemas.openxmlformats.org/drawingml/2006/compatibility" xmlns:p14="http://schemas.microsoft.com/office/powerpoint/2010/main" xmlns:p15="http://schemas.microsoft.com/office/powerpoint/2012/main" xmlns:ahyp="http://schemas.microsoft.com/office/drawing/2018/hyperlinkcolor" showMasterPhAnim="0" showMasterSp="0">
   <p:cSld>
     <p:spTree>
       <p:nvGrpSpPr>
-        <p:cNvPr id="1" name="Shape 112"/>
+        <p:cNvPr id="113" name="Shape 113"/>
         <p:cNvGrpSpPr/>
         <p:nvPr/>
       </p:nvGrpSpPr>
@@ -2152,12 +2085,10 @@
       </p:grpSpPr>
       <p:sp>
         <p:nvSpPr>
-          <p:cNvPr id="113" name="Google Shape;113;g1ed51a05976_0_32:notes"/>
-          <p:cNvSpPr>
-            <a:spLocks noGrp="1" noRot="1" noChangeAspect="1"/>
-          </p:cNvSpPr>
+          <p:cNvPr id="114" name="Google Shape;114;g1ed51a05976_0_32:notes"/>
+          <p:cNvSpPr/>
           <p:nvPr>
-            <p:ph type="sldImg" idx="2"/>
+            <p:ph idx="2" type="sldImg"/>
           </p:nvPr>
         </p:nvSpPr>
         <p:spPr>
@@ -2166,13 +2097,9 @@
             <a:ext cx="6096000" cy="3429000"/>
           </a:xfrm>
           <a:custGeom>
-            <a:avLst/>
-            <a:gdLst/>
-            <a:ahLst/>
-            <a:cxnLst/>
-            <a:rect l="l" t="t" r="r" b="b"/>
+            <a:rect b="b" l="l" r="r" t="t"/>
             <a:pathLst>
-              <a:path w="120000" h="120000" extrusionOk="0">
+              <a:path extrusionOk="0" h="120000" w="120000">
                 <a:moveTo>
                   <a:pt x="0" y="0"/>
                 </a:moveTo>
@@ -2193,12 +2120,10 @@
       </p:sp>
       <p:sp>
         <p:nvSpPr>
-          <p:cNvPr id="114" name="Google Shape;114;g1ed51a05976_0_32:notes"/>
-          <p:cNvSpPr txBox="1">
-            <a:spLocks noGrp="1"/>
-          </p:cNvSpPr>
+          <p:cNvPr id="115" name="Google Shape;115;g1ed51a05976_0_32:notes"/>
+          <p:cNvSpPr txBox="1"/>
           <p:nvPr>
-            <p:ph type="body" idx="1"/>
+            <p:ph idx="1" type="body"/>
           </p:nvPr>
         </p:nvSpPr>
         <p:spPr>
@@ -2211,12 +2136,12 @@
           </a:prstGeom>
         </p:spPr>
         <p:txBody>
-          <a:bodyPr spcFirstLastPara="1" wrap="square" lIns="91425" tIns="91425" rIns="91425" bIns="91425" anchor="t" anchorCtr="0">
+          <a:bodyPr anchorCtr="0" anchor="t" bIns="91425" lIns="91425" spcFirstLastPara="1" rIns="91425" wrap="square" tIns="91425">
             <a:noAutofit/>
           </a:bodyPr>
           <a:lstStyle/>
           <a:p>
-            <a:pPr marL="0" lvl="0" indent="0" algn="l" rtl="0">
+            <a:pPr indent="0" lvl="0" marL="0" rtl="0" algn="l">
               <a:spcBef>
                 <a:spcPts val="0"/>
               </a:spcBef>
@@ -2230,7 +2155,7 @@
                 <a:solidFill>
                   <a:schemeClr val="hlink"/>
                 </a:solidFill>
-                <a:hlinkClick r:id="rId3"/>
+                <a:hlinkClick r:id="rId2"/>
               </a:rPr>
               <a:t>https://www.mongodb.com/pt-br/company</a:t>
             </a:r>
@@ -2241,7 +2166,7 @@
             </a:endParaRPr>
           </a:p>
           <a:p>
-            <a:pPr marL="0" lvl="0" indent="0" algn="l" rtl="0">
+            <a:pPr indent="0" lvl="0" marL="0" rtl="0" algn="l">
               <a:spcBef>
                 <a:spcPts val="0"/>
               </a:spcBef>
@@ -2255,7 +2180,7 @@
                 <a:solidFill>
                   <a:schemeClr val="hlink"/>
                 </a:solidFill>
-                <a:hlinkClick r:id="rId4"/>
+                <a:hlinkClick r:id="rId3"/>
               </a:rPr>
               <a:t>https://www.ibm.com/br-pt/topics/mongodb</a:t>
             </a:r>
@@ -2266,7 +2191,7 @@
             </a:endParaRPr>
           </a:p>
           <a:p>
-            <a:pPr marL="0" lvl="0" indent="0" algn="l" rtl="0">
+            <a:pPr indent="0" lvl="0" marL="0" rtl="0" algn="l">
               <a:spcBef>
                 <a:spcPts val="0"/>
               </a:spcBef>
@@ -2275,6 +2200,9 @@
               </a:spcAft>
               <a:buNone/>
             </a:pPr>
+            <a:r>
+              <a:t/>
+            </a:r>
             <a:endParaRPr>
               <a:solidFill>
                 <a:schemeClr val="dk1"/>
@@ -2282,7 +2210,7 @@
             </a:endParaRPr>
           </a:p>
           <a:p>
-            <a:pPr marL="0" lvl="0" indent="0" algn="l" rtl="0">
+            <a:pPr indent="0" lvl="0" marL="0" rtl="0" algn="l">
               <a:spcBef>
                 <a:spcPts val="0"/>
               </a:spcBef>
@@ -2306,7 +2234,7 @@
             </a:endParaRPr>
           </a:p>
           <a:p>
-            <a:pPr marL="0" lvl="0" indent="0" algn="l" rtl="0">
+            <a:pPr indent="0" lvl="0" marL="0" rtl="0" algn="l">
               <a:spcBef>
                 <a:spcPts val="0"/>
               </a:spcBef>
@@ -2320,7 +2248,7 @@
                 <a:solidFill>
                   <a:schemeClr val="hlink"/>
                 </a:solidFill>
-                <a:hlinkClick r:id="rId5"/>
+                <a:hlinkClick r:id="rId4"/>
               </a:rPr>
               <a:t>https://intellipaat.com/blog/mongodb-vs-sql/#:~:text=In%20comparison%20to%20the%20SQL,of%20data%2C%20however%20MongoDB%20does</a:t>
             </a:r>
@@ -2339,7 +2267,7 @@
             </a:endParaRPr>
           </a:p>
           <a:p>
-            <a:pPr marL="0" lvl="0" indent="0" algn="l" rtl="0">
+            <a:pPr indent="0" lvl="0" marL="0" rtl="0" algn="l">
               <a:spcBef>
                 <a:spcPts val="0"/>
               </a:spcBef>
@@ -2348,6 +2276,9 @@
               </a:spcAft>
               <a:buNone/>
             </a:pPr>
+            <a:r>
+              <a:t/>
+            </a:r>
             <a:endParaRPr>
               <a:solidFill>
                 <a:schemeClr val="dk1"/>
@@ -2355,7 +2286,7 @@
             </a:endParaRPr>
           </a:p>
           <a:p>
-            <a:pPr marL="0" lvl="0" indent="0" algn="l" rtl="0">
+            <a:pPr indent="0" lvl="0" marL="0" rtl="0" algn="l">
               <a:spcBef>
                 <a:spcPts val="0"/>
               </a:spcBef>
@@ -2385,11 +2316,11 @@
 </file>
 
 <file path=ppt/notesSlides/notesSlide8.xml><?xml version="1.0" encoding="utf-8"?>
-<p:notes xmlns:a="http://schemas.openxmlformats.org/drawingml/2006/main" xmlns:r="http://schemas.openxmlformats.org/officeDocument/2006/relationships" xmlns:p="http://schemas.openxmlformats.org/presentationml/2006/main" showMasterSp="0" showMasterPhAnim="0">
+<p:notes xmlns:a="http://schemas.openxmlformats.org/drawingml/2006/main" xmlns:r="http://schemas.openxmlformats.org/officeDocument/2006/relationships" xmlns:mc="http://schemas.openxmlformats.org/markup-compatibility/2006" xmlns:mv="urn:schemas-microsoft-com:mac:vml" xmlns:p="http://schemas.openxmlformats.org/presentationml/2006/main" xmlns:c="http://schemas.openxmlformats.org/drawingml/2006/chart" xmlns:dgm="http://schemas.openxmlformats.org/drawingml/2006/diagram" xmlns:o="urn:schemas-microsoft-com:office:office" xmlns:v="urn:schemas-microsoft-com:vml" xmlns:pvml="urn:schemas-microsoft-com:office:powerpoint" xmlns:com="http://schemas.openxmlformats.org/drawingml/2006/compatibility" xmlns:p14="http://schemas.microsoft.com/office/powerpoint/2010/main" xmlns:p15="http://schemas.microsoft.com/office/powerpoint/2012/main" xmlns:ahyp="http://schemas.microsoft.com/office/drawing/2018/hyperlinkcolor" showMasterPhAnim="0" showMasterSp="0">
   <p:cSld>
     <p:spTree>
       <p:nvGrpSpPr>
-        <p:cNvPr id="1" name="Shape 123"/>
+        <p:cNvPr id="124" name="Shape 124"/>
         <p:cNvGrpSpPr/>
         <p:nvPr/>
       </p:nvGrpSpPr>
@@ -2403,12 +2334,10 @@
       </p:grpSpPr>
       <p:sp>
         <p:nvSpPr>
-          <p:cNvPr id="124" name="Google Shape;124;g1ed51a05976_0_62:notes"/>
-          <p:cNvSpPr>
-            <a:spLocks noGrp="1" noRot="1" noChangeAspect="1"/>
-          </p:cNvSpPr>
+          <p:cNvPr id="125" name="Google Shape;125;g1ed51a05976_0_62:notes"/>
+          <p:cNvSpPr/>
           <p:nvPr>
-            <p:ph type="sldImg" idx="2"/>
+            <p:ph idx="2" type="sldImg"/>
           </p:nvPr>
         </p:nvSpPr>
         <p:spPr>
@@ -2417,13 +2346,9 @@
             <a:ext cx="6096000" cy="3429000"/>
           </a:xfrm>
           <a:custGeom>
-            <a:avLst/>
-            <a:gdLst/>
-            <a:ahLst/>
-            <a:cxnLst/>
-            <a:rect l="l" t="t" r="r" b="b"/>
+            <a:rect b="b" l="l" r="r" t="t"/>
             <a:pathLst>
-              <a:path w="120000" h="120000" extrusionOk="0">
+              <a:path extrusionOk="0" h="120000" w="120000">
                 <a:moveTo>
                   <a:pt x="0" y="0"/>
                 </a:moveTo>
@@ -2444,12 +2369,10 @@
       </p:sp>
       <p:sp>
         <p:nvSpPr>
-          <p:cNvPr id="125" name="Google Shape;125;g1ed51a05976_0_62:notes"/>
-          <p:cNvSpPr txBox="1">
-            <a:spLocks noGrp="1"/>
-          </p:cNvSpPr>
+          <p:cNvPr id="126" name="Google Shape;126;g1ed51a05976_0_62:notes"/>
+          <p:cNvSpPr txBox="1"/>
           <p:nvPr>
-            <p:ph type="body" idx="1"/>
+            <p:ph idx="1" type="body"/>
           </p:nvPr>
         </p:nvSpPr>
         <p:spPr>
@@ -2462,12 +2385,12 @@
           </a:prstGeom>
         </p:spPr>
         <p:txBody>
-          <a:bodyPr spcFirstLastPara="1" wrap="square" lIns="91425" tIns="91425" rIns="91425" bIns="91425" anchor="t" anchorCtr="0">
+          <a:bodyPr anchorCtr="0" anchor="t" bIns="91425" lIns="91425" spcFirstLastPara="1" rIns="91425" wrap="square" tIns="91425">
             <a:noAutofit/>
           </a:bodyPr>
           <a:lstStyle/>
           <a:p>
-            <a:pPr marL="0" lvl="0" indent="0" algn="l" rtl="0">
+            <a:pPr indent="0" lvl="0" marL="0" rtl="0" algn="l">
               <a:spcBef>
                 <a:spcPts val="0"/>
               </a:spcBef>
@@ -2481,7 +2404,7 @@
                 <a:solidFill>
                   <a:schemeClr val="hlink"/>
                 </a:solidFill>
-                <a:hlinkClick r:id="rId3"/>
+                <a:hlinkClick r:id="rId2"/>
               </a:rPr>
               <a:t>https://www.mongodb.com/pt-br/company</a:t>
             </a:r>
@@ -2492,7 +2415,7 @@
             </a:endParaRPr>
           </a:p>
           <a:p>
-            <a:pPr marL="0" lvl="0" indent="0" algn="l" rtl="0">
+            <a:pPr indent="0" lvl="0" marL="0" rtl="0" algn="l">
               <a:spcBef>
                 <a:spcPts val="0"/>
               </a:spcBef>
@@ -2506,7 +2429,7 @@
                 <a:solidFill>
                   <a:schemeClr val="hlink"/>
                 </a:solidFill>
-                <a:hlinkClick r:id="rId4"/>
+                <a:hlinkClick r:id="rId3"/>
               </a:rPr>
               <a:t>https://www.ibm.com/br-pt/topics/mongodb</a:t>
             </a:r>
@@ -2517,7 +2440,7 @@
             </a:endParaRPr>
           </a:p>
           <a:p>
-            <a:pPr marL="0" lvl="0" indent="0" algn="l" rtl="0">
+            <a:pPr indent="0" lvl="0" marL="0" rtl="0" algn="l">
               <a:spcBef>
                 <a:spcPts val="0"/>
               </a:spcBef>
@@ -2526,6 +2449,9 @@
               </a:spcAft>
               <a:buNone/>
             </a:pPr>
+            <a:r>
+              <a:t/>
+            </a:r>
             <a:endParaRPr>
               <a:solidFill>
                 <a:schemeClr val="dk1"/>
@@ -2533,7 +2459,7 @@
             </a:endParaRPr>
           </a:p>
           <a:p>
-            <a:pPr marL="0" lvl="0" indent="0" algn="l" rtl="0">
+            <a:pPr indent="0" lvl="0" marL="0" rtl="0" algn="l">
               <a:spcBef>
                 <a:spcPts val="0"/>
               </a:spcBef>
@@ -2557,7 +2483,7 @@
             </a:endParaRPr>
           </a:p>
           <a:p>
-            <a:pPr marL="0" lvl="0" indent="0" algn="l" rtl="0">
+            <a:pPr indent="0" lvl="0" marL="0" rtl="0" algn="l">
               <a:spcBef>
                 <a:spcPts val="0"/>
               </a:spcBef>
@@ -2571,7 +2497,7 @@
                 <a:solidFill>
                   <a:schemeClr val="hlink"/>
                 </a:solidFill>
-                <a:hlinkClick r:id="rId5"/>
+                <a:hlinkClick r:id="rId4"/>
               </a:rPr>
               <a:t>https://intellipaat.com/blog/mongodb-vs-sql/#:~:text=In%20comparison%20to%20the%20SQL,of%20data%2C%20however%20MongoDB%20does</a:t>
             </a:r>
@@ -2590,7 +2516,7 @@
             </a:endParaRPr>
           </a:p>
           <a:p>
-            <a:pPr marL="0" lvl="0" indent="0" algn="l" rtl="0">
+            <a:pPr indent="0" lvl="0" marL="0" rtl="0" algn="l">
               <a:spcBef>
                 <a:spcPts val="0"/>
               </a:spcBef>
@@ -2599,6 +2525,9 @@
               </a:spcAft>
               <a:buNone/>
             </a:pPr>
+            <a:r>
+              <a:t/>
+            </a:r>
             <a:endParaRPr>
               <a:solidFill>
                 <a:schemeClr val="dk1"/>
@@ -2606,7 +2535,7 @@
             </a:endParaRPr>
           </a:p>
           <a:p>
-            <a:pPr marL="0" lvl="0" indent="0" algn="l" rtl="0">
+            <a:pPr indent="0" lvl="0" marL="0" rtl="0" algn="l">
               <a:spcBef>
                 <a:spcPts val="0"/>
               </a:spcBef>
@@ -2636,11 +2565,11 @@
 </file>
 
 <file path=ppt/notesSlides/notesSlide9.xml><?xml version="1.0" encoding="utf-8"?>
-<p:notes xmlns:a="http://schemas.openxmlformats.org/drawingml/2006/main" xmlns:r="http://schemas.openxmlformats.org/officeDocument/2006/relationships" xmlns:p="http://schemas.openxmlformats.org/presentationml/2006/main" showMasterSp="0" showMasterPhAnim="0">
+<p:notes xmlns:a="http://schemas.openxmlformats.org/drawingml/2006/main" xmlns:r="http://schemas.openxmlformats.org/officeDocument/2006/relationships" xmlns:mc="http://schemas.openxmlformats.org/markup-compatibility/2006" xmlns:mv="urn:schemas-microsoft-com:mac:vml" xmlns:p="http://schemas.openxmlformats.org/presentationml/2006/main" xmlns:c="http://schemas.openxmlformats.org/drawingml/2006/chart" xmlns:dgm="http://schemas.openxmlformats.org/drawingml/2006/diagram" xmlns:o="urn:schemas-microsoft-com:office:office" xmlns:v="urn:schemas-microsoft-com:vml" xmlns:pvml="urn:schemas-microsoft-com:office:powerpoint" xmlns:com="http://schemas.openxmlformats.org/drawingml/2006/compatibility" xmlns:p14="http://schemas.microsoft.com/office/powerpoint/2010/main" xmlns:p15="http://schemas.microsoft.com/office/powerpoint/2012/main" xmlns:ahyp="http://schemas.microsoft.com/office/drawing/2018/hyperlinkcolor" showMasterPhAnim="0" showMasterSp="0">
   <p:cSld>
     <p:spTree>
       <p:nvGrpSpPr>
-        <p:cNvPr id="1" name="Shape 129"/>
+        <p:cNvPr id="130" name="Shape 130"/>
         <p:cNvGrpSpPr/>
         <p:nvPr/>
       </p:nvGrpSpPr>
@@ -2654,12 +2583,10 @@
       </p:grpSpPr>
       <p:sp>
         <p:nvSpPr>
-          <p:cNvPr id="130" name="Google Shape;130;g1ed51a05976_0_51:notes"/>
-          <p:cNvSpPr>
-            <a:spLocks noGrp="1" noRot="1" noChangeAspect="1"/>
-          </p:cNvSpPr>
+          <p:cNvPr id="131" name="Google Shape;131;g1ed51a05976_0_51:notes"/>
+          <p:cNvSpPr/>
           <p:nvPr>
-            <p:ph type="sldImg" idx="2"/>
+            <p:ph idx="2" type="sldImg"/>
           </p:nvPr>
         </p:nvSpPr>
         <p:spPr>
@@ -2668,13 +2595,9 @@
             <a:ext cx="6096000" cy="3429000"/>
           </a:xfrm>
           <a:custGeom>
-            <a:avLst/>
-            <a:gdLst/>
-            <a:ahLst/>
-            <a:cxnLst/>
-            <a:rect l="l" t="t" r="r" b="b"/>
+            <a:rect b="b" l="l" r="r" t="t"/>
             <a:pathLst>
-              <a:path w="120000" h="120000" extrusionOk="0">
+              <a:path extrusionOk="0" h="120000" w="120000">
                 <a:moveTo>
                   <a:pt x="0" y="0"/>
                 </a:moveTo>
@@ -2695,12 +2618,10 @@
       </p:sp>
       <p:sp>
         <p:nvSpPr>
-          <p:cNvPr id="131" name="Google Shape;131;g1ed51a05976_0_51:notes"/>
-          <p:cNvSpPr txBox="1">
-            <a:spLocks noGrp="1"/>
-          </p:cNvSpPr>
+          <p:cNvPr id="132" name="Google Shape;132;g1ed51a05976_0_51:notes"/>
+          <p:cNvSpPr txBox="1"/>
           <p:nvPr>
-            <p:ph type="body" idx="1"/>
+            <p:ph idx="1" type="body"/>
           </p:nvPr>
         </p:nvSpPr>
         <p:spPr>
@@ -2713,12 +2634,12 @@
           </a:prstGeom>
         </p:spPr>
         <p:txBody>
-          <a:bodyPr spcFirstLastPara="1" wrap="square" lIns="91425" tIns="91425" rIns="91425" bIns="91425" anchor="t" anchorCtr="0">
+          <a:bodyPr anchorCtr="0" anchor="t" bIns="91425" lIns="91425" spcFirstLastPara="1" rIns="91425" wrap="square" tIns="91425">
             <a:noAutofit/>
           </a:bodyPr>
           <a:lstStyle/>
           <a:p>
-            <a:pPr marL="0" lvl="0" indent="0" algn="l" rtl="0">
+            <a:pPr indent="0" lvl="0" marL="0" rtl="0" algn="l">
               <a:spcBef>
                 <a:spcPts val="0"/>
               </a:spcBef>
@@ -2727,6 +2648,9 @@
               </a:spcAft>
               <a:buNone/>
             </a:pPr>
+            <a:r>
+              <a:t/>
+            </a:r>
             <a:endParaRPr>
               <a:solidFill>
                 <a:schemeClr val="dk1"/>
@@ -2734,7 +2658,7 @@
             </a:endParaRPr>
           </a:p>
           <a:p>
-            <a:pPr marL="0" lvl="0" indent="0" algn="l" rtl="0">
+            <a:pPr indent="0" lvl="0" marL="0" rtl="0" algn="l">
               <a:spcBef>
                 <a:spcPts val="0"/>
               </a:spcBef>
@@ -2743,6 +2667,9 @@
               </a:spcAft>
               <a:buNone/>
             </a:pPr>
+            <a:r>
+              <a:t/>
+            </a:r>
             <a:endParaRPr>
               <a:solidFill>
                 <a:schemeClr val="dk1"/>
@@ -2750,7 +2677,7 @@
             </a:endParaRPr>
           </a:p>
           <a:p>
-            <a:pPr marL="0" lvl="0" indent="0" algn="l" rtl="0">
+            <a:pPr indent="0" lvl="0" marL="0" rtl="0" algn="l">
               <a:spcBef>
                 <a:spcPts val="0"/>
               </a:spcBef>
@@ -2774,7 +2701,7 @@
             </a:endParaRPr>
           </a:p>
           <a:p>
-            <a:pPr marL="0" lvl="0" indent="0" algn="l" rtl="0">
+            <a:pPr indent="0" lvl="0" marL="0" rtl="0" algn="l">
               <a:spcBef>
                 <a:spcPts val="0"/>
               </a:spcBef>
@@ -2788,7 +2715,7 @@
                 <a:solidFill>
                   <a:schemeClr val="hlink"/>
                 </a:solidFill>
-                <a:hlinkClick r:id="rId3"/>
+                <a:hlinkClick r:id="rId2"/>
               </a:rPr>
               <a:t>https://intellipaat.com/blog/mongodb-vs-sql/#:~:text=In%20comparison%20to%20the%20SQL,of%20data%2C%20however%20MongoDB%20does</a:t>
             </a:r>
@@ -2807,7 +2734,7 @@
             </a:endParaRPr>
           </a:p>
           <a:p>
-            <a:pPr marL="0" lvl="0" indent="0" algn="l" rtl="0">
+            <a:pPr indent="0" lvl="0" marL="0" rtl="0" algn="l">
               <a:spcBef>
                 <a:spcPts val="0"/>
               </a:spcBef>
@@ -2816,6 +2743,9 @@
               </a:spcAft>
               <a:buNone/>
             </a:pPr>
+            <a:r>
+              <a:t/>
+            </a:r>
             <a:endParaRPr>
               <a:solidFill>
                 <a:schemeClr val="dk1"/>
@@ -2823,7 +2753,7 @@
             </a:endParaRPr>
           </a:p>
           <a:p>
-            <a:pPr marL="0" lvl="0" indent="0" algn="l" rtl="0">
+            <a:pPr indent="0" lvl="0" marL="0" rtl="0" algn="l">
               <a:spcBef>
                 <a:spcPts val="0"/>
               </a:spcBef>
@@ -2853,19 +2783,18 @@
 </file>
 
 <file path=ppt/slideLayouts/slideLayout1.xml><?xml version="1.0" encoding="utf-8"?>
-<p:sldLayout xmlns:a="http://schemas.openxmlformats.org/drawingml/2006/main" xmlns:r="http://schemas.openxmlformats.org/officeDocument/2006/relationships" xmlns:p="http://schemas.openxmlformats.org/presentationml/2006/main" matchingName="Title slide" type="title">
+<p:sldLayout xmlns:a="http://schemas.openxmlformats.org/drawingml/2006/main" xmlns:r="http://schemas.openxmlformats.org/officeDocument/2006/relationships" xmlns:mc="http://schemas.openxmlformats.org/markup-compatibility/2006" xmlns:mv="urn:schemas-microsoft-com:mac:vml" xmlns:p="http://schemas.openxmlformats.org/presentationml/2006/main" xmlns:c="http://schemas.openxmlformats.org/drawingml/2006/chart" xmlns:dgm="http://schemas.openxmlformats.org/drawingml/2006/diagram" xmlns:o="urn:schemas-microsoft-com:office:office" xmlns:v="urn:schemas-microsoft-com:vml" xmlns:pvml="urn:schemas-microsoft-com:office:powerpoint" xmlns:com="http://schemas.openxmlformats.org/drawingml/2006/compatibility" xmlns:p14="http://schemas.microsoft.com/office/powerpoint/2010/main" xmlns:p15="http://schemas.microsoft.com/office/powerpoint/2012/main" xmlns:ahyp="http://schemas.microsoft.com/office/drawing/2018/hyperlinkcolor" matchingName="Title slide" type="title">
   <p:cSld name="TITLE">
     <p:bg>
       <p:bgPr>
         <a:solidFill>
           <a:srgbClr val="93C47D"/>
         </a:solidFill>
-        <a:effectLst/>
       </p:bgPr>
     </p:bg>
     <p:spTree>
       <p:nvGrpSpPr>
-        <p:cNvPr id="1" name="Shape 9"/>
+        <p:cNvPr id="9" name="Shape 9"/>
         <p:cNvGrpSpPr/>
         <p:nvPr/>
       </p:nvGrpSpPr>
@@ -2892,14 +2821,14 @@
             <a:avLst/>
           </a:prstGeom>
           <a:noFill/>
-          <a:ln w="38100" cap="flat" cmpd="sng">
+          <a:ln cap="flat" cmpd="sng" w="38100">
             <a:solidFill>
               <a:schemeClr val="lt1"/>
             </a:solidFill>
             <a:prstDash val="solid"/>
             <a:round/>
-            <a:headEnd type="none" w="sm" len="sm"/>
-            <a:tailEnd type="none" w="sm" len="sm"/>
+            <a:headEnd len="sm" w="sm" type="none"/>
+            <a:tailEnd len="sm" w="sm" type="none"/>
           </a:ln>
         </p:spPr>
       </p:cxnSp>
@@ -2918,14 +2847,14 @@
             <a:avLst/>
           </a:prstGeom>
           <a:noFill/>
-          <a:ln w="19050" cap="flat" cmpd="sng">
+          <a:ln cap="flat" cmpd="sng" w="19050">
             <a:solidFill>
               <a:schemeClr val="lt1"/>
             </a:solidFill>
             <a:prstDash val="solid"/>
             <a:round/>
-            <a:headEnd type="none" w="sm" len="sm"/>
-            <a:tailEnd type="none" w="sm" len="sm"/>
+            <a:headEnd len="sm" w="sm" type="none"/>
+            <a:tailEnd len="sm" w="sm" type="none"/>
           </a:ln>
         </p:spPr>
       </p:cxnSp>
@@ -2944,23 +2873,21 @@
             <a:avLst/>
           </a:prstGeom>
           <a:noFill/>
-          <a:ln w="19050" cap="flat" cmpd="sng">
+          <a:ln cap="flat" cmpd="sng" w="19050">
             <a:solidFill>
               <a:schemeClr val="lt1"/>
             </a:solidFill>
             <a:prstDash val="solid"/>
             <a:round/>
-            <a:headEnd type="none" w="sm" len="sm"/>
-            <a:tailEnd type="none" w="sm" len="sm"/>
+            <a:headEnd len="sm" w="sm" type="none"/>
+            <a:tailEnd len="sm" w="sm" type="none"/>
           </a:ln>
         </p:spPr>
       </p:cxnSp>
       <p:sp>
         <p:nvSpPr>
           <p:cNvPr id="13" name="Google Shape;13;p2"/>
-          <p:cNvSpPr txBox="1">
-            <a:spLocks noGrp="1"/>
-          </p:cNvSpPr>
+          <p:cNvSpPr txBox="1"/>
           <p:nvPr>
             <p:ph type="ctrTitle"/>
           </p:nvPr>
@@ -2975,7 +2902,7 @@
           </a:prstGeom>
         </p:spPr>
         <p:txBody>
-          <a:bodyPr spcFirstLastPara="1" wrap="square" lIns="91425" tIns="91425" rIns="91425" bIns="91425" anchor="t" anchorCtr="0">
+          <a:bodyPr anchorCtr="0" anchor="t" bIns="91425" lIns="91425" spcFirstLastPara="1" rIns="91425" wrap="square" tIns="91425">
             <a:normAutofit/>
           </a:bodyPr>
           <a:lstStyle>
@@ -3142,19 +3069,15 @@
               </a:defRPr>
             </a:lvl9pPr>
           </a:lstStyle>
-          <a:p>
-            <a:endParaRPr/>
-          </a:p>
+          <a:p/>
         </p:txBody>
       </p:sp>
       <p:sp>
         <p:nvSpPr>
           <p:cNvPr id="14" name="Google Shape;14;p2"/>
-          <p:cNvSpPr txBox="1">
-            <a:spLocks noGrp="1"/>
-          </p:cNvSpPr>
+          <p:cNvSpPr txBox="1"/>
           <p:nvPr>
-            <p:ph type="subTitle" idx="1"/>
+            <p:ph idx="1" type="subTitle"/>
           </p:nvPr>
         </p:nvSpPr>
         <p:spPr>
@@ -3167,7 +3090,7 @@
           </a:prstGeom>
         </p:spPr>
         <p:txBody>
-          <a:bodyPr spcFirstLastPara="1" wrap="square" lIns="91425" tIns="91425" rIns="91425" bIns="91425" anchor="b" anchorCtr="0">
+          <a:bodyPr anchorCtr="0" anchor="b" bIns="91425" lIns="91425" spcFirstLastPara="1" rIns="91425" wrap="square" tIns="91425">
             <a:normAutofit/>
           </a:bodyPr>
           <a:lstStyle>
@@ -3361,19 +3284,15 @@
               </a:defRPr>
             </a:lvl9pPr>
           </a:lstStyle>
-          <a:p>
-            <a:endParaRPr/>
-          </a:p>
+          <a:p/>
         </p:txBody>
       </p:sp>
       <p:sp>
         <p:nvSpPr>
           <p:cNvPr id="15" name="Google Shape;15;p2"/>
-          <p:cNvSpPr txBox="1">
-            <a:spLocks noGrp="1"/>
-          </p:cNvSpPr>
+          <p:cNvSpPr txBox="1"/>
           <p:nvPr>
-            <p:ph type="sldNum" idx="12"/>
+            <p:ph idx="12" type="sldNum"/>
           </p:nvPr>
         </p:nvSpPr>
         <p:spPr>
@@ -3386,7 +3305,7 @@
           </a:prstGeom>
         </p:spPr>
         <p:txBody>
-          <a:bodyPr spcFirstLastPara="1" wrap="square" lIns="91425" tIns="91425" rIns="91425" bIns="91425" anchor="ctr" anchorCtr="0">
+          <a:bodyPr anchorCtr="0" anchor="ctr" bIns="91425" lIns="91425" spcFirstLastPara="1" rIns="91425" wrap="square" tIns="91425">
             <a:normAutofit/>
           </a:bodyPr>
           <a:lstStyle>
@@ -3464,7 +3383,7 @@
             </a:lvl9pPr>
           </a:lstStyle>
           <a:p>
-            <a:pPr marL="0" lvl="0" indent="0" algn="r" rtl="0">
+            <a:pPr indent="0" lvl="0" marL="0" rtl="0" algn="r">
               <a:spcBef>
                 <a:spcPts val="0"/>
               </a:spcBef>
@@ -3475,7 +3394,7 @@
             </a:pPr>
             <a:fld id="{00000000-1234-1234-1234-123412341234}" type="slidenum">
               <a:rPr lang="pt-BR"/>
-              <a:t>‹nº›</a:t>
+              <a:t>‹#›</a:t>
             </a:fld>
             <a:endParaRPr/>
           </a:p>
@@ -3490,11 +3409,11 @@
 </file>
 
 <file path=ppt/slideLayouts/slideLayout10.xml><?xml version="1.0" encoding="utf-8"?>
-<p:sldLayout xmlns:a="http://schemas.openxmlformats.org/drawingml/2006/main" xmlns:r="http://schemas.openxmlformats.org/officeDocument/2006/relationships" xmlns:p="http://schemas.openxmlformats.org/presentationml/2006/main" matchingName="Big number">
+<p:sldLayout xmlns:a="http://schemas.openxmlformats.org/drawingml/2006/main" xmlns:r="http://schemas.openxmlformats.org/officeDocument/2006/relationships" xmlns:mc="http://schemas.openxmlformats.org/markup-compatibility/2006" xmlns:mv="urn:schemas-microsoft-com:mac:vml" xmlns:p="http://schemas.openxmlformats.org/presentationml/2006/main" xmlns:c="http://schemas.openxmlformats.org/drawingml/2006/chart" xmlns:dgm="http://schemas.openxmlformats.org/drawingml/2006/diagram" xmlns:o="urn:schemas-microsoft-com:office:office" xmlns:v="urn:schemas-microsoft-com:vml" xmlns:pvml="urn:schemas-microsoft-com:office:powerpoint" xmlns:com="http://schemas.openxmlformats.org/drawingml/2006/compatibility" xmlns:p14="http://schemas.microsoft.com/office/powerpoint/2010/main" xmlns:p15="http://schemas.microsoft.com/office/powerpoint/2012/main" xmlns:ahyp="http://schemas.microsoft.com/office/drawing/2018/hyperlinkcolor" matchingName="Big number">
   <p:cSld name="BIG_NUMBER">
     <p:spTree>
       <p:nvGrpSpPr>
-        <p:cNvPr id="1" name="Shape 60"/>
+        <p:cNvPr id="60" name="Shape 60"/>
         <p:cNvGrpSpPr/>
         <p:nvPr/>
       </p:nvGrpSpPr>
@@ -3521,14 +3440,14 @@
             <a:avLst/>
           </a:prstGeom>
           <a:noFill/>
-          <a:ln w="19050" cap="flat" cmpd="sng">
+          <a:ln cap="flat" cmpd="sng" w="19050">
             <a:solidFill>
               <a:schemeClr val="dk2"/>
             </a:solidFill>
             <a:prstDash val="solid"/>
             <a:round/>
-            <a:headEnd type="none" w="sm" len="sm"/>
-            <a:tailEnd type="none" w="sm" len="sm"/>
+            <a:headEnd len="sm" w="sm" type="none"/>
+            <a:tailEnd len="sm" w="sm" type="none"/>
           </a:ln>
         </p:spPr>
       </p:cxnSp>
@@ -3547,25 +3466,23 @@
             <a:avLst/>
           </a:prstGeom>
           <a:noFill/>
-          <a:ln w="38100" cap="flat" cmpd="sng">
+          <a:ln cap="flat" cmpd="sng" w="38100">
             <a:solidFill>
               <a:schemeClr val="dk2"/>
             </a:solidFill>
             <a:prstDash val="solid"/>
             <a:round/>
-            <a:headEnd type="none" w="sm" len="sm"/>
-            <a:tailEnd type="none" w="sm" len="sm"/>
+            <a:headEnd len="sm" w="sm" type="none"/>
+            <a:tailEnd len="sm" w="sm" type="none"/>
           </a:ln>
         </p:spPr>
       </p:cxnSp>
       <p:sp>
         <p:nvSpPr>
           <p:cNvPr id="63" name="Google Shape;63;p11"/>
-          <p:cNvSpPr txBox="1">
-            <a:spLocks noGrp="1"/>
-          </p:cNvSpPr>
+          <p:cNvSpPr txBox="1"/>
           <p:nvPr>
-            <p:ph type="title" hasCustomPrompt="1"/>
+            <p:ph hasCustomPrompt="1" type="title"/>
           </p:nvPr>
         </p:nvSpPr>
         <p:spPr>
@@ -3578,7 +3495,7 @@
           </a:prstGeom>
         </p:spPr>
         <p:txBody>
-          <a:bodyPr spcFirstLastPara="1" wrap="square" lIns="91425" tIns="91425" rIns="91425" bIns="91425" anchor="ctr" anchorCtr="0">
+          <a:bodyPr anchorCtr="0" anchor="ctr" bIns="91425" lIns="91425" spcFirstLastPara="1" rIns="91425" wrap="square" tIns="91425">
             <a:normAutofit/>
           </a:bodyPr>
           <a:lstStyle>
@@ -3800,11 +3717,9 @@
       <p:sp>
         <p:nvSpPr>
           <p:cNvPr id="64" name="Google Shape;64;p11"/>
-          <p:cNvSpPr txBox="1">
-            <a:spLocks noGrp="1"/>
-          </p:cNvSpPr>
+          <p:cNvSpPr txBox="1"/>
           <p:nvPr>
-            <p:ph type="body" idx="1"/>
+            <p:ph idx="1" type="body"/>
           </p:nvPr>
         </p:nvSpPr>
         <p:spPr>
@@ -3817,11 +3732,11 @@
           </a:prstGeom>
         </p:spPr>
         <p:txBody>
-          <a:bodyPr spcFirstLastPara="1" wrap="square" lIns="91425" tIns="91425" rIns="91425" bIns="91425" anchor="t" anchorCtr="0">
+          <a:bodyPr anchorCtr="0" anchor="t" bIns="91425" lIns="91425" spcFirstLastPara="1" rIns="91425" wrap="square" tIns="91425">
             <a:normAutofit/>
           </a:bodyPr>
           <a:lstStyle>
-            <a:lvl1pPr marL="457200" lvl="0" indent="-342900" algn="ctr">
+            <a:lvl1pPr indent="-342900" lvl="0" marL="457200" algn="ctr">
               <a:spcBef>
                 <a:spcPts val="0"/>
               </a:spcBef>
@@ -3832,7 +3747,7 @@
               <a:buChar char="●"/>
               <a:defRPr/>
             </a:lvl1pPr>
-            <a:lvl2pPr marL="914400" lvl="1" indent="-317500" algn="ctr">
+            <a:lvl2pPr indent="-317500" lvl="1" marL="914400" algn="ctr">
               <a:spcBef>
                 <a:spcPts val="0"/>
               </a:spcBef>
@@ -3843,7 +3758,7 @@
               <a:buChar char="○"/>
               <a:defRPr/>
             </a:lvl2pPr>
-            <a:lvl3pPr marL="1371600" lvl="2" indent="-317500" algn="ctr">
+            <a:lvl3pPr indent="-317500" lvl="2" marL="1371600" algn="ctr">
               <a:spcBef>
                 <a:spcPts val="0"/>
               </a:spcBef>
@@ -3854,7 +3769,7 @@
               <a:buChar char="■"/>
               <a:defRPr/>
             </a:lvl3pPr>
-            <a:lvl4pPr marL="1828800" lvl="3" indent="-317500" algn="ctr">
+            <a:lvl4pPr indent="-317500" lvl="3" marL="1828800" algn="ctr">
               <a:spcBef>
                 <a:spcPts val="0"/>
               </a:spcBef>
@@ -3865,7 +3780,7 @@
               <a:buChar char="●"/>
               <a:defRPr/>
             </a:lvl4pPr>
-            <a:lvl5pPr marL="2286000" lvl="4" indent="-317500" algn="ctr">
+            <a:lvl5pPr indent="-317500" lvl="4" marL="2286000" algn="ctr">
               <a:spcBef>
                 <a:spcPts val="0"/>
               </a:spcBef>
@@ -3876,7 +3791,7 @@
               <a:buChar char="○"/>
               <a:defRPr/>
             </a:lvl5pPr>
-            <a:lvl6pPr marL="2743200" lvl="5" indent="-317500" algn="ctr">
+            <a:lvl6pPr indent="-317500" lvl="5" marL="2743200" algn="ctr">
               <a:spcBef>
                 <a:spcPts val="0"/>
               </a:spcBef>
@@ -3887,7 +3802,7 @@
               <a:buChar char="■"/>
               <a:defRPr/>
             </a:lvl6pPr>
-            <a:lvl7pPr marL="3200400" lvl="6" indent="-317500" algn="ctr">
+            <a:lvl7pPr indent="-317500" lvl="6" marL="3200400" algn="ctr">
               <a:spcBef>
                 <a:spcPts val="0"/>
               </a:spcBef>
@@ -3898,7 +3813,7 @@
               <a:buChar char="●"/>
               <a:defRPr/>
             </a:lvl7pPr>
-            <a:lvl8pPr marL="3657600" lvl="7" indent="-317500" algn="ctr">
+            <a:lvl8pPr indent="-317500" lvl="7" marL="3657600" algn="ctr">
               <a:spcBef>
                 <a:spcPts val="0"/>
               </a:spcBef>
@@ -3909,7 +3824,7 @@
               <a:buChar char="○"/>
               <a:defRPr/>
             </a:lvl8pPr>
-            <a:lvl9pPr marL="4114800" lvl="8" indent="-317500" algn="ctr">
+            <a:lvl9pPr indent="-317500" lvl="8" marL="4114800" algn="ctr">
               <a:spcBef>
                 <a:spcPts val="0"/>
               </a:spcBef>
@@ -3921,19 +3836,15 @@
               <a:defRPr/>
             </a:lvl9pPr>
           </a:lstStyle>
-          <a:p>
-            <a:endParaRPr/>
-          </a:p>
+          <a:p/>
         </p:txBody>
       </p:sp>
       <p:sp>
         <p:nvSpPr>
           <p:cNvPr id="65" name="Google Shape;65;p11"/>
-          <p:cNvSpPr txBox="1">
-            <a:spLocks noGrp="1"/>
-          </p:cNvSpPr>
+          <p:cNvSpPr txBox="1"/>
           <p:nvPr>
-            <p:ph type="sldNum" idx="12"/>
+            <p:ph idx="12" type="sldNum"/>
           </p:nvPr>
         </p:nvSpPr>
         <p:spPr>
@@ -3946,7 +3857,7 @@
           </a:prstGeom>
         </p:spPr>
         <p:txBody>
-          <a:bodyPr spcFirstLastPara="1" wrap="square" lIns="91425" tIns="91425" rIns="91425" bIns="91425" anchor="ctr" anchorCtr="0">
+          <a:bodyPr anchorCtr="0" anchor="ctr" bIns="91425" lIns="91425" spcFirstLastPara="1" rIns="91425" wrap="square" tIns="91425">
             <a:normAutofit/>
           </a:bodyPr>
           <a:lstStyle>
@@ -3988,7 +3899,7 @@
             </a:lvl9pPr>
           </a:lstStyle>
           <a:p>
-            <a:pPr marL="0" lvl="0" indent="0" algn="r" rtl="0">
+            <a:pPr indent="0" lvl="0" marL="0" rtl="0" algn="r">
               <a:spcBef>
                 <a:spcPts val="0"/>
               </a:spcBef>
@@ -3999,7 +3910,7 @@
             </a:pPr>
             <a:fld id="{00000000-1234-1234-1234-123412341234}" type="slidenum">
               <a:rPr lang="pt-BR"/>
-              <a:t>‹nº›</a:t>
+              <a:t>‹#›</a:t>
             </a:fld>
             <a:endParaRPr/>
           </a:p>
@@ -4014,11 +3925,11 @@
 </file>
 
 <file path=ppt/slideLayouts/slideLayout11.xml><?xml version="1.0" encoding="utf-8"?>
-<p:sldLayout xmlns:a="http://schemas.openxmlformats.org/drawingml/2006/main" xmlns:r="http://schemas.openxmlformats.org/officeDocument/2006/relationships" xmlns:p="http://schemas.openxmlformats.org/presentationml/2006/main" matchingName="Blank" type="blank">
+<p:sldLayout xmlns:a="http://schemas.openxmlformats.org/drawingml/2006/main" xmlns:r="http://schemas.openxmlformats.org/officeDocument/2006/relationships" xmlns:mc="http://schemas.openxmlformats.org/markup-compatibility/2006" xmlns:mv="urn:schemas-microsoft-com:mac:vml" xmlns:p="http://schemas.openxmlformats.org/presentationml/2006/main" xmlns:c="http://schemas.openxmlformats.org/drawingml/2006/chart" xmlns:dgm="http://schemas.openxmlformats.org/drawingml/2006/diagram" xmlns:o="urn:schemas-microsoft-com:office:office" xmlns:v="urn:schemas-microsoft-com:vml" xmlns:pvml="urn:schemas-microsoft-com:office:powerpoint" xmlns:com="http://schemas.openxmlformats.org/drawingml/2006/compatibility" xmlns:p14="http://schemas.microsoft.com/office/powerpoint/2010/main" xmlns:p15="http://schemas.microsoft.com/office/powerpoint/2012/main" xmlns:ahyp="http://schemas.microsoft.com/office/drawing/2018/hyperlinkcolor" matchingName="Blank" type="blank">
   <p:cSld name="BLANK">
     <p:spTree>
       <p:nvGrpSpPr>
-        <p:cNvPr id="1" name="Shape 66"/>
+        <p:cNvPr id="66" name="Shape 66"/>
         <p:cNvGrpSpPr/>
         <p:nvPr/>
       </p:nvGrpSpPr>
@@ -4033,11 +3944,9 @@
       <p:sp>
         <p:nvSpPr>
           <p:cNvPr id="67" name="Google Shape;67;p12"/>
-          <p:cNvSpPr txBox="1">
-            <a:spLocks noGrp="1"/>
-          </p:cNvSpPr>
+          <p:cNvSpPr txBox="1"/>
           <p:nvPr>
-            <p:ph type="sldNum" idx="12"/>
+            <p:ph idx="12" type="sldNum"/>
           </p:nvPr>
         </p:nvSpPr>
         <p:spPr>
@@ -4050,7 +3959,7 @@
           </a:prstGeom>
         </p:spPr>
         <p:txBody>
-          <a:bodyPr spcFirstLastPara="1" wrap="square" lIns="91425" tIns="91425" rIns="91425" bIns="91425" anchor="ctr" anchorCtr="0">
+          <a:bodyPr anchorCtr="0" anchor="ctr" bIns="91425" lIns="91425" spcFirstLastPara="1" rIns="91425" wrap="square" tIns="91425">
             <a:normAutofit/>
           </a:bodyPr>
           <a:lstStyle>
@@ -4092,7 +4001,7 @@
             </a:lvl9pPr>
           </a:lstStyle>
           <a:p>
-            <a:pPr marL="0" lvl="0" indent="0" algn="r" rtl="0">
+            <a:pPr indent="0" lvl="0" marL="0" rtl="0" algn="r">
               <a:spcBef>
                 <a:spcPts val="0"/>
               </a:spcBef>
@@ -4103,7 +4012,7 @@
             </a:pPr>
             <a:fld id="{00000000-1234-1234-1234-123412341234}" type="slidenum">
               <a:rPr lang="pt-BR"/>
-              <a:t>‹nº›</a:t>
+              <a:t>‹#›</a:t>
             </a:fld>
             <a:endParaRPr/>
           </a:p>
@@ -4118,19 +4027,18 @@
 </file>
 
 <file path=ppt/slideLayouts/slideLayout2.xml><?xml version="1.0" encoding="utf-8"?>
-<p:sldLayout xmlns:a="http://schemas.openxmlformats.org/drawingml/2006/main" xmlns:r="http://schemas.openxmlformats.org/officeDocument/2006/relationships" xmlns:p="http://schemas.openxmlformats.org/presentationml/2006/main" matchingName="Section header" type="secHead">
+<p:sldLayout xmlns:a="http://schemas.openxmlformats.org/drawingml/2006/main" xmlns:r="http://schemas.openxmlformats.org/officeDocument/2006/relationships" xmlns:mc="http://schemas.openxmlformats.org/markup-compatibility/2006" xmlns:mv="urn:schemas-microsoft-com:mac:vml" xmlns:p="http://schemas.openxmlformats.org/presentationml/2006/main" xmlns:c="http://schemas.openxmlformats.org/drawingml/2006/chart" xmlns:dgm="http://schemas.openxmlformats.org/drawingml/2006/diagram" xmlns:o="urn:schemas-microsoft-com:office:office" xmlns:v="urn:schemas-microsoft-com:vml" xmlns:pvml="urn:schemas-microsoft-com:office:powerpoint" xmlns:com="http://schemas.openxmlformats.org/drawingml/2006/compatibility" xmlns:p14="http://schemas.microsoft.com/office/powerpoint/2010/main" xmlns:p15="http://schemas.microsoft.com/office/powerpoint/2012/main" xmlns:ahyp="http://schemas.microsoft.com/office/drawing/2018/hyperlinkcolor" matchingName="Section header" type="secHead">
   <p:cSld name="SECTION_HEADER">
     <p:bg>
       <p:bgPr>
         <a:solidFill>
           <a:srgbClr val="93C47D"/>
         </a:solidFill>
-        <a:effectLst/>
       </p:bgPr>
     </p:bg>
     <p:spTree>
       <p:nvGrpSpPr>
-        <p:cNvPr id="1" name="Shape 16"/>
+        <p:cNvPr id="16" name="Shape 16"/>
         <p:cNvGrpSpPr/>
         <p:nvPr/>
       </p:nvGrpSpPr>
@@ -4157,14 +4065,14 @@
             <a:avLst/>
           </a:prstGeom>
           <a:noFill/>
-          <a:ln w="38100" cap="flat" cmpd="sng">
+          <a:ln cap="flat" cmpd="sng" w="38100">
             <a:solidFill>
               <a:schemeClr val="lt1"/>
             </a:solidFill>
             <a:prstDash val="solid"/>
             <a:round/>
-            <a:headEnd type="none" w="sm" len="sm"/>
-            <a:tailEnd type="none" w="sm" len="sm"/>
+            <a:headEnd len="sm" w="sm" type="none"/>
+            <a:tailEnd len="sm" w="sm" type="none"/>
           </a:ln>
         </p:spPr>
       </p:cxnSp>
@@ -4183,23 +4091,21 @@
             <a:avLst/>
           </a:prstGeom>
           <a:noFill/>
-          <a:ln w="19050" cap="flat" cmpd="sng">
+          <a:ln cap="flat" cmpd="sng" w="19050">
             <a:solidFill>
               <a:schemeClr val="lt1"/>
             </a:solidFill>
             <a:prstDash val="solid"/>
             <a:round/>
-            <a:headEnd type="none" w="sm" len="sm"/>
-            <a:tailEnd type="none" w="sm" len="sm"/>
+            <a:headEnd len="sm" w="sm" type="none"/>
+            <a:tailEnd len="sm" w="sm" type="none"/>
           </a:ln>
         </p:spPr>
       </p:cxnSp>
       <p:sp>
         <p:nvSpPr>
           <p:cNvPr id="19" name="Google Shape;19;p3"/>
-          <p:cNvSpPr txBox="1">
-            <a:spLocks noGrp="1"/>
-          </p:cNvSpPr>
+          <p:cNvSpPr txBox="1"/>
           <p:nvPr>
             <p:ph type="title"/>
           </p:nvPr>
@@ -4214,7 +4120,7 @@
           </a:prstGeom>
         </p:spPr>
         <p:txBody>
-          <a:bodyPr spcFirstLastPara="1" wrap="square" lIns="91425" tIns="91425" rIns="91425" bIns="91425" anchor="ctr" anchorCtr="0">
+          <a:bodyPr anchorCtr="0" anchor="ctr" bIns="91425" lIns="91425" spcFirstLastPara="1" rIns="91425" wrap="square" tIns="91425">
             <a:normAutofit/>
           </a:bodyPr>
           <a:lstStyle>
@@ -4381,19 +4287,15 @@
               </a:defRPr>
             </a:lvl9pPr>
           </a:lstStyle>
-          <a:p>
-            <a:endParaRPr/>
-          </a:p>
+          <a:p/>
         </p:txBody>
       </p:sp>
       <p:sp>
         <p:nvSpPr>
           <p:cNvPr id="20" name="Google Shape;20;p3"/>
-          <p:cNvSpPr txBox="1">
-            <a:spLocks noGrp="1"/>
-          </p:cNvSpPr>
+          <p:cNvSpPr txBox="1"/>
           <p:nvPr>
-            <p:ph type="sldNum" idx="12"/>
+            <p:ph idx="12" type="sldNum"/>
           </p:nvPr>
         </p:nvSpPr>
         <p:spPr>
@@ -4406,7 +4308,7 @@
           </a:prstGeom>
         </p:spPr>
         <p:txBody>
-          <a:bodyPr spcFirstLastPara="1" wrap="square" lIns="91425" tIns="91425" rIns="91425" bIns="91425" anchor="ctr" anchorCtr="0">
+          <a:bodyPr anchorCtr="0" anchor="ctr" bIns="91425" lIns="91425" spcFirstLastPara="1" rIns="91425" wrap="square" tIns="91425">
             <a:normAutofit/>
           </a:bodyPr>
           <a:lstStyle>
@@ -4484,7 +4386,7 @@
             </a:lvl9pPr>
           </a:lstStyle>
           <a:p>
-            <a:pPr marL="0" lvl="0" indent="0" algn="r" rtl="0">
+            <a:pPr indent="0" lvl="0" marL="0" rtl="0" algn="r">
               <a:spcBef>
                 <a:spcPts val="0"/>
               </a:spcBef>
@@ -4495,7 +4397,7 @@
             </a:pPr>
             <a:fld id="{00000000-1234-1234-1234-123412341234}" type="slidenum">
               <a:rPr lang="pt-BR"/>
-              <a:t>‹nº›</a:t>
+              <a:t>‹#›</a:t>
             </a:fld>
             <a:endParaRPr/>
           </a:p>
@@ -4510,11 +4412,11 @@
 </file>
 
 <file path=ppt/slideLayouts/slideLayout3.xml><?xml version="1.0" encoding="utf-8"?>
-<p:sldLayout xmlns:a="http://schemas.openxmlformats.org/drawingml/2006/main" xmlns:r="http://schemas.openxmlformats.org/officeDocument/2006/relationships" xmlns:p="http://schemas.openxmlformats.org/presentationml/2006/main" matchingName="Title and body" type="tx">
+<p:sldLayout xmlns:a="http://schemas.openxmlformats.org/drawingml/2006/main" xmlns:r="http://schemas.openxmlformats.org/officeDocument/2006/relationships" xmlns:mc="http://schemas.openxmlformats.org/markup-compatibility/2006" xmlns:mv="urn:schemas-microsoft-com:mac:vml" xmlns:p="http://schemas.openxmlformats.org/presentationml/2006/main" xmlns:c="http://schemas.openxmlformats.org/drawingml/2006/chart" xmlns:dgm="http://schemas.openxmlformats.org/drawingml/2006/diagram" xmlns:o="urn:schemas-microsoft-com:office:office" xmlns:v="urn:schemas-microsoft-com:vml" xmlns:pvml="urn:schemas-microsoft-com:office:powerpoint" xmlns:com="http://schemas.openxmlformats.org/drawingml/2006/compatibility" xmlns:p14="http://schemas.microsoft.com/office/powerpoint/2010/main" xmlns:p15="http://schemas.microsoft.com/office/powerpoint/2012/main" xmlns:ahyp="http://schemas.microsoft.com/office/drawing/2018/hyperlinkcolor" matchingName="Title and body" type="tx">
   <p:cSld name="TITLE_AND_BODY">
     <p:spTree>
       <p:nvGrpSpPr>
-        <p:cNvPr id="1" name="Shape 21"/>
+        <p:cNvPr id="21" name="Shape 21"/>
         <p:cNvGrpSpPr/>
         <p:nvPr/>
       </p:nvGrpSpPr>
@@ -4541,14 +4443,14 @@
             <a:avLst/>
           </a:prstGeom>
           <a:noFill/>
-          <a:ln w="38100" cap="flat" cmpd="sng">
+          <a:ln cap="flat" cmpd="sng" w="38100">
             <a:solidFill>
               <a:schemeClr val="dk2"/>
             </a:solidFill>
             <a:prstDash val="solid"/>
             <a:round/>
-            <a:headEnd type="none" w="sm" len="sm"/>
-            <a:tailEnd type="none" w="sm" len="sm"/>
+            <a:headEnd len="sm" w="sm" type="none"/>
+            <a:tailEnd len="sm" w="sm" type="none"/>
           </a:ln>
         </p:spPr>
       </p:cxnSp>
@@ -4567,14 +4469,14 @@
             <a:avLst/>
           </a:prstGeom>
           <a:noFill/>
-          <a:ln w="19050" cap="flat" cmpd="sng">
+          <a:ln cap="flat" cmpd="sng" w="19050">
             <a:solidFill>
               <a:schemeClr val="dk2"/>
             </a:solidFill>
             <a:prstDash val="solid"/>
             <a:round/>
-            <a:headEnd type="none" w="sm" len="sm"/>
-            <a:tailEnd type="none" w="sm" len="sm"/>
+            <a:headEnd len="sm" w="sm" type="none"/>
+            <a:tailEnd len="sm" w="sm" type="none"/>
           </a:ln>
         </p:spPr>
       </p:cxnSp>
@@ -4593,23 +4495,21 @@
             <a:avLst/>
           </a:prstGeom>
           <a:noFill/>
-          <a:ln w="19050" cap="flat" cmpd="sng">
+          <a:ln cap="flat" cmpd="sng" w="19050">
             <a:solidFill>
               <a:schemeClr val="dk2"/>
             </a:solidFill>
             <a:prstDash val="solid"/>
             <a:round/>
-            <a:headEnd type="none" w="sm" len="sm"/>
-            <a:tailEnd type="none" w="sm" len="sm"/>
+            <a:headEnd len="sm" w="sm" type="none"/>
+            <a:tailEnd len="sm" w="sm" type="none"/>
           </a:ln>
         </p:spPr>
       </p:cxnSp>
       <p:sp>
         <p:nvSpPr>
           <p:cNvPr id="25" name="Google Shape;25;p4"/>
-          <p:cNvSpPr txBox="1">
-            <a:spLocks noGrp="1"/>
-          </p:cNvSpPr>
+          <p:cNvSpPr txBox="1"/>
           <p:nvPr>
             <p:ph type="title"/>
           </p:nvPr>
@@ -4624,7 +4524,7 @@
           </a:prstGeom>
         </p:spPr>
         <p:txBody>
-          <a:bodyPr spcFirstLastPara="1" wrap="square" lIns="91425" tIns="91425" rIns="91425" bIns="91425" anchor="t" anchorCtr="0">
+          <a:bodyPr anchorCtr="0" anchor="t" bIns="91425" lIns="91425" spcFirstLastPara="1" rIns="91425" wrap="square" tIns="91425">
             <a:normAutofit/>
           </a:bodyPr>
           <a:lstStyle>
@@ -4728,19 +4628,15 @@
               <a:defRPr/>
             </a:lvl9pPr>
           </a:lstStyle>
-          <a:p>
-            <a:endParaRPr/>
-          </a:p>
+          <a:p/>
         </p:txBody>
       </p:sp>
       <p:sp>
         <p:nvSpPr>
           <p:cNvPr id="26" name="Google Shape;26;p4"/>
-          <p:cNvSpPr txBox="1">
-            <a:spLocks noGrp="1"/>
-          </p:cNvSpPr>
+          <p:cNvSpPr txBox="1"/>
           <p:nvPr>
-            <p:ph type="body" idx="1"/>
+            <p:ph idx="1" type="body"/>
           </p:nvPr>
         </p:nvSpPr>
         <p:spPr>
@@ -4753,11 +4649,11 @@
           </a:prstGeom>
         </p:spPr>
         <p:txBody>
-          <a:bodyPr spcFirstLastPara="1" wrap="square" lIns="91425" tIns="91425" rIns="91425" bIns="91425" anchor="t" anchorCtr="0">
+          <a:bodyPr anchorCtr="0" anchor="t" bIns="91425" lIns="91425" spcFirstLastPara="1" rIns="91425" wrap="square" tIns="91425">
             <a:normAutofit/>
           </a:bodyPr>
           <a:lstStyle>
-            <a:lvl1pPr marL="457200" lvl="0" indent="-342900">
+            <a:lvl1pPr indent="-342900" lvl="0" marL="457200">
               <a:spcBef>
                 <a:spcPts val="0"/>
               </a:spcBef>
@@ -4768,7 +4664,7 @@
               <a:buChar char="●"/>
               <a:defRPr/>
             </a:lvl1pPr>
-            <a:lvl2pPr marL="914400" lvl="1" indent="-317500">
+            <a:lvl2pPr indent="-317500" lvl="1" marL="914400">
               <a:spcBef>
                 <a:spcPts val="0"/>
               </a:spcBef>
@@ -4779,7 +4675,7 @@
               <a:buChar char="○"/>
               <a:defRPr/>
             </a:lvl2pPr>
-            <a:lvl3pPr marL="1371600" lvl="2" indent="-317500">
+            <a:lvl3pPr indent="-317500" lvl="2" marL="1371600">
               <a:spcBef>
                 <a:spcPts val="0"/>
               </a:spcBef>
@@ -4790,7 +4686,7 @@
               <a:buChar char="■"/>
               <a:defRPr/>
             </a:lvl3pPr>
-            <a:lvl4pPr marL="1828800" lvl="3" indent="-317500">
+            <a:lvl4pPr indent="-317500" lvl="3" marL="1828800">
               <a:spcBef>
                 <a:spcPts val="0"/>
               </a:spcBef>
@@ -4801,7 +4697,7 @@
               <a:buChar char="●"/>
               <a:defRPr/>
             </a:lvl4pPr>
-            <a:lvl5pPr marL="2286000" lvl="4" indent="-317500">
+            <a:lvl5pPr indent="-317500" lvl="4" marL="2286000">
               <a:spcBef>
                 <a:spcPts val="0"/>
               </a:spcBef>
@@ -4812,7 +4708,7 @@
               <a:buChar char="○"/>
               <a:defRPr/>
             </a:lvl5pPr>
-            <a:lvl6pPr marL="2743200" lvl="5" indent="-317500">
+            <a:lvl6pPr indent="-317500" lvl="5" marL="2743200">
               <a:spcBef>
                 <a:spcPts val="0"/>
               </a:spcBef>
@@ -4823,7 +4719,7 @@
               <a:buChar char="■"/>
               <a:defRPr/>
             </a:lvl6pPr>
-            <a:lvl7pPr marL="3200400" lvl="6" indent="-317500">
+            <a:lvl7pPr indent="-317500" lvl="6" marL="3200400">
               <a:spcBef>
                 <a:spcPts val="0"/>
               </a:spcBef>
@@ -4834,7 +4730,7 @@
               <a:buChar char="●"/>
               <a:defRPr/>
             </a:lvl7pPr>
-            <a:lvl8pPr marL="3657600" lvl="7" indent="-317500">
+            <a:lvl8pPr indent="-317500" lvl="7" marL="3657600">
               <a:spcBef>
                 <a:spcPts val="0"/>
               </a:spcBef>
@@ -4845,7 +4741,7 @@
               <a:buChar char="○"/>
               <a:defRPr/>
             </a:lvl8pPr>
-            <a:lvl9pPr marL="4114800" lvl="8" indent="-317500">
+            <a:lvl9pPr indent="-317500" lvl="8" marL="4114800">
               <a:spcBef>
                 <a:spcPts val="0"/>
               </a:spcBef>
@@ -4857,19 +4753,15 @@
               <a:defRPr/>
             </a:lvl9pPr>
           </a:lstStyle>
-          <a:p>
-            <a:endParaRPr/>
-          </a:p>
+          <a:p/>
         </p:txBody>
       </p:sp>
       <p:sp>
         <p:nvSpPr>
           <p:cNvPr id="27" name="Google Shape;27;p4"/>
-          <p:cNvSpPr txBox="1">
-            <a:spLocks noGrp="1"/>
-          </p:cNvSpPr>
+          <p:cNvSpPr txBox="1"/>
           <p:nvPr>
-            <p:ph type="sldNum" idx="12"/>
+            <p:ph idx="12" type="sldNum"/>
           </p:nvPr>
         </p:nvSpPr>
         <p:spPr>
@@ -4882,7 +4774,7 @@
           </a:prstGeom>
         </p:spPr>
         <p:txBody>
-          <a:bodyPr spcFirstLastPara="1" wrap="square" lIns="91425" tIns="91425" rIns="91425" bIns="91425" anchor="ctr" anchorCtr="0">
+          <a:bodyPr anchorCtr="0" anchor="ctr" bIns="91425" lIns="91425" spcFirstLastPara="1" rIns="91425" wrap="square" tIns="91425">
             <a:normAutofit/>
           </a:bodyPr>
           <a:lstStyle>
@@ -4924,7 +4816,7 @@
             </a:lvl9pPr>
           </a:lstStyle>
           <a:p>
-            <a:pPr marL="0" lvl="0" indent="0" algn="r" rtl="0">
+            <a:pPr indent="0" lvl="0" marL="0" rtl="0" algn="r">
               <a:spcBef>
                 <a:spcPts val="0"/>
               </a:spcBef>
@@ -4935,7 +4827,7 @@
             </a:pPr>
             <a:fld id="{00000000-1234-1234-1234-123412341234}" type="slidenum">
               <a:rPr lang="pt-BR"/>
-              <a:t>‹nº›</a:t>
+              <a:t>‹#›</a:t>
             </a:fld>
             <a:endParaRPr/>
           </a:p>
@@ -4950,11 +4842,11 @@
 </file>
 
 <file path=ppt/slideLayouts/slideLayout4.xml><?xml version="1.0" encoding="utf-8"?>
-<p:sldLayout xmlns:a="http://schemas.openxmlformats.org/drawingml/2006/main" xmlns:r="http://schemas.openxmlformats.org/officeDocument/2006/relationships" xmlns:p="http://schemas.openxmlformats.org/presentationml/2006/main" matchingName="Title and two columns" type="twoColTx">
+<p:sldLayout xmlns:a="http://schemas.openxmlformats.org/drawingml/2006/main" xmlns:r="http://schemas.openxmlformats.org/officeDocument/2006/relationships" xmlns:mc="http://schemas.openxmlformats.org/markup-compatibility/2006" xmlns:mv="urn:schemas-microsoft-com:mac:vml" xmlns:p="http://schemas.openxmlformats.org/presentationml/2006/main" xmlns:c="http://schemas.openxmlformats.org/drawingml/2006/chart" xmlns:dgm="http://schemas.openxmlformats.org/drawingml/2006/diagram" xmlns:o="urn:schemas-microsoft-com:office:office" xmlns:v="urn:schemas-microsoft-com:vml" xmlns:pvml="urn:schemas-microsoft-com:office:powerpoint" xmlns:com="http://schemas.openxmlformats.org/drawingml/2006/compatibility" xmlns:p14="http://schemas.microsoft.com/office/powerpoint/2010/main" xmlns:p15="http://schemas.microsoft.com/office/powerpoint/2012/main" xmlns:ahyp="http://schemas.microsoft.com/office/drawing/2018/hyperlinkcolor" matchingName="Title and two columns" type="twoColTx">
   <p:cSld name="TITLE_AND_TWO_COLUMNS">
     <p:spTree>
       <p:nvGrpSpPr>
-        <p:cNvPr id="1" name="Shape 28"/>
+        <p:cNvPr id="28" name="Shape 28"/>
         <p:cNvGrpSpPr/>
         <p:nvPr/>
       </p:nvGrpSpPr>
@@ -4981,14 +4873,14 @@
             <a:avLst/>
           </a:prstGeom>
           <a:noFill/>
-          <a:ln w="38100" cap="flat" cmpd="sng">
+          <a:ln cap="flat" cmpd="sng" w="38100">
             <a:solidFill>
               <a:schemeClr val="dk2"/>
             </a:solidFill>
             <a:prstDash val="solid"/>
             <a:round/>
-            <a:headEnd type="none" w="sm" len="sm"/>
-            <a:tailEnd type="none" w="sm" len="sm"/>
+            <a:headEnd len="sm" w="sm" type="none"/>
+            <a:tailEnd len="sm" w="sm" type="none"/>
           </a:ln>
         </p:spPr>
       </p:cxnSp>
@@ -5007,14 +4899,14 @@
             <a:avLst/>
           </a:prstGeom>
           <a:noFill/>
-          <a:ln w="19050" cap="flat" cmpd="sng">
+          <a:ln cap="flat" cmpd="sng" w="19050">
             <a:solidFill>
               <a:schemeClr val="dk2"/>
             </a:solidFill>
             <a:prstDash val="solid"/>
             <a:round/>
-            <a:headEnd type="none" w="sm" len="sm"/>
-            <a:tailEnd type="none" w="sm" len="sm"/>
+            <a:headEnd len="sm" w="sm" type="none"/>
+            <a:tailEnd len="sm" w="sm" type="none"/>
           </a:ln>
         </p:spPr>
       </p:cxnSp>
@@ -5033,23 +4925,21 @@
             <a:avLst/>
           </a:prstGeom>
           <a:noFill/>
-          <a:ln w="19050" cap="flat" cmpd="sng">
+          <a:ln cap="flat" cmpd="sng" w="19050">
             <a:solidFill>
               <a:schemeClr val="dk2"/>
             </a:solidFill>
             <a:prstDash val="solid"/>
             <a:round/>
-            <a:headEnd type="none" w="sm" len="sm"/>
-            <a:tailEnd type="none" w="sm" len="sm"/>
+            <a:headEnd len="sm" w="sm" type="none"/>
+            <a:tailEnd len="sm" w="sm" type="none"/>
           </a:ln>
         </p:spPr>
       </p:cxnSp>
       <p:sp>
         <p:nvSpPr>
           <p:cNvPr id="32" name="Google Shape;32;p5"/>
-          <p:cNvSpPr txBox="1">
-            <a:spLocks noGrp="1"/>
-          </p:cNvSpPr>
+          <p:cNvSpPr txBox="1"/>
           <p:nvPr>
             <p:ph type="title"/>
           </p:nvPr>
@@ -5064,7 +4954,7 @@
           </a:prstGeom>
         </p:spPr>
         <p:txBody>
-          <a:bodyPr spcFirstLastPara="1" wrap="square" lIns="91425" tIns="91425" rIns="91425" bIns="91425" anchor="t" anchorCtr="0">
+          <a:bodyPr anchorCtr="0" anchor="t" bIns="91425" lIns="91425" spcFirstLastPara="1" rIns="91425" wrap="square" tIns="91425">
             <a:normAutofit/>
           </a:bodyPr>
           <a:lstStyle>
@@ -5168,19 +5058,15 @@
               <a:defRPr/>
             </a:lvl9pPr>
           </a:lstStyle>
-          <a:p>
-            <a:endParaRPr/>
-          </a:p>
+          <a:p/>
         </p:txBody>
       </p:sp>
       <p:sp>
         <p:nvSpPr>
           <p:cNvPr id="33" name="Google Shape;33;p5"/>
-          <p:cNvSpPr txBox="1">
-            <a:spLocks noGrp="1"/>
-          </p:cNvSpPr>
+          <p:cNvSpPr txBox="1"/>
           <p:nvPr>
-            <p:ph type="body" idx="1"/>
+            <p:ph idx="1" type="body"/>
           </p:nvPr>
         </p:nvSpPr>
         <p:spPr>
@@ -5193,11 +5079,11 @@
           </a:prstGeom>
         </p:spPr>
         <p:txBody>
-          <a:bodyPr spcFirstLastPara="1" wrap="square" lIns="91425" tIns="91425" rIns="91425" bIns="91425" anchor="t" anchorCtr="0">
+          <a:bodyPr anchorCtr="0" anchor="t" bIns="91425" lIns="91425" spcFirstLastPara="1" rIns="91425" wrap="square" tIns="91425">
             <a:normAutofit/>
           </a:bodyPr>
           <a:lstStyle>
-            <a:lvl1pPr marL="457200" lvl="0" indent="-317500">
+            <a:lvl1pPr indent="-317500" lvl="0" marL="457200">
               <a:spcBef>
                 <a:spcPts val="0"/>
               </a:spcBef>
@@ -5208,7 +5094,7 @@
               <a:buChar char="●"/>
               <a:defRPr sz="1400"/>
             </a:lvl1pPr>
-            <a:lvl2pPr marL="914400" lvl="1" indent="-304800">
+            <a:lvl2pPr indent="-304800" lvl="1" marL="914400">
               <a:spcBef>
                 <a:spcPts val="0"/>
               </a:spcBef>
@@ -5219,7 +5105,7 @@
               <a:buChar char="○"/>
               <a:defRPr sz="1200"/>
             </a:lvl2pPr>
-            <a:lvl3pPr marL="1371600" lvl="2" indent="-304800">
+            <a:lvl3pPr indent="-304800" lvl="2" marL="1371600">
               <a:spcBef>
                 <a:spcPts val="0"/>
               </a:spcBef>
@@ -5230,7 +5116,7 @@
               <a:buChar char="■"/>
               <a:defRPr sz="1200"/>
             </a:lvl3pPr>
-            <a:lvl4pPr marL="1828800" lvl="3" indent="-304800">
+            <a:lvl4pPr indent="-304800" lvl="3" marL="1828800">
               <a:spcBef>
                 <a:spcPts val="0"/>
               </a:spcBef>
@@ -5241,7 +5127,7 @@
               <a:buChar char="●"/>
               <a:defRPr sz="1200"/>
             </a:lvl4pPr>
-            <a:lvl5pPr marL="2286000" lvl="4" indent="-304800">
+            <a:lvl5pPr indent="-304800" lvl="4" marL="2286000">
               <a:spcBef>
                 <a:spcPts val="0"/>
               </a:spcBef>
@@ -5252,7 +5138,7 @@
               <a:buChar char="○"/>
               <a:defRPr sz="1200"/>
             </a:lvl5pPr>
-            <a:lvl6pPr marL="2743200" lvl="5" indent="-304800">
+            <a:lvl6pPr indent="-304800" lvl="5" marL="2743200">
               <a:spcBef>
                 <a:spcPts val="0"/>
               </a:spcBef>
@@ -5263,7 +5149,7 @@
               <a:buChar char="■"/>
               <a:defRPr sz="1200"/>
             </a:lvl6pPr>
-            <a:lvl7pPr marL="3200400" lvl="6" indent="-304800">
+            <a:lvl7pPr indent="-304800" lvl="6" marL="3200400">
               <a:spcBef>
                 <a:spcPts val="0"/>
               </a:spcBef>
@@ -5274,7 +5160,7 @@
               <a:buChar char="●"/>
               <a:defRPr sz="1200"/>
             </a:lvl7pPr>
-            <a:lvl8pPr marL="3657600" lvl="7" indent="-304800">
+            <a:lvl8pPr indent="-304800" lvl="7" marL="3657600">
               <a:spcBef>
                 <a:spcPts val="0"/>
               </a:spcBef>
@@ -5285,7 +5171,7 @@
               <a:buChar char="○"/>
               <a:defRPr sz="1200"/>
             </a:lvl8pPr>
-            <a:lvl9pPr marL="4114800" lvl="8" indent="-304800">
+            <a:lvl9pPr indent="-304800" lvl="8" marL="4114800">
               <a:spcBef>
                 <a:spcPts val="0"/>
               </a:spcBef>
@@ -5297,19 +5183,15 @@
               <a:defRPr sz="1200"/>
             </a:lvl9pPr>
           </a:lstStyle>
-          <a:p>
-            <a:endParaRPr/>
-          </a:p>
+          <a:p/>
         </p:txBody>
       </p:sp>
       <p:sp>
         <p:nvSpPr>
           <p:cNvPr id="34" name="Google Shape;34;p5"/>
-          <p:cNvSpPr txBox="1">
-            <a:spLocks noGrp="1"/>
-          </p:cNvSpPr>
+          <p:cNvSpPr txBox="1"/>
           <p:nvPr>
-            <p:ph type="body" idx="2"/>
+            <p:ph idx="2" type="body"/>
           </p:nvPr>
         </p:nvSpPr>
         <p:spPr>
@@ -5322,11 +5204,11 @@
           </a:prstGeom>
         </p:spPr>
         <p:txBody>
-          <a:bodyPr spcFirstLastPara="1" wrap="square" lIns="91425" tIns="91425" rIns="91425" bIns="91425" anchor="t" anchorCtr="0">
+          <a:bodyPr anchorCtr="0" anchor="t" bIns="91425" lIns="91425" spcFirstLastPara="1" rIns="91425" wrap="square" tIns="91425">
             <a:normAutofit/>
           </a:bodyPr>
           <a:lstStyle>
-            <a:lvl1pPr marL="457200" lvl="0" indent="-317500">
+            <a:lvl1pPr indent="-317500" lvl="0" marL="457200">
               <a:spcBef>
                 <a:spcPts val="0"/>
               </a:spcBef>
@@ -5337,7 +5219,7 @@
               <a:buChar char="●"/>
               <a:defRPr sz="1400"/>
             </a:lvl1pPr>
-            <a:lvl2pPr marL="914400" lvl="1" indent="-304800">
+            <a:lvl2pPr indent="-304800" lvl="1" marL="914400">
               <a:spcBef>
                 <a:spcPts val="0"/>
               </a:spcBef>
@@ -5348,7 +5230,7 @@
               <a:buChar char="○"/>
               <a:defRPr sz="1200"/>
             </a:lvl2pPr>
-            <a:lvl3pPr marL="1371600" lvl="2" indent="-304800">
+            <a:lvl3pPr indent="-304800" lvl="2" marL="1371600">
               <a:spcBef>
                 <a:spcPts val="0"/>
               </a:spcBef>
@@ -5359,7 +5241,7 @@
               <a:buChar char="■"/>
               <a:defRPr sz="1200"/>
             </a:lvl3pPr>
-            <a:lvl4pPr marL="1828800" lvl="3" indent="-304800">
+            <a:lvl4pPr indent="-304800" lvl="3" marL="1828800">
               <a:spcBef>
                 <a:spcPts val="0"/>
               </a:spcBef>
@@ -5370,7 +5252,7 @@
               <a:buChar char="●"/>
               <a:defRPr sz="1200"/>
             </a:lvl4pPr>
-            <a:lvl5pPr marL="2286000" lvl="4" indent="-304800">
+            <a:lvl5pPr indent="-304800" lvl="4" marL="2286000">
               <a:spcBef>
                 <a:spcPts val="0"/>
               </a:spcBef>
@@ -5381,7 +5263,7 @@
               <a:buChar char="○"/>
               <a:defRPr sz="1200"/>
             </a:lvl5pPr>
-            <a:lvl6pPr marL="2743200" lvl="5" indent="-304800">
+            <a:lvl6pPr indent="-304800" lvl="5" marL="2743200">
               <a:spcBef>
                 <a:spcPts val="0"/>
               </a:spcBef>
@@ -5392,7 +5274,7 @@
               <a:buChar char="■"/>
               <a:defRPr sz="1200"/>
             </a:lvl6pPr>
-            <a:lvl7pPr marL="3200400" lvl="6" indent="-304800">
+            <a:lvl7pPr indent="-304800" lvl="6" marL="3200400">
               <a:spcBef>
                 <a:spcPts val="0"/>
               </a:spcBef>
@@ -5403,7 +5285,7 @@
               <a:buChar char="●"/>
               <a:defRPr sz="1200"/>
             </a:lvl7pPr>
-            <a:lvl8pPr marL="3657600" lvl="7" indent="-304800">
+            <a:lvl8pPr indent="-304800" lvl="7" marL="3657600">
               <a:spcBef>
                 <a:spcPts val="0"/>
               </a:spcBef>
@@ -5414,7 +5296,7 @@
               <a:buChar char="○"/>
               <a:defRPr sz="1200"/>
             </a:lvl8pPr>
-            <a:lvl9pPr marL="4114800" lvl="8" indent="-304800">
+            <a:lvl9pPr indent="-304800" lvl="8" marL="4114800">
               <a:spcBef>
                 <a:spcPts val="0"/>
               </a:spcBef>
@@ -5426,19 +5308,15 @@
               <a:defRPr sz="1200"/>
             </a:lvl9pPr>
           </a:lstStyle>
-          <a:p>
-            <a:endParaRPr/>
-          </a:p>
+          <a:p/>
         </p:txBody>
       </p:sp>
       <p:sp>
         <p:nvSpPr>
           <p:cNvPr id="35" name="Google Shape;35;p5"/>
-          <p:cNvSpPr txBox="1">
-            <a:spLocks noGrp="1"/>
-          </p:cNvSpPr>
+          <p:cNvSpPr txBox="1"/>
           <p:nvPr>
-            <p:ph type="sldNum" idx="12"/>
+            <p:ph idx="12" type="sldNum"/>
           </p:nvPr>
         </p:nvSpPr>
         <p:spPr>
@@ -5451,7 +5329,7 @@
           </a:prstGeom>
         </p:spPr>
         <p:txBody>
-          <a:bodyPr spcFirstLastPara="1" wrap="square" lIns="91425" tIns="91425" rIns="91425" bIns="91425" anchor="ctr" anchorCtr="0">
+          <a:bodyPr anchorCtr="0" anchor="ctr" bIns="91425" lIns="91425" spcFirstLastPara="1" rIns="91425" wrap="square" tIns="91425">
             <a:normAutofit/>
           </a:bodyPr>
           <a:lstStyle>
@@ -5493,7 +5371,7 @@
             </a:lvl9pPr>
           </a:lstStyle>
           <a:p>
-            <a:pPr marL="0" lvl="0" indent="0" algn="r" rtl="0">
+            <a:pPr indent="0" lvl="0" marL="0" rtl="0" algn="r">
               <a:spcBef>
                 <a:spcPts val="0"/>
               </a:spcBef>
@@ -5504,7 +5382,7 @@
             </a:pPr>
             <a:fld id="{00000000-1234-1234-1234-123412341234}" type="slidenum">
               <a:rPr lang="pt-BR"/>
-              <a:t>‹nº›</a:t>
+              <a:t>‹#›</a:t>
             </a:fld>
             <a:endParaRPr/>
           </a:p>
@@ -5519,11 +5397,11 @@
 </file>
 
 <file path=ppt/slideLayouts/slideLayout5.xml><?xml version="1.0" encoding="utf-8"?>
-<p:sldLayout xmlns:a="http://schemas.openxmlformats.org/drawingml/2006/main" xmlns:r="http://schemas.openxmlformats.org/officeDocument/2006/relationships" xmlns:p="http://schemas.openxmlformats.org/presentationml/2006/main" matchingName="Title only" type="titleOnly">
+<p:sldLayout xmlns:a="http://schemas.openxmlformats.org/drawingml/2006/main" xmlns:r="http://schemas.openxmlformats.org/officeDocument/2006/relationships" xmlns:mc="http://schemas.openxmlformats.org/markup-compatibility/2006" xmlns:mv="urn:schemas-microsoft-com:mac:vml" xmlns:p="http://schemas.openxmlformats.org/presentationml/2006/main" xmlns:c="http://schemas.openxmlformats.org/drawingml/2006/chart" xmlns:dgm="http://schemas.openxmlformats.org/drawingml/2006/diagram" xmlns:o="urn:schemas-microsoft-com:office:office" xmlns:v="urn:schemas-microsoft-com:vml" xmlns:pvml="urn:schemas-microsoft-com:office:powerpoint" xmlns:com="http://schemas.openxmlformats.org/drawingml/2006/compatibility" xmlns:p14="http://schemas.microsoft.com/office/powerpoint/2010/main" xmlns:p15="http://schemas.microsoft.com/office/powerpoint/2012/main" xmlns:ahyp="http://schemas.microsoft.com/office/drawing/2018/hyperlinkcolor" matchingName="Title only" type="titleOnly">
   <p:cSld name="TITLE_ONLY">
     <p:spTree>
       <p:nvGrpSpPr>
-        <p:cNvPr id="1" name="Shape 36"/>
+        <p:cNvPr id="36" name="Shape 36"/>
         <p:cNvGrpSpPr/>
         <p:nvPr/>
       </p:nvGrpSpPr>
@@ -5538,9 +5416,7 @@
       <p:sp>
         <p:nvSpPr>
           <p:cNvPr id="37" name="Google Shape;37;p6"/>
-          <p:cNvSpPr txBox="1">
-            <a:spLocks noGrp="1"/>
-          </p:cNvSpPr>
+          <p:cNvSpPr txBox="1"/>
           <p:nvPr>
             <p:ph type="title"/>
           </p:nvPr>
@@ -5555,7 +5431,7 @@
           </a:prstGeom>
         </p:spPr>
         <p:txBody>
-          <a:bodyPr spcFirstLastPara="1" wrap="square" lIns="91425" tIns="91425" rIns="91425" bIns="91425" anchor="t" anchorCtr="0">
+          <a:bodyPr anchorCtr="0" anchor="t" bIns="91425" lIns="91425" spcFirstLastPara="1" rIns="91425" wrap="square" tIns="91425">
             <a:normAutofit/>
           </a:bodyPr>
           <a:lstStyle>
@@ -5659,19 +5535,15 @@
               <a:defRPr/>
             </a:lvl9pPr>
           </a:lstStyle>
-          <a:p>
-            <a:endParaRPr/>
-          </a:p>
+          <a:p/>
         </p:txBody>
       </p:sp>
       <p:sp>
         <p:nvSpPr>
           <p:cNvPr id="38" name="Google Shape;38;p6"/>
-          <p:cNvSpPr txBox="1">
-            <a:spLocks noGrp="1"/>
-          </p:cNvSpPr>
+          <p:cNvSpPr txBox="1"/>
           <p:nvPr>
-            <p:ph type="sldNum" idx="12"/>
+            <p:ph idx="12" type="sldNum"/>
           </p:nvPr>
         </p:nvSpPr>
         <p:spPr>
@@ -5684,7 +5556,7 @@
           </a:prstGeom>
         </p:spPr>
         <p:txBody>
-          <a:bodyPr spcFirstLastPara="1" wrap="square" lIns="91425" tIns="91425" rIns="91425" bIns="91425" anchor="ctr" anchorCtr="0">
+          <a:bodyPr anchorCtr="0" anchor="ctr" bIns="91425" lIns="91425" spcFirstLastPara="1" rIns="91425" wrap="square" tIns="91425">
             <a:normAutofit/>
           </a:bodyPr>
           <a:lstStyle>
@@ -5726,7 +5598,7 @@
             </a:lvl9pPr>
           </a:lstStyle>
           <a:p>
-            <a:pPr marL="0" lvl="0" indent="0" algn="r" rtl="0">
+            <a:pPr indent="0" lvl="0" marL="0" rtl="0" algn="r">
               <a:spcBef>
                 <a:spcPts val="0"/>
               </a:spcBef>
@@ -5737,7 +5609,7 @@
             </a:pPr>
             <a:fld id="{00000000-1234-1234-1234-123412341234}" type="slidenum">
               <a:rPr lang="pt-BR"/>
-              <a:t>‹nº›</a:t>
+              <a:t>‹#›</a:t>
             </a:fld>
             <a:endParaRPr/>
           </a:p>
@@ -5752,11 +5624,11 @@
 </file>
 
 <file path=ppt/slideLayouts/slideLayout6.xml><?xml version="1.0" encoding="utf-8"?>
-<p:sldLayout xmlns:a="http://schemas.openxmlformats.org/drawingml/2006/main" xmlns:r="http://schemas.openxmlformats.org/officeDocument/2006/relationships" xmlns:p="http://schemas.openxmlformats.org/presentationml/2006/main" matchingName="One column text">
+<p:sldLayout xmlns:a="http://schemas.openxmlformats.org/drawingml/2006/main" xmlns:r="http://schemas.openxmlformats.org/officeDocument/2006/relationships" xmlns:mc="http://schemas.openxmlformats.org/markup-compatibility/2006" xmlns:mv="urn:schemas-microsoft-com:mac:vml" xmlns:p="http://schemas.openxmlformats.org/presentationml/2006/main" xmlns:c="http://schemas.openxmlformats.org/drawingml/2006/chart" xmlns:dgm="http://schemas.openxmlformats.org/drawingml/2006/diagram" xmlns:o="urn:schemas-microsoft-com:office:office" xmlns:v="urn:schemas-microsoft-com:vml" xmlns:pvml="urn:schemas-microsoft-com:office:powerpoint" xmlns:com="http://schemas.openxmlformats.org/drawingml/2006/compatibility" xmlns:p14="http://schemas.microsoft.com/office/powerpoint/2010/main" xmlns:p15="http://schemas.microsoft.com/office/powerpoint/2012/main" xmlns:ahyp="http://schemas.microsoft.com/office/drawing/2018/hyperlinkcolor" matchingName="One column text">
   <p:cSld name="ONE_COLUMN_TEXT">
     <p:spTree>
       <p:nvGrpSpPr>
-        <p:cNvPr id="1" name="Shape 39"/>
+        <p:cNvPr id="39" name="Shape 39"/>
         <p:cNvGrpSpPr/>
         <p:nvPr/>
       </p:nvGrpSpPr>
@@ -5783,23 +5655,21 @@
             <a:avLst/>
           </a:prstGeom>
           <a:noFill/>
-          <a:ln w="19050" cap="flat" cmpd="sng">
+          <a:ln cap="flat" cmpd="sng" w="19050">
             <a:solidFill>
               <a:schemeClr val="dk2"/>
             </a:solidFill>
             <a:prstDash val="solid"/>
             <a:round/>
-            <a:headEnd type="none" w="sm" len="sm"/>
-            <a:tailEnd type="none" w="sm" len="sm"/>
+            <a:headEnd len="sm" w="sm" type="none"/>
+            <a:tailEnd len="sm" w="sm" type="none"/>
           </a:ln>
         </p:spPr>
       </p:cxnSp>
       <p:sp>
         <p:nvSpPr>
           <p:cNvPr id="41" name="Google Shape;41;p7"/>
-          <p:cNvSpPr txBox="1">
-            <a:spLocks noGrp="1"/>
-          </p:cNvSpPr>
+          <p:cNvSpPr txBox="1"/>
           <p:nvPr>
             <p:ph type="title"/>
           </p:nvPr>
@@ -5814,7 +5684,7 @@
           </a:prstGeom>
         </p:spPr>
         <p:txBody>
-          <a:bodyPr spcFirstLastPara="1" wrap="square" lIns="91425" tIns="91425" rIns="91425" bIns="91425" anchor="b" anchorCtr="0">
+          <a:bodyPr anchorCtr="0" anchor="b" bIns="91425" lIns="91425" spcFirstLastPara="1" rIns="91425" wrap="square" tIns="91425">
             <a:normAutofit/>
           </a:bodyPr>
           <a:lstStyle>
@@ -5918,19 +5788,15 @@
               <a:defRPr sz="2400"/>
             </a:lvl9pPr>
           </a:lstStyle>
-          <a:p>
-            <a:endParaRPr/>
-          </a:p>
+          <a:p/>
         </p:txBody>
       </p:sp>
       <p:sp>
         <p:nvSpPr>
           <p:cNvPr id="42" name="Google Shape;42;p7"/>
-          <p:cNvSpPr txBox="1">
-            <a:spLocks noGrp="1"/>
-          </p:cNvSpPr>
+          <p:cNvSpPr txBox="1"/>
           <p:nvPr>
-            <p:ph type="body" idx="1"/>
+            <p:ph idx="1" type="body"/>
           </p:nvPr>
         </p:nvSpPr>
         <p:spPr>
@@ -5943,11 +5809,11 @@
           </a:prstGeom>
         </p:spPr>
         <p:txBody>
-          <a:bodyPr spcFirstLastPara="1" wrap="square" lIns="91425" tIns="91425" rIns="91425" bIns="91425" anchor="t" anchorCtr="0">
+          <a:bodyPr anchorCtr="0" anchor="t" bIns="91425" lIns="91425" spcFirstLastPara="1" rIns="91425" wrap="square" tIns="91425">
             <a:normAutofit/>
           </a:bodyPr>
           <a:lstStyle>
-            <a:lvl1pPr marL="457200" lvl="0" indent="-304800">
+            <a:lvl1pPr indent="-304800" lvl="0" marL="457200">
               <a:spcBef>
                 <a:spcPts val="0"/>
               </a:spcBef>
@@ -5958,7 +5824,7 @@
               <a:buChar char="●"/>
               <a:defRPr sz="1200"/>
             </a:lvl1pPr>
-            <a:lvl2pPr marL="914400" lvl="1" indent="-304800">
+            <a:lvl2pPr indent="-304800" lvl="1" marL="914400">
               <a:spcBef>
                 <a:spcPts val="0"/>
               </a:spcBef>
@@ -5969,7 +5835,7 @@
               <a:buChar char="○"/>
               <a:defRPr sz="1200"/>
             </a:lvl2pPr>
-            <a:lvl3pPr marL="1371600" lvl="2" indent="-304800">
+            <a:lvl3pPr indent="-304800" lvl="2" marL="1371600">
               <a:spcBef>
                 <a:spcPts val="0"/>
               </a:spcBef>
@@ -5980,7 +5846,7 @@
               <a:buChar char="■"/>
               <a:defRPr sz="1200"/>
             </a:lvl3pPr>
-            <a:lvl4pPr marL="1828800" lvl="3" indent="-304800">
+            <a:lvl4pPr indent="-304800" lvl="3" marL="1828800">
               <a:spcBef>
                 <a:spcPts val="0"/>
               </a:spcBef>
@@ -5991,7 +5857,7 @@
               <a:buChar char="●"/>
               <a:defRPr sz="1200"/>
             </a:lvl4pPr>
-            <a:lvl5pPr marL="2286000" lvl="4" indent="-304800">
+            <a:lvl5pPr indent="-304800" lvl="4" marL="2286000">
               <a:spcBef>
                 <a:spcPts val="0"/>
               </a:spcBef>
@@ -6002,7 +5868,7 @@
               <a:buChar char="○"/>
               <a:defRPr sz="1200"/>
             </a:lvl5pPr>
-            <a:lvl6pPr marL="2743200" lvl="5" indent="-304800">
+            <a:lvl6pPr indent="-304800" lvl="5" marL="2743200">
               <a:spcBef>
                 <a:spcPts val="0"/>
               </a:spcBef>
@@ -6013,7 +5879,7 @@
               <a:buChar char="■"/>
               <a:defRPr sz="1200"/>
             </a:lvl6pPr>
-            <a:lvl7pPr marL="3200400" lvl="6" indent="-304800">
+            <a:lvl7pPr indent="-304800" lvl="6" marL="3200400">
               <a:spcBef>
                 <a:spcPts val="0"/>
               </a:spcBef>
@@ -6024,7 +5890,7 @@
               <a:buChar char="●"/>
               <a:defRPr sz="1200"/>
             </a:lvl7pPr>
-            <a:lvl8pPr marL="3657600" lvl="7" indent="-304800">
+            <a:lvl8pPr indent="-304800" lvl="7" marL="3657600">
               <a:spcBef>
                 <a:spcPts val="0"/>
               </a:spcBef>
@@ -6035,7 +5901,7 @@
               <a:buChar char="○"/>
               <a:defRPr sz="1200"/>
             </a:lvl8pPr>
-            <a:lvl9pPr marL="4114800" lvl="8" indent="-304800">
+            <a:lvl9pPr indent="-304800" lvl="8" marL="4114800">
               <a:spcBef>
                 <a:spcPts val="0"/>
               </a:spcBef>
@@ -6047,19 +5913,15 @@
               <a:defRPr sz="1200"/>
             </a:lvl9pPr>
           </a:lstStyle>
-          <a:p>
-            <a:endParaRPr/>
-          </a:p>
+          <a:p/>
         </p:txBody>
       </p:sp>
       <p:sp>
         <p:nvSpPr>
           <p:cNvPr id="43" name="Google Shape;43;p7"/>
-          <p:cNvSpPr txBox="1">
-            <a:spLocks noGrp="1"/>
-          </p:cNvSpPr>
+          <p:cNvSpPr txBox="1"/>
           <p:nvPr>
-            <p:ph type="sldNum" idx="12"/>
+            <p:ph idx="12" type="sldNum"/>
           </p:nvPr>
         </p:nvSpPr>
         <p:spPr>
@@ -6072,7 +5934,7 @@
           </a:prstGeom>
         </p:spPr>
         <p:txBody>
-          <a:bodyPr spcFirstLastPara="1" wrap="square" lIns="91425" tIns="91425" rIns="91425" bIns="91425" anchor="ctr" anchorCtr="0">
+          <a:bodyPr anchorCtr="0" anchor="ctr" bIns="91425" lIns="91425" spcFirstLastPara="1" rIns="91425" wrap="square" tIns="91425">
             <a:normAutofit/>
           </a:bodyPr>
           <a:lstStyle>
@@ -6114,7 +5976,7 @@
             </a:lvl9pPr>
           </a:lstStyle>
           <a:p>
-            <a:pPr marL="0" lvl="0" indent="0" algn="r" rtl="0">
+            <a:pPr indent="0" lvl="0" marL="0" rtl="0" algn="r">
               <a:spcBef>
                 <a:spcPts val="0"/>
               </a:spcBef>
@@ -6125,7 +5987,7 @@
             </a:pPr>
             <a:fld id="{00000000-1234-1234-1234-123412341234}" type="slidenum">
               <a:rPr lang="pt-BR"/>
-              <a:t>‹nº›</a:t>
+              <a:t>‹#›</a:t>
             </a:fld>
             <a:endParaRPr/>
           </a:p>
@@ -6140,19 +6002,18 @@
 </file>
 
 <file path=ppt/slideLayouts/slideLayout7.xml><?xml version="1.0" encoding="utf-8"?>
-<p:sldLayout xmlns:a="http://schemas.openxmlformats.org/drawingml/2006/main" xmlns:r="http://schemas.openxmlformats.org/officeDocument/2006/relationships" xmlns:p="http://schemas.openxmlformats.org/presentationml/2006/main" matchingName="Main point">
+<p:sldLayout xmlns:a="http://schemas.openxmlformats.org/drawingml/2006/main" xmlns:r="http://schemas.openxmlformats.org/officeDocument/2006/relationships" xmlns:mc="http://schemas.openxmlformats.org/markup-compatibility/2006" xmlns:mv="urn:schemas-microsoft-com:mac:vml" xmlns:p="http://schemas.openxmlformats.org/presentationml/2006/main" xmlns:c="http://schemas.openxmlformats.org/drawingml/2006/chart" xmlns:dgm="http://schemas.openxmlformats.org/drawingml/2006/diagram" xmlns:o="urn:schemas-microsoft-com:office:office" xmlns:v="urn:schemas-microsoft-com:vml" xmlns:pvml="urn:schemas-microsoft-com:office:powerpoint" xmlns:com="http://schemas.openxmlformats.org/drawingml/2006/compatibility" xmlns:p14="http://schemas.microsoft.com/office/powerpoint/2010/main" xmlns:p15="http://schemas.microsoft.com/office/powerpoint/2012/main" xmlns:ahyp="http://schemas.microsoft.com/office/drawing/2018/hyperlinkcolor" matchingName="Main point">
   <p:cSld name="MAIN_POINT">
     <p:bg>
       <p:bgPr>
         <a:solidFill>
           <a:schemeClr val="lt2"/>
         </a:solidFill>
-        <a:effectLst/>
       </p:bgPr>
     </p:bg>
     <p:spTree>
       <p:nvGrpSpPr>
-        <p:cNvPr id="1" name="Shape 44"/>
+        <p:cNvPr id="44" name="Shape 44"/>
         <p:cNvGrpSpPr/>
         <p:nvPr/>
       </p:nvGrpSpPr>
@@ -6179,23 +6040,21 @@
             <a:avLst/>
           </a:prstGeom>
           <a:noFill/>
-          <a:ln w="19050" cap="flat" cmpd="sng">
+          <a:ln cap="flat" cmpd="sng" w="19050">
             <a:solidFill>
               <a:schemeClr val="lt1"/>
             </a:solidFill>
             <a:prstDash val="solid"/>
             <a:round/>
-            <a:headEnd type="none" w="sm" len="sm"/>
-            <a:tailEnd type="none" w="sm" len="sm"/>
+            <a:headEnd len="sm" w="sm" type="none"/>
+            <a:tailEnd len="sm" w="sm" type="none"/>
           </a:ln>
         </p:spPr>
       </p:cxnSp>
       <p:sp>
         <p:nvSpPr>
           <p:cNvPr id="46" name="Google Shape;46;p8"/>
-          <p:cNvSpPr txBox="1">
-            <a:spLocks noGrp="1"/>
-          </p:cNvSpPr>
+          <p:cNvSpPr txBox="1"/>
           <p:nvPr>
             <p:ph type="title"/>
           </p:nvPr>
@@ -6210,7 +6069,7 @@
           </a:prstGeom>
         </p:spPr>
         <p:txBody>
-          <a:bodyPr spcFirstLastPara="1" wrap="square" lIns="91425" tIns="91425" rIns="91425" bIns="91425" anchor="ctr" anchorCtr="0">
+          <a:bodyPr anchorCtr="0" anchor="ctr" bIns="91425" lIns="91425" spcFirstLastPara="1" rIns="91425" wrap="square" tIns="91425">
             <a:normAutofit/>
           </a:bodyPr>
           <a:lstStyle>
@@ -6377,19 +6236,15 @@
               </a:defRPr>
             </a:lvl9pPr>
           </a:lstStyle>
-          <a:p>
-            <a:endParaRPr/>
-          </a:p>
+          <a:p/>
         </p:txBody>
       </p:sp>
       <p:sp>
         <p:nvSpPr>
           <p:cNvPr id="47" name="Google Shape;47;p8"/>
-          <p:cNvSpPr txBox="1">
-            <a:spLocks noGrp="1"/>
-          </p:cNvSpPr>
+          <p:cNvSpPr txBox="1"/>
           <p:nvPr>
-            <p:ph type="sldNum" idx="12"/>
+            <p:ph idx="12" type="sldNum"/>
           </p:nvPr>
         </p:nvSpPr>
         <p:spPr>
@@ -6402,7 +6257,7 @@
           </a:prstGeom>
         </p:spPr>
         <p:txBody>
-          <a:bodyPr spcFirstLastPara="1" wrap="square" lIns="91425" tIns="91425" rIns="91425" bIns="91425" anchor="ctr" anchorCtr="0">
+          <a:bodyPr anchorCtr="0" anchor="ctr" bIns="91425" lIns="91425" spcFirstLastPara="1" rIns="91425" wrap="square" tIns="91425">
             <a:normAutofit/>
           </a:bodyPr>
           <a:lstStyle>
@@ -6480,7 +6335,7 @@
             </a:lvl9pPr>
           </a:lstStyle>
           <a:p>
-            <a:pPr marL="0" lvl="0" indent="0" algn="r" rtl="0">
+            <a:pPr indent="0" lvl="0" marL="0" rtl="0" algn="r">
               <a:spcBef>
                 <a:spcPts val="0"/>
               </a:spcBef>
@@ -6491,7 +6346,7 @@
             </a:pPr>
             <a:fld id="{00000000-1234-1234-1234-123412341234}" type="slidenum">
               <a:rPr lang="pt-BR"/>
-              <a:t>‹nº›</a:t>
+              <a:t>‹#›</a:t>
             </a:fld>
             <a:endParaRPr/>
           </a:p>
@@ -6506,11 +6361,11 @@
 </file>
 
 <file path=ppt/slideLayouts/slideLayout8.xml><?xml version="1.0" encoding="utf-8"?>
-<p:sldLayout xmlns:a="http://schemas.openxmlformats.org/drawingml/2006/main" xmlns:r="http://schemas.openxmlformats.org/officeDocument/2006/relationships" xmlns:p="http://schemas.openxmlformats.org/presentationml/2006/main" matchingName="Section title and description">
+<p:sldLayout xmlns:a="http://schemas.openxmlformats.org/drawingml/2006/main" xmlns:r="http://schemas.openxmlformats.org/officeDocument/2006/relationships" xmlns:mc="http://schemas.openxmlformats.org/markup-compatibility/2006" xmlns:mv="urn:schemas-microsoft-com:mac:vml" xmlns:p="http://schemas.openxmlformats.org/presentationml/2006/main" xmlns:c="http://schemas.openxmlformats.org/drawingml/2006/chart" xmlns:dgm="http://schemas.openxmlformats.org/drawingml/2006/diagram" xmlns:o="urn:schemas-microsoft-com:office:office" xmlns:v="urn:schemas-microsoft-com:vml" xmlns:pvml="urn:schemas-microsoft-com:office:powerpoint" xmlns:com="http://schemas.openxmlformats.org/drawingml/2006/compatibility" xmlns:p14="http://schemas.microsoft.com/office/powerpoint/2010/main" xmlns:p15="http://schemas.microsoft.com/office/powerpoint/2012/main" xmlns:ahyp="http://schemas.microsoft.com/office/drawing/2018/hyperlinkcolor" matchingName="Section title and description">
   <p:cSld name="SECTION_TITLE_AND_DESCRIPTION">
     <p:spTree>
       <p:nvGrpSpPr>
-        <p:cNvPr id="1" name="Shape 48"/>
+        <p:cNvPr id="48" name="Shape 48"/>
         <p:cNvGrpSpPr/>
         <p:nvPr/>
       </p:nvGrpSpPr>
@@ -6544,12 +6399,12 @@
           </a:ln>
         </p:spPr>
         <p:txBody>
-          <a:bodyPr spcFirstLastPara="1" wrap="square" lIns="91425" tIns="91425" rIns="91425" bIns="91425" anchor="ctr" anchorCtr="0">
+          <a:bodyPr anchorCtr="0" anchor="ctr" bIns="91425" lIns="91425" spcFirstLastPara="1" rIns="91425" wrap="square" tIns="91425">
             <a:noAutofit/>
           </a:bodyPr>
           <a:lstStyle/>
           <a:p>
-            <a:pPr marL="0" lvl="0" indent="0" algn="l" rtl="0">
+            <a:pPr indent="0" lvl="0" marL="0" rtl="0" algn="l">
               <a:spcBef>
                 <a:spcPts val="0"/>
               </a:spcBef>
@@ -6558,6 +6413,9 @@
               </a:spcAft>
               <a:buNone/>
             </a:pPr>
+            <a:r>
+              <a:t/>
+            </a:r>
             <a:endParaRPr>
               <a:highlight>
                 <a:schemeClr val="lt1"/>
@@ -6581,23 +6439,21 @@
             <a:avLst/>
           </a:prstGeom>
           <a:noFill/>
-          <a:ln w="19050" cap="flat" cmpd="sng">
+          <a:ln cap="flat" cmpd="sng" w="19050">
             <a:solidFill>
               <a:schemeClr val="lt1"/>
             </a:solidFill>
             <a:prstDash val="solid"/>
             <a:round/>
-            <a:headEnd type="none" w="sm" len="sm"/>
-            <a:tailEnd type="none" w="sm" len="sm"/>
+            <a:headEnd len="sm" w="sm" type="none"/>
+            <a:tailEnd len="sm" w="sm" type="none"/>
           </a:ln>
         </p:spPr>
       </p:cxnSp>
       <p:sp>
         <p:nvSpPr>
           <p:cNvPr id="51" name="Google Shape;51;p9"/>
-          <p:cNvSpPr txBox="1">
-            <a:spLocks noGrp="1"/>
-          </p:cNvSpPr>
+          <p:cNvSpPr txBox="1"/>
           <p:nvPr>
             <p:ph type="title"/>
           </p:nvPr>
@@ -6612,7 +6468,7 @@
           </a:prstGeom>
         </p:spPr>
         <p:txBody>
-          <a:bodyPr spcFirstLastPara="1" wrap="square" lIns="91425" tIns="91425" rIns="91425" bIns="91425" anchor="b" anchorCtr="0">
+          <a:bodyPr anchorCtr="0" anchor="b" bIns="91425" lIns="91425" spcFirstLastPara="1" rIns="91425" wrap="square" tIns="91425">
             <a:normAutofit/>
           </a:bodyPr>
           <a:lstStyle>
@@ -6779,19 +6635,15 @@
               </a:defRPr>
             </a:lvl9pPr>
           </a:lstStyle>
-          <a:p>
-            <a:endParaRPr/>
-          </a:p>
+          <a:p/>
         </p:txBody>
       </p:sp>
       <p:sp>
         <p:nvSpPr>
           <p:cNvPr id="52" name="Google Shape;52;p9"/>
-          <p:cNvSpPr txBox="1">
-            <a:spLocks noGrp="1"/>
-          </p:cNvSpPr>
+          <p:cNvSpPr txBox="1"/>
           <p:nvPr>
-            <p:ph type="subTitle" idx="1"/>
+            <p:ph idx="1" type="subTitle"/>
           </p:nvPr>
         </p:nvSpPr>
         <p:spPr>
@@ -6804,7 +6656,7 @@
           </a:prstGeom>
         </p:spPr>
         <p:txBody>
-          <a:bodyPr spcFirstLastPara="1" wrap="square" lIns="91425" tIns="91425" rIns="91425" bIns="91425" anchor="t" anchorCtr="0">
+          <a:bodyPr anchorCtr="0" anchor="t" bIns="91425" lIns="91425" spcFirstLastPara="1" rIns="91425" wrap="square" tIns="91425">
             <a:normAutofit/>
           </a:bodyPr>
           <a:lstStyle>
@@ -6935,19 +6787,15 @@
               <a:defRPr sz="2100"/>
             </a:lvl9pPr>
           </a:lstStyle>
-          <a:p>
-            <a:endParaRPr/>
-          </a:p>
+          <a:p/>
         </p:txBody>
       </p:sp>
       <p:sp>
         <p:nvSpPr>
           <p:cNvPr id="53" name="Google Shape;53;p9"/>
-          <p:cNvSpPr txBox="1">
-            <a:spLocks noGrp="1"/>
-          </p:cNvSpPr>
+          <p:cNvSpPr txBox="1"/>
           <p:nvPr>
-            <p:ph type="body" idx="2"/>
+            <p:ph idx="2" type="body"/>
           </p:nvPr>
         </p:nvSpPr>
         <p:spPr>
@@ -6960,11 +6808,11 @@
           </a:prstGeom>
         </p:spPr>
         <p:txBody>
-          <a:bodyPr spcFirstLastPara="1" wrap="square" lIns="91425" tIns="91425" rIns="91425" bIns="91425" anchor="ctr" anchorCtr="0">
+          <a:bodyPr anchorCtr="0" anchor="ctr" bIns="91425" lIns="91425" spcFirstLastPara="1" rIns="91425" wrap="square" tIns="91425">
             <a:normAutofit/>
           </a:bodyPr>
           <a:lstStyle>
-            <a:lvl1pPr marL="457200" lvl="0" indent="-342900">
+            <a:lvl1pPr indent="-342900" lvl="0" marL="457200">
               <a:spcBef>
                 <a:spcPts val="0"/>
               </a:spcBef>
@@ -6982,7 +6830,7 @@
                 </a:solidFill>
               </a:defRPr>
             </a:lvl1pPr>
-            <a:lvl2pPr marL="914400" lvl="1" indent="-317500">
+            <a:lvl2pPr indent="-317500" lvl="1" marL="914400">
               <a:spcBef>
                 <a:spcPts val="0"/>
               </a:spcBef>
@@ -7000,7 +6848,7 @@
                 </a:solidFill>
               </a:defRPr>
             </a:lvl2pPr>
-            <a:lvl3pPr marL="1371600" lvl="2" indent="-317500">
+            <a:lvl3pPr indent="-317500" lvl="2" marL="1371600">
               <a:spcBef>
                 <a:spcPts val="0"/>
               </a:spcBef>
@@ -7018,7 +6866,7 @@
                 </a:solidFill>
               </a:defRPr>
             </a:lvl3pPr>
-            <a:lvl4pPr marL="1828800" lvl="3" indent="-317500">
+            <a:lvl4pPr indent="-317500" lvl="3" marL="1828800">
               <a:spcBef>
                 <a:spcPts val="0"/>
               </a:spcBef>
@@ -7036,7 +6884,7 @@
                 </a:solidFill>
               </a:defRPr>
             </a:lvl4pPr>
-            <a:lvl5pPr marL="2286000" lvl="4" indent="-317500">
+            <a:lvl5pPr indent="-317500" lvl="4" marL="2286000">
               <a:spcBef>
                 <a:spcPts val="0"/>
               </a:spcBef>
@@ -7054,7 +6902,7 @@
                 </a:solidFill>
               </a:defRPr>
             </a:lvl5pPr>
-            <a:lvl6pPr marL="2743200" lvl="5" indent="-317500">
+            <a:lvl6pPr indent="-317500" lvl="5" marL="2743200">
               <a:spcBef>
                 <a:spcPts val="0"/>
               </a:spcBef>
@@ -7072,7 +6920,7 @@
                 </a:solidFill>
               </a:defRPr>
             </a:lvl6pPr>
-            <a:lvl7pPr marL="3200400" lvl="6" indent="-317500">
+            <a:lvl7pPr indent="-317500" lvl="6" marL="3200400">
               <a:spcBef>
                 <a:spcPts val="0"/>
               </a:spcBef>
@@ -7090,7 +6938,7 @@
                 </a:solidFill>
               </a:defRPr>
             </a:lvl7pPr>
-            <a:lvl8pPr marL="3657600" lvl="7" indent="-317500">
+            <a:lvl8pPr indent="-317500" lvl="7" marL="3657600">
               <a:spcBef>
                 <a:spcPts val="0"/>
               </a:spcBef>
@@ -7108,7 +6956,7 @@
                 </a:solidFill>
               </a:defRPr>
             </a:lvl8pPr>
-            <a:lvl9pPr marL="4114800" lvl="8" indent="-317500">
+            <a:lvl9pPr indent="-317500" lvl="8" marL="4114800">
               <a:spcBef>
                 <a:spcPts val="0"/>
               </a:spcBef>
@@ -7127,19 +6975,15 @@
               </a:defRPr>
             </a:lvl9pPr>
           </a:lstStyle>
-          <a:p>
-            <a:endParaRPr/>
-          </a:p>
+          <a:p/>
         </p:txBody>
       </p:sp>
       <p:sp>
         <p:nvSpPr>
           <p:cNvPr id="54" name="Google Shape;54;p9"/>
-          <p:cNvSpPr txBox="1">
-            <a:spLocks noGrp="1"/>
-          </p:cNvSpPr>
+          <p:cNvSpPr txBox="1"/>
           <p:nvPr>
-            <p:ph type="sldNum" idx="12"/>
+            <p:ph idx="12" type="sldNum"/>
           </p:nvPr>
         </p:nvSpPr>
         <p:spPr>
@@ -7152,7 +6996,7 @@
           </a:prstGeom>
         </p:spPr>
         <p:txBody>
-          <a:bodyPr spcFirstLastPara="1" wrap="square" lIns="91425" tIns="91425" rIns="91425" bIns="91425" anchor="ctr" anchorCtr="0">
+          <a:bodyPr anchorCtr="0" anchor="ctr" bIns="91425" lIns="91425" spcFirstLastPara="1" rIns="91425" wrap="square" tIns="91425">
             <a:normAutofit/>
           </a:bodyPr>
           <a:lstStyle>
@@ -7230,7 +7074,7 @@
             </a:lvl9pPr>
           </a:lstStyle>
           <a:p>
-            <a:pPr marL="0" lvl="0" indent="0" algn="r" rtl="0">
+            <a:pPr indent="0" lvl="0" marL="0" rtl="0" algn="r">
               <a:spcBef>
                 <a:spcPts val="0"/>
               </a:spcBef>
@@ -7241,7 +7085,7 @@
             </a:pPr>
             <a:fld id="{00000000-1234-1234-1234-123412341234}" type="slidenum">
               <a:rPr lang="pt-BR"/>
-              <a:t>‹nº›</a:t>
+              <a:t>‹#›</a:t>
             </a:fld>
             <a:endParaRPr/>
           </a:p>
@@ -7256,11 +7100,11 @@
 </file>
 
 <file path=ppt/slideLayouts/slideLayout9.xml><?xml version="1.0" encoding="utf-8"?>
-<p:sldLayout xmlns:a="http://schemas.openxmlformats.org/drawingml/2006/main" xmlns:r="http://schemas.openxmlformats.org/officeDocument/2006/relationships" xmlns:p="http://schemas.openxmlformats.org/presentationml/2006/main" matchingName="Caption">
+<p:sldLayout xmlns:a="http://schemas.openxmlformats.org/drawingml/2006/main" xmlns:r="http://schemas.openxmlformats.org/officeDocument/2006/relationships" xmlns:mc="http://schemas.openxmlformats.org/markup-compatibility/2006" xmlns:mv="urn:schemas-microsoft-com:mac:vml" xmlns:p="http://schemas.openxmlformats.org/presentationml/2006/main" xmlns:c="http://schemas.openxmlformats.org/drawingml/2006/chart" xmlns:dgm="http://schemas.openxmlformats.org/drawingml/2006/diagram" xmlns:o="urn:schemas-microsoft-com:office:office" xmlns:v="urn:schemas-microsoft-com:vml" xmlns:pvml="urn:schemas-microsoft-com:office:powerpoint" xmlns:com="http://schemas.openxmlformats.org/drawingml/2006/compatibility" xmlns:p14="http://schemas.microsoft.com/office/powerpoint/2010/main" xmlns:p15="http://schemas.microsoft.com/office/powerpoint/2012/main" xmlns:ahyp="http://schemas.microsoft.com/office/drawing/2018/hyperlinkcolor" matchingName="Caption">
   <p:cSld name="CAPTION_ONLY">
     <p:spTree>
       <p:nvGrpSpPr>
-        <p:cNvPr id="1" name="Shape 55"/>
+        <p:cNvPr id="55" name="Shape 55"/>
         <p:cNvGrpSpPr/>
         <p:nvPr/>
       </p:nvGrpSpPr>
@@ -7287,14 +7131,14 @@
             <a:avLst/>
           </a:prstGeom>
           <a:noFill/>
-          <a:ln w="19050" cap="flat" cmpd="sng">
+          <a:ln cap="flat" cmpd="sng" w="19050">
             <a:solidFill>
               <a:schemeClr val="dk2"/>
             </a:solidFill>
             <a:prstDash val="solid"/>
             <a:round/>
-            <a:headEnd type="none" w="sm" len="sm"/>
-            <a:tailEnd type="none" w="sm" len="sm"/>
+            <a:headEnd len="sm" w="sm" type="none"/>
+            <a:tailEnd len="sm" w="sm" type="none"/>
           </a:ln>
         </p:spPr>
       </p:cxnSp>
@@ -7313,25 +7157,23 @@
             <a:avLst/>
           </a:prstGeom>
           <a:noFill/>
-          <a:ln w="19050" cap="flat" cmpd="sng">
+          <a:ln cap="flat" cmpd="sng" w="19050">
             <a:solidFill>
               <a:schemeClr val="dk2"/>
             </a:solidFill>
             <a:prstDash val="solid"/>
             <a:round/>
-            <a:headEnd type="none" w="sm" len="sm"/>
-            <a:tailEnd type="none" w="sm" len="sm"/>
+            <a:headEnd len="sm" w="sm" type="none"/>
+            <a:tailEnd len="sm" w="sm" type="none"/>
           </a:ln>
         </p:spPr>
       </p:cxnSp>
       <p:sp>
         <p:nvSpPr>
           <p:cNvPr id="58" name="Google Shape;58;p10"/>
-          <p:cNvSpPr txBox="1">
-            <a:spLocks noGrp="1"/>
-          </p:cNvSpPr>
+          <p:cNvSpPr txBox="1"/>
           <p:nvPr>
-            <p:ph type="body" idx="1"/>
+            <p:ph idx="1" type="body"/>
           </p:nvPr>
         </p:nvSpPr>
         <p:spPr>
@@ -7344,11 +7186,11 @@
           </a:prstGeom>
         </p:spPr>
         <p:txBody>
-          <a:bodyPr spcFirstLastPara="1" wrap="square" lIns="91425" tIns="91425" rIns="91425" bIns="91425" anchor="ctr" anchorCtr="0">
+          <a:bodyPr anchorCtr="0" anchor="ctr" bIns="91425" lIns="91425" spcFirstLastPara="1" rIns="91425" wrap="square" tIns="91425">
             <a:normAutofit/>
           </a:bodyPr>
           <a:lstStyle>
-            <a:lvl1pPr marL="457200" lvl="0" indent="-228600">
+            <a:lvl1pPr indent="-228600" lvl="0" marL="457200">
               <a:lnSpc>
                 <a:spcPct val="100000"/>
               </a:lnSpc>
@@ -7363,19 +7205,15 @@
               <a:defRPr/>
             </a:lvl1pPr>
           </a:lstStyle>
-          <a:p>
-            <a:endParaRPr/>
-          </a:p>
+          <a:p/>
         </p:txBody>
       </p:sp>
       <p:sp>
         <p:nvSpPr>
           <p:cNvPr id="59" name="Google Shape;59;p10"/>
-          <p:cNvSpPr txBox="1">
-            <a:spLocks noGrp="1"/>
-          </p:cNvSpPr>
+          <p:cNvSpPr txBox="1"/>
           <p:nvPr>
-            <p:ph type="sldNum" idx="12"/>
+            <p:ph idx="12" type="sldNum"/>
           </p:nvPr>
         </p:nvSpPr>
         <p:spPr>
@@ -7388,7 +7226,7 @@
           </a:prstGeom>
         </p:spPr>
         <p:txBody>
-          <a:bodyPr spcFirstLastPara="1" wrap="square" lIns="91425" tIns="91425" rIns="91425" bIns="91425" anchor="ctr" anchorCtr="0">
+          <a:bodyPr anchorCtr="0" anchor="ctr" bIns="91425" lIns="91425" spcFirstLastPara="1" rIns="91425" wrap="square" tIns="91425">
             <a:normAutofit/>
           </a:bodyPr>
           <a:lstStyle>
@@ -7430,7 +7268,7 @@
             </a:lvl9pPr>
           </a:lstStyle>
           <a:p>
-            <a:pPr marL="0" lvl="0" indent="0" algn="r" rtl="0">
+            <a:pPr indent="0" lvl="0" marL="0" rtl="0" algn="r">
               <a:spcBef>
                 <a:spcPts val="0"/>
               </a:spcBef>
@@ -7441,7 +7279,7 @@
             </a:pPr>
             <a:fld id="{00000000-1234-1234-1234-123412341234}" type="slidenum">
               <a:rPr lang="pt-BR"/>
-              <a:t>‹nº›</a:t>
+              <a:t>‹#›</a:t>
             </a:fld>
             <a:endParaRPr/>
           </a:p>
@@ -7456,19 +7294,18 @@
 </file>
 
 <file path=ppt/slideMasters/slideMaster1.xml><?xml version="1.0" encoding="utf-8"?>
-<p:sldMaster xmlns:a="http://schemas.openxmlformats.org/drawingml/2006/main" xmlns:r="http://schemas.openxmlformats.org/officeDocument/2006/relationships" xmlns:p="http://schemas.openxmlformats.org/presentationml/2006/main">
+<p:sldMaster xmlns:a="http://schemas.openxmlformats.org/drawingml/2006/main" xmlns:r="http://schemas.openxmlformats.org/officeDocument/2006/relationships" xmlns:mc="http://schemas.openxmlformats.org/markup-compatibility/2006" xmlns:mv="urn:schemas-microsoft-com:mac:vml" xmlns:p="http://schemas.openxmlformats.org/presentationml/2006/main" xmlns:c="http://schemas.openxmlformats.org/drawingml/2006/chart" xmlns:dgm="http://schemas.openxmlformats.org/drawingml/2006/diagram" xmlns:o="urn:schemas-microsoft-com:office:office" xmlns:v="urn:schemas-microsoft-com:vml" xmlns:pvml="urn:schemas-microsoft-com:office:powerpoint" xmlns:com="http://schemas.openxmlformats.org/drawingml/2006/compatibility" xmlns:p14="http://schemas.microsoft.com/office/powerpoint/2010/main" xmlns:p15="http://schemas.microsoft.com/office/powerpoint/2012/main" xmlns:ahyp="http://schemas.microsoft.com/office/drawing/2018/hyperlinkcolor">
   <p:cSld name="swiss-2">
     <p:bg>
       <p:bgPr>
         <a:solidFill>
           <a:schemeClr val="lt1"/>
         </a:solidFill>
-        <a:effectLst/>
       </p:bgPr>
     </p:bg>
     <p:spTree>
       <p:nvGrpSpPr>
-        <p:cNvPr id="1" name="Shape 5"/>
+        <p:cNvPr id="5" name="Shape 5"/>
         <p:cNvGrpSpPr/>
         <p:nvPr/>
       </p:nvGrpSpPr>
@@ -7483,9 +7320,7 @@
       <p:sp>
         <p:nvSpPr>
           <p:cNvPr id="6" name="Google Shape;6;p1"/>
-          <p:cNvSpPr txBox="1">
-            <a:spLocks noGrp="1"/>
-          </p:cNvSpPr>
+          <p:cNvSpPr txBox="1"/>
           <p:nvPr>
             <p:ph type="title"/>
           </p:nvPr>
@@ -7504,7 +7339,7 @@
           </a:ln>
         </p:spPr>
         <p:txBody>
-          <a:bodyPr spcFirstLastPara="1" wrap="square" lIns="91425" tIns="91425" rIns="91425" bIns="91425" anchor="t" anchorCtr="0">
+          <a:bodyPr anchorCtr="0" anchor="t" bIns="91425" lIns="91425" spcFirstLastPara="1" rIns="91425" wrap="square" tIns="91425">
             <a:normAutofit/>
           </a:bodyPr>
           <a:lstStyle>
@@ -7521,7 +7356,7 @@
               <a:buSzPts val="3000"/>
               <a:buFont typeface="Raleway"/>
               <a:buNone/>
-              <a:defRPr sz="3000" b="1">
+              <a:defRPr b="1" sz="3000">
                 <a:solidFill>
                   <a:schemeClr val="dk2"/>
                 </a:solidFill>
@@ -7544,7 +7379,7 @@
               <a:buSzPts val="3000"/>
               <a:buFont typeface="Raleway"/>
               <a:buNone/>
-              <a:defRPr sz="3000" b="1">
+              <a:defRPr b="1" sz="3000">
                 <a:solidFill>
                   <a:schemeClr val="dk2"/>
                 </a:solidFill>
@@ -7567,7 +7402,7 @@
               <a:buSzPts val="3000"/>
               <a:buFont typeface="Raleway"/>
               <a:buNone/>
-              <a:defRPr sz="3000" b="1">
+              <a:defRPr b="1" sz="3000">
                 <a:solidFill>
                   <a:schemeClr val="dk2"/>
                 </a:solidFill>
@@ -7590,7 +7425,7 @@
               <a:buSzPts val="3000"/>
               <a:buFont typeface="Raleway"/>
               <a:buNone/>
-              <a:defRPr sz="3000" b="1">
+              <a:defRPr b="1" sz="3000">
                 <a:solidFill>
                   <a:schemeClr val="dk2"/>
                 </a:solidFill>
@@ -7613,7 +7448,7 @@
               <a:buSzPts val="3000"/>
               <a:buFont typeface="Raleway"/>
               <a:buNone/>
-              <a:defRPr sz="3000" b="1">
+              <a:defRPr b="1" sz="3000">
                 <a:solidFill>
                   <a:schemeClr val="dk2"/>
                 </a:solidFill>
@@ -7636,7 +7471,7 @@
               <a:buSzPts val="3000"/>
               <a:buFont typeface="Raleway"/>
               <a:buNone/>
-              <a:defRPr sz="3000" b="1">
+              <a:defRPr b="1" sz="3000">
                 <a:solidFill>
                   <a:schemeClr val="dk2"/>
                 </a:solidFill>
@@ -7659,7 +7494,7 @@
               <a:buSzPts val="3000"/>
               <a:buFont typeface="Raleway"/>
               <a:buNone/>
-              <a:defRPr sz="3000" b="1">
+              <a:defRPr b="1" sz="3000">
                 <a:solidFill>
                   <a:schemeClr val="dk2"/>
                 </a:solidFill>
@@ -7682,7 +7517,7 @@
               <a:buSzPts val="3000"/>
               <a:buFont typeface="Raleway"/>
               <a:buNone/>
-              <a:defRPr sz="3000" b="1">
+              <a:defRPr b="1" sz="3000">
                 <a:solidFill>
                   <a:schemeClr val="dk2"/>
                 </a:solidFill>
@@ -7705,7 +7540,7 @@
               <a:buSzPts val="3000"/>
               <a:buFont typeface="Raleway"/>
               <a:buNone/>
-              <a:defRPr sz="3000" b="1">
+              <a:defRPr b="1" sz="3000">
                 <a:solidFill>
                   <a:schemeClr val="dk2"/>
                 </a:solidFill>
@@ -7716,19 +7551,15 @@
               </a:defRPr>
             </a:lvl9pPr>
           </a:lstStyle>
-          <a:p>
-            <a:endParaRPr/>
-          </a:p>
+          <a:p/>
         </p:txBody>
       </p:sp>
       <p:sp>
         <p:nvSpPr>
           <p:cNvPr id="7" name="Google Shape;7;p1"/>
-          <p:cNvSpPr txBox="1">
-            <a:spLocks noGrp="1"/>
-          </p:cNvSpPr>
+          <p:cNvSpPr txBox="1"/>
           <p:nvPr>
-            <p:ph type="body" idx="1"/>
+            <p:ph idx="1" type="body"/>
           </p:nvPr>
         </p:nvSpPr>
         <p:spPr>
@@ -7745,11 +7576,11 @@
           </a:ln>
         </p:spPr>
         <p:txBody>
-          <a:bodyPr spcFirstLastPara="1" wrap="square" lIns="91425" tIns="91425" rIns="91425" bIns="91425" anchor="t" anchorCtr="0">
+          <a:bodyPr anchorCtr="0" anchor="t" bIns="91425" lIns="91425" spcFirstLastPara="1" rIns="91425" wrap="square" tIns="91425">
             <a:normAutofit/>
           </a:bodyPr>
           <a:lstStyle>
-            <a:lvl1pPr marL="457200" lvl="0" indent="-342900">
+            <a:lvl1pPr indent="-342900" lvl="0" marL="457200">
               <a:lnSpc>
                 <a:spcPct val="115000"/>
               </a:lnSpc>
@@ -7775,7 +7606,7 @@
                 <a:sym typeface="Lato"/>
               </a:defRPr>
             </a:lvl1pPr>
-            <a:lvl2pPr marL="914400" lvl="1" indent="-317500">
+            <a:lvl2pPr indent="-317500" lvl="1" marL="914400">
               <a:lnSpc>
                 <a:spcPct val="115000"/>
               </a:lnSpc>
@@ -7801,7 +7632,7 @@
                 <a:sym typeface="Lato"/>
               </a:defRPr>
             </a:lvl2pPr>
-            <a:lvl3pPr marL="1371600" lvl="2" indent="-317500">
+            <a:lvl3pPr indent="-317500" lvl="2" marL="1371600">
               <a:lnSpc>
                 <a:spcPct val="115000"/>
               </a:lnSpc>
@@ -7827,7 +7658,7 @@
                 <a:sym typeface="Lato"/>
               </a:defRPr>
             </a:lvl3pPr>
-            <a:lvl4pPr marL="1828800" lvl="3" indent="-317500">
+            <a:lvl4pPr indent="-317500" lvl="3" marL="1828800">
               <a:lnSpc>
                 <a:spcPct val="115000"/>
               </a:lnSpc>
@@ -7853,7 +7684,7 @@
                 <a:sym typeface="Lato"/>
               </a:defRPr>
             </a:lvl4pPr>
-            <a:lvl5pPr marL="2286000" lvl="4" indent="-317500">
+            <a:lvl5pPr indent="-317500" lvl="4" marL="2286000">
               <a:lnSpc>
                 <a:spcPct val="115000"/>
               </a:lnSpc>
@@ -7879,7 +7710,7 @@
                 <a:sym typeface="Lato"/>
               </a:defRPr>
             </a:lvl5pPr>
-            <a:lvl6pPr marL="2743200" lvl="5" indent="-317500">
+            <a:lvl6pPr indent="-317500" lvl="5" marL="2743200">
               <a:lnSpc>
                 <a:spcPct val="115000"/>
               </a:lnSpc>
@@ -7905,7 +7736,7 @@
                 <a:sym typeface="Lato"/>
               </a:defRPr>
             </a:lvl6pPr>
-            <a:lvl7pPr marL="3200400" lvl="6" indent="-317500">
+            <a:lvl7pPr indent="-317500" lvl="6" marL="3200400">
               <a:lnSpc>
                 <a:spcPct val="115000"/>
               </a:lnSpc>
@@ -7931,7 +7762,7 @@
                 <a:sym typeface="Lato"/>
               </a:defRPr>
             </a:lvl7pPr>
-            <a:lvl8pPr marL="3657600" lvl="7" indent="-317500">
+            <a:lvl8pPr indent="-317500" lvl="7" marL="3657600">
               <a:lnSpc>
                 <a:spcPct val="115000"/>
               </a:lnSpc>
@@ -7957,7 +7788,7 @@
                 <a:sym typeface="Lato"/>
               </a:defRPr>
             </a:lvl8pPr>
-            <a:lvl9pPr marL="4114800" lvl="8" indent="-317500">
+            <a:lvl9pPr indent="-317500" lvl="8" marL="4114800">
               <a:lnSpc>
                 <a:spcPct val="115000"/>
               </a:lnSpc>
@@ -7984,19 +7815,15 @@
               </a:defRPr>
             </a:lvl9pPr>
           </a:lstStyle>
-          <a:p>
-            <a:endParaRPr/>
-          </a:p>
+          <a:p/>
         </p:txBody>
       </p:sp>
       <p:sp>
         <p:nvSpPr>
           <p:cNvPr id="8" name="Google Shape;8;p1"/>
-          <p:cNvSpPr txBox="1">
-            <a:spLocks noGrp="1"/>
-          </p:cNvSpPr>
+          <p:cNvSpPr txBox="1"/>
           <p:nvPr>
-            <p:ph type="sldNum" idx="12"/>
+            <p:ph idx="12" type="sldNum"/>
           </p:nvPr>
         </p:nvSpPr>
         <p:spPr>
@@ -8013,7 +7840,7 @@
           </a:ln>
         </p:spPr>
         <p:txBody>
-          <a:bodyPr spcFirstLastPara="1" wrap="square" lIns="91425" tIns="91425" rIns="91425" bIns="91425" anchor="ctr" anchorCtr="0">
+          <a:bodyPr anchorCtr="0" anchor="ctr" bIns="91425" lIns="91425" spcFirstLastPara="1" rIns="91425" wrap="square" tIns="91425">
             <a:normAutofit/>
           </a:bodyPr>
           <a:lstStyle>
@@ -8127,7 +7954,7 @@
             </a:lvl9pPr>
           </a:lstStyle>
           <a:p>
-            <a:pPr marL="0" lvl="0" indent="0" algn="r" rtl="0">
+            <a:pPr indent="0" lvl="0" marL="0" rtl="0" algn="r">
               <a:spcBef>
                 <a:spcPts val="0"/>
               </a:spcBef>
@@ -8138,7 +7965,7 @@
             </a:pPr>
             <a:fld id="{00000000-1234-1234-1234-123412341234}" type="slidenum">
               <a:rPr lang="pt-BR"/>
-              <a:t>‹nº›</a:t>
+              <a:t>‹#›</a:t>
             </a:fld>
             <a:endParaRPr/>
           </a:p>
@@ -8146,7 +7973,7 @@
       </p:sp>
     </p:spTree>
   </p:cSld>
-  <p:clrMap bg1="lt1" tx1="dk1" bg2="dk2" tx2="lt2" accent1="accent1" accent2="accent2" accent3="accent3" accent4="accent4" accent5="accent5" accent6="accent6" hlink="hlink" folHlink="folHlink"/>
+  <p:clrMap accent1="accent1" accent2="accent2" accent3="accent3" accent4="accent4" accent5="accent5" accent6="accent6" bg1="lt1" bg2="dk2" tx1="dk1" tx2="lt2" folHlink="folHlink" hlink="hlink"/>
   <p:sldLayoutIdLst>
     <p:sldLayoutId id="2147483648" r:id="rId1"/>
     <p:sldLayoutId id="2147483649" r:id="rId2"/>
@@ -8160,10 +7987,10 @@
     <p:sldLayoutId id="2147483657" r:id="rId10"/>
     <p:sldLayoutId id="2147483658" r:id="rId11"/>
   </p:sldLayoutIdLst>
-  <p:hf sldNum="0" hdr="0" ftr="0" dt="0"/>
+  <p:hf dt="0" ftr="0" hdr="0" sldNum="0"/>
   <p:txStyles>
     <p:titleStyle>
-      <a:defPPr marR="0" lvl="0" algn="l" rtl="0">
+      <a:defPPr lvl="0" marR="0" rtl="0" algn="l">
         <a:lnSpc>
           <a:spcPct val="100000"/>
         </a:lnSpc>
@@ -8174,7 +8001,7 @@
           <a:spcPts val="0"/>
         </a:spcAft>
       </a:defPPr>
-      <a:lvl1pPr marR="0" lvl="0" algn="l" rtl="0">
+      <a:lvl1pPr lvl="0" marR="0" rtl="0" algn="l">
         <a:lnSpc>
           <a:spcPct val="100000"/>
         </a:lnSpc>
@@ -8188,7 +8015,7 @@
           <a:srgbClr val="000000"/>
         </a:buClr>
         <a:buFont typeface="Arial"/>
-        <a:defRPr sz="1400" b="0" i="0" u="none" strike="noStrike" cap="none">
+        <a:defRPr b="0" i="0" sz="1400" u="none" cap="none" strike="noStrike">
           <a:solidFill>
             <a:srgbClr val="000000"/>
           </a:solidFill>
@@ -8198,7 +8025,7 @@
           <a:sym typeface="Arial"/>
         </a:defRPr>
       </a:lvl1pPr>
-      <a:lvl2pPr marR="0" lvl="1" algn="l" rtl="0">
+      <a:lvl2pPr lvl="1" marR="0" rtl="0" algn="l">
         <a:lnSpc>
           <a:spcPct val="100000"/>
         </a:lnSpc>
@@ -8212,7 +8039,7 @@
           <a:srgbClr val="000000"/>
         </a:buClr>
         <a:buFont typeface="Arial"/>
-        <a:defRPr sz="1400" b="0" i="0" u="none" strike="noStrike" cap="none">
+        <a:defRPr b="0" i="0" sz="1400" u="none" cap="none" strike="noStrike">
           <a:solidFill>
             <a:srgbClr val="000000"/>
           </a:solidFill>
@@ -8222,7 +8049,7 @@
           <a:sym typeface="Arial"/>
         </a:defRPr>
       </a:lvl2pPr>
-      <a:lvl3pPr marR="0" lvl="2" algn="l" rtl="0">
+      <a:lvl3pPr lvl="2" marR="0" rtl="0" algn="l">
         <a:lnSpc>
           <a:spcPct val="100000"/>
         </a:lnSpc>
@@ -8236,7 +8063,7 @@
           <a:srgbClr val="000000"/>
         </a:buClr>
         <a:buFont typeface="Arial"/>
-        <a:defRPr sz="1400" b="0" i="0" u="none" strike="noStrike" cap="none">
+        <a:defRPr b="0" i="0" sz="1400" u="none" cap="none" strike="noStrike">
           <a:solidFill>
             <a:srgbClr val="000000"/>
           </a:solidFill>
@@ -8246,7 +8073,7 @@
           <a:sym typeface="Arial"/>
         </a:defRPr>
       </a:lvl3pPr>
-      <a:lvl4pPr marR="0" lvl="3" algn="l" rtl="0">
+      <a:lvl4pPr lvl="3" marR="0" rtl="0" algn="l">
         <a:lnSpc>
           <a:spcPct val="100000"/>
         </a:lnSpc>
@@ -8260,7 +8087,7 @@
           <a:srgbClr val="000000"/>
         </a:buClr>
         <a:buFont typeface="Arial"/>
-        <a:defRPr sz="1400" b="0" i="0" u="none" strike="noStrike" cap="none">
+        <a:defRPr b="0" i="0" sz="1400" u="none" cap="none" strike="noStrike">
           <a:solidFill>
             <a:srgbClr val="000000"/>
           </a:solidFill>
@@ -8270,7 +8097,7 @@
           <a:sym typeface="Arial"/>
         </a:defRPr>
       </a:lvl4pPr>
-      <a:lvl5pPr marR="0" lvl="4" algn="l" rtl="0">
+      <a:lvl5pPr lvl="4" marR="0" rtl="0" algn="l">
         <a:lnSpc>
           <a:spcPct val="100000"/>
         </a:lnSpc>
@@ -8284,7 +8111,7 @@
           <a:srgbClr val="000000"/>
         </a:buClr>
         <a:buFont typeface="Arial"/>
-        <a:defRPr sz="1400" b="0" i="0" u="none" strike="noStrike" cap="none">
+        <a:defRPr b="0" i="0" sz="1400" u="none" cap="none" strike="noStrike">
           <a:solidFill>
             <a:srgbClr val="000000"/>
           </a:solidFill>
@@ -8294,7 +8121,7 @@
           <a:sym typeface="Arial"/>
         </a:defRPr>
       </a:lvl5pPr>
-      <a:lvl6pPr marR="0" lvl="5" algn="l" rtl="0">
+      <a:lvl6pPr lvl="5" marR="0" rtl="0" algn="l">
         <a:lnSpc>
           <a:spcPct val="100000"/>
         </a:lnSpc>
@@ -8308,7 +8135,7 @@
           <a:srgbClr val="000000"/>
         </a:buClr>
         <a:buFont typeface="Arial"/>
-        <a:defRPr sz="1400" b="0" i="0" u="none" strike="noStrike" cap="none">
+        <a:defRPr b="0" i="0" sz="1400" u="none" cap="none" strike="noStrike">
           <a:solidFill>
             <a:srgbClr val="000000"/>
           </a:solidFill>
@@ -8318,7 +8145,7 @@
           <a:sym typeface="Arial"/>
         </a:defRPr>
       </a:lvl6pPr>
-      <a:lvl7pPr marR="0" lvl="6" algn="l" rtl="0">
+      <a:lvl7pPr lvl="6" marR="0" rtl="0" algn="l">
         <a:lnSpc>
           <a:spcPct val="100000"/>
         </a:lnSpc>
@@ -8332,7 +8159,7 @@
           <a:srgbClr val="000000"/>
         </a:buClr>
         <a:buFont typeface="Arial"/>
-        <a:defRPr sz="1400" b="0" i="0" u="none" strike="noStrike" cap="none">
+        <a:defRPr b="0" i="0" sz="1400" u="none" cap="none" strike="noStrike">
           <a:solidFill>
             <a:srgbClr val="000000"/>
           </a:solidFill>
@@ -8342,7 +8169,7 @@
           <a:sym typeface="Arial"/>
         </a:defRPr>
       </a:lvl7pPr>
-      <a:lvl8pPr marR="0" lvl="7" algn="l" rtl="0">
+      <a:lvl8pPr lvl="7" marR="0" rtl="0" algn="l">
         <a:lnSpc>
           <a:spcPct val="100000"/>
         </a:lnSpc>
@@ -8356,7 +8183,7 @@
           <a:srgbClr val="000000"/>
         </a:buClr>
         <a:buFont typeface="Arial"/>
-        <a:defRPr sz="1400" b="0" i="0" u="none" strike="noStrike" cap="none">
+        <a:defRPr b="0" i="0" sz="1400" u="none" cap="none" strike="noStrike">
           <a:solidFill>
             <a:srgbClr val="000000"/>
           </a:solidFill>
@@ -8366,7 +8193,7 @@
           <a:sym typeface="Arial"/>
         </a:defRPr>
       </a:lvl8pPr>
-      <a:lvl9pPr marR="0" lvl="8" algn="l" rtl="0">
+      <a:lvl9pPr lvl="8" marR="0" rtl="0" algn="l">
         <a:lnSpc>
           <a:spcPct val="100000"/>
         </a:lnSpc>
@@ -8380,7 +8207,7 @@
           <a:srgbClr val="000000"/>
         </a:buClr>
         <a:buFont typeface="Arial"/>
-        <a:defRPr sz="1400" b="0" i="0" u="none" strike="noStrike" cap="none">
+        <a:defRPr b="0" i="0" sz="1400" u="none" cap="none" strike="noStrike">
           <a:solidFill>
             <a:srgbClr val="000000"/>
           </a:solidFill>
@@ -8392,7 +8219,7 @@
       </a:lvl9pPr>
     </p:titleStyle>
     <p:bodyStyle>
-      <a:defPPr marR="0" lvl="0" algn="l" rtl="0">
+      <a:defPPr lvl="0" marR="0" rtl="0" algn="l">
         <a:lnSpc>
           <a:spcPct val="100000"/>
         </a:lnSpc>
@@ -8403,7 +8230,7 @@
           <a:spcPts val="0"/>
         </a:spcAft>
       </a:defPPr>
-      <a:lvl1pPr marR="0" lvl="0" algn="l" rtl="0">
+      <a:lvl1pPr lvl="0" marR="0" rtl="0" algn="l">
         <a:lnSpc>
           <a:spcPct val="100000"/>
         </a:lnSpc>
@@ -8417,7 +8244,7 @@
           <a:srgbClr val="000000"/>
         </a:buClr>
         <a:buFont typeface="Arial"/>
-        <a:defRPr sz="1400" b="0" i="0" u="none" strike="noStrike" cap="none">
+        <a:defRPr b="0" i="0" sz="1400" u="none" cap="none" strike="noStrike">
           <a:solidFill>
             <a:srgbClr val="000000"/>
           </a:solidFill>
@@ -8427,7 +8254,7 @@
           <a:sym typeface="Arial"/>
         </a:defRPr>
       </a:lvl1pPr>
-      <a:lvl2pPr marR="0" lvl="1" algn="l" rtl="0">
+      <a:lvl2pPr lvl="1" marR="0" rtl="0" algn="l">
         <a:lnSpc>
           <a:spcPct val="100000"/>
         </a:lnSpc>
@@ -8441,7 +8268,7 @@
           <a:srgbClr val="000000"/>
         </a:buClr>
         <a:buFont typeface="Arial"/>
-        <a:defRPr sz="1400" b="0" i="0" u="none" strike="noStrike" cap="none">
+        <a:defRPr b="0" i="0" sz="1400" u="none" cap="none" strike="noStrike">
           <a:solidFill>
             <a:srgbClr val="000000"/>
           </a:solidFill>
@@ -8451,7 +8278,7 @@
           <a:sym typeface="Arial"/>
         </a:defRPr>
       </a:lvl2pPr>
-      <a:lvl3pPr marR="0" lvl="2" algn="l" rtl="0">
+      <a:lvl3pPr lvl="2" marR="0" rtl="0" algn="l">
         <a:lnSpc>
           <a:spcPct val="100000"/>
         </a:lnSpc>
@@ -8465,7 +8292,7 @@
           <a:srgbClr val="000000"/>
         </a:buClr>
         <a:buFont typeface="Arial"/>
-        <a:defRPr sz="1400" b="0" i="0" u="none" strike="noStrike" cap="none">
+        <a:defRPr b="0" i="0" sz="1400" u="none" cap="none" strike="noStrike">
           <a:solidFill>
             <a:srgbClr val="000000"/>
           </a:solidFill>
@@ -8475,7 +8302,7 @@
           <a:sym typeface="Arial"/>
         </a:defRPr>
       </a:lvl3pPr>
-      <a:lvl4pPr marR="0" lvl="3" algn="l" rtl="0">
+      <a:lvl4pPr lvl="3" marR="0" rtl="0" algn="l">
         <a:lnSpc>
           <a:spcPct val="100000"/>
         </a:lnSpc>
@@ -8489,7 +8316,7 @@
           <a:srgbClr val="000000"/>
         </a:buClr>
         <a:buFont typeface="Arial"/>
-        <a:defRPr sz="1400" b="0" i="0" u="none" strike="noStrike" cap="none">
+        <a:defRPr b="0" i="0" sz="1400" u="none" cap="none" strike="noStrike">
           <a:solidFill>
             <a:srgbClr val="000000"/>
           </a:solidFill>
@@ -8499,7 +8326,7 @@
           <a:sym typeface="Arial"/>
         </a:defRPr>
       </a:lvl4pPr>
-      <a:lvl5pPr marR="0" lvl="4" algn="l" rtl="0">
+      <a:lvl5pPr lvl="4" marR="0" rtl="0" algn="l">
         <a:lnSpc>
           <a:spcPct val="100000"/>
         </a:lnSpc>
@@ -8513,7 +8340,7 @@
           <a:srgbClr val="000000"/>
         </a:buClr>
         <a:buFont typeface="Arial"/>
-        <a:defRPr sz="1400" b="0" i="0" u="none" strike="noStrike" cap="none">
+        <a:defRPr b="0" i="0" sz="1400" u="none" cap="none" strike="noStrike">
           <a:solidFill>
             <a:srgbClr val="000000"/>
           </a:solidFill>
@@ -8523,7 +8350,7 @@
           <a:sym typeface="Arial"/>
         </a:defRPr>
       </a:lvl5pPr>
-      <a:lvl6pPr marR="0" lvl="5" algn="l" rtl="0">
+      <a:lvl6pPr lvl="5" marR="0" rtl="0" algn="l">
         <a:lnSpc>
           <a:spcPct val="100000"/>
         </a:lnSpc>
@@ -8537,7 +8364,7 @@
           <a:srgbClr val="000000"/>
         </a:buClr>
         <a:buFont typeface="Arial"/>
-        <a:defRPr sz="1400" b="0" i="0" u="none" strike="noStrike" cap="none">
+        <a:defRPr b="0" i="0" sz="1400" u="none" cap="none" strike="noStrike">
           <a:solidFill>
             <a:srgbClr val="000000"/>
           </a:solidFill>
@@ -8547,7 +8374,7 @@
           <a:sym typeface="Arial"/>
         </a:defRPr>
       </a:lvl6pPr>
-      <a:lvl7pPr marR="0" lvl="6" algn="l" rtl="0">
+      <a:lvl7pPr lvl="6" marR="0" rtl="0" algn="l">
         <a:lnSpc>
           <a:spcPct val="100000"/>
         </a:lnSpc>
@@ -8561,7 +8388,7 @@
           <a:srgbClr val="000000"/>
         </a:buClr>
         <a:buFont typeface="Arial"/>
-        <a:defRPr sz="1400" b="0" i="0" u="none" strike="noStrike" cap="none">
+        <a:defRPr b="0" i="0" sz="1400" u="none" cap="none" strike="noStrike">
           <a:solidFill>
             <a:srgbClr val="000000"/>
           </a:solidFill>
@@ -8571,7 +8398,7 @@
           <a:sym typeface="Arial"/>
         </a:defRPr>
       </a:lvl7pPr>
-      <a:lvl8pPr marR="0" lvl="7" algn="l" rtl="0">
+      <a:lvl8pPr lvl="7" marR="0" rtl="0" algn="l">
         <a:lnSpc>
           <a:spcPct val="100000"/>
         </a:lnSpc>
@@ -8585,7 +8412,7 @@
           <a:srgbClr val="000000"/>
         </a:buClr>
         <a:buFont typeface="Arial"/>
-        <a:defRPr sz="1400" b="0" i="0" u="none" strike="noStrike" cap="none">
+        <a:defRPr b="0" i="0" sz="1400" u="none" cap="none" strike="noStrike">
           <a:solidFill>
             <a:srgbClr val="000000"/>
           </a:solidFill>
@@ -8595,7 +8422,7 @@
           <a:sym typeface="Arial"/>
         </a:defRPr>
       </a:lvl8pPr>
-      <a:lvl9pPr marR="0" lvl="8" algn="l" rtl="0">
+      <a:lvl9pPr lvl="8" marR="0" rtl="0" algn="l">
         <a:lnSpc>
           <a:spcPct val="100000"/>
         </a:lnSpc>
@@ -8609,7 +8436,7 @@
           <a:srgbClr val="000000"/>
         </a:buClr>
         <a:buFont typeface="Arial"/>
-        <a:defRPr sz="1400" b="0" i="0" u="none" strike="noStrike" cap="none">
+        <a:defRPr b="0" i="0" sz="1400" u="none" cap="none" strike="noStrike">
           <a:solidFill>
             <a:srgbClr val="000000"/>
           </a:solidFill>
@@ -8621,7 +8448,7 @@
       </a:lvl9pPr>
     </p:bodyStyle>
     <p:otherStyle>
-      <a:defPPr marR="0" lvl="0" algn="l" rtl="0">
+      <a:defPPr lvl="0" marR="0" rtl="0" algn="l">
         <a:lnSpc>
           <a:spcPct val="100000"/>
         </a:lnSpc>
@@ -8632,7 +8459,7 @@
           <a:spcPts val="0"/>
         </a:spcAft>
       </a:defPPr>
-      <a:lvl1pPr marR="0" lvl="0" algn="l" rtl="0">
+      <a:lvl1pPr lvl="0" marR="0" rtl="0" algn="l">
         <a:lnSpc>
           <a:spcPct val="100000"/>
         </a:lnSpc>
@@ -8646,7 +8473,7 @@
           <a:srgbClr val="000000"/>
         </a:buClr>
         <a:buFont typeface="Arial"/>
-        <a:defRPr sz="1400" b="0" i="0" u="none" strike="noStrike" cap="none">
+        <a:defRPr b="0" i="0" sz="1400" u="none" cap="none" strike="noStrike">
           <a:solidFill>
             <a:srgbClr val="000000"/>
           </a:solidFill>
@@ -8656,7 +8483,7 @@
           <a:sym typeface="Arial"/>
         </a:defRPr>
       </a:lvl1pPr>
-      <a:lvl2pPr marR="0" lvl="1" algn="l" rtl="0">
+      <a:lvl2pPr lvl="1" marR="0" rtl="0" algn="l">
         <a:lnSpc>
           <a:spcPct val="100000"/>
         </a:lnSpc>
@@ -8670,7 +8497,7 @@
           <a:srgbClr val="000000"/>
         </a:buClr>
         <a:buFont typeface="Arial"/>
-        <a:defRPr sz="1400" b="0" i="0" u="none" strike="noStrike" cap="none">
+        <a:defRPr b="0" i="0" sz="1400" u="none" cap="none" strike="noStrike">
           <a:solidFill>
             <a:srgbClr val="000000"/>
           </a:solidFill>
@@ -8680,7 +8507,7 @@
           <a:sym typeface="Arial"/>
         </a:defRPr>
       </a:lvl2pPr>
-      <a:lvl3pPr marR="0" lvl="2" algn="l" rtl="0">
+      <a:lvl3pPr lvl="2" marR="0" rtl="0" algn="l">
         <a:lnSpc>
           <a:spcPct val="100000"/>
         </a:lnSpc>
@@ -8694,7 +8521,7 @@
           <a:srgbClr val="000000"/>
         </a:buClr>
         <a:buFont typeface="Arial"/>
-        <a:defRPr sz="1400" b="0" i="0" u="none" strike="noStrike" cap="none">
+        <a:defRPr b="0" i="0" sz="1400" u="none" cap="none" strike="noStrike">
           <a:solidFill>
             <a:srgbClr val="000000"/>
           </a:solidFill>
@@ -8704,7 +8531,7 @@
           <a:sym typeface="Arial"/>
         </a:defRPr>
       </a:lvl3pPr>
-      <a:lvl4pPr marR="0" lvl="3" algn="l" rtl="0">
+      <a:lvl4pPr lvl="3" marR="0" rtl="0" algn="l">
         <a:lnSpc>
           <a:spcPct val="100000"/>
         </a:lnSpc>
@@ -8718,7 +8545,7 @@
           <a:srgbClr val="000000"/>
         </a:buClr>
         <a:buFont typeface="Arial"/>
-        <a:defRPr sz="1400" b="0" i="0" u="none" strike="noStrike" cap="none">
+        <a:defRPr b="0" i="0" sz="1400" u="none" cap="none" strike="noStrike">
           <a:solidFill>
             <a:srgbClr val="000000"/>
           </a:solidFill>
@@ -8728,7 +8555,7 @@
           <a:sym typeface="Arial"/>
         </a:defRPr>
       </a:lvl4pPr>
-      <a:lvl5pPr marR="0" lvl="4" algn="l" rtl="0">
+      <a:lvl5pPr lvl="4" marR="0" rtl="0" algn="l">
         <a:lnSpc>
           <a:spcPct val="100000"/>
         </a:lnSpc>
@@ -8742,7 +8569,7 @@
           <a:srgbClr val="000000"/>
         </a:buClr>
         <a:buFont typeface="Arial"/>
-        <a:defRPr sz="1400" b="0" i="0" u="none" strike="noStrike" cap="none">
+        <a:defRPr b="0" i="0" sz="1400" u="none" cap="none" strike="noStrike">
           <a:solidFill>
             <a:srgbClr val="000000"/>
           </a:solidFill>
@@ -8752,7 +8579,7 @@
           <a:sym typeface="Arial"/>
         </a:defRPr>
       </a:lvl5pPr>
-      <a:lvl6pPr marR="0" lvl="5" algn="l" rtl="0">
+      <a:lvl6pPr lvl="5" marR="0" rtl="0" algn="l">
         <a:lnSpc>
           <a:spcPct val="100000"/>
         </a:lnSpc>
@@ -8766,7 +8593,7 @@
           <a:srgbClr val="000000"/>
         </a:buClr>
         <a:buFont typeface="Arial"/>
-        <a:defRPr sz="1400" b="0" i="0" u="none" strike="noStrike" cap="none">
+        <a:defRPr b="0" i="0" sz="1400" u="none" cap="none" strike="noStrike">
           <a:solidFill>
             <a:srgbClr val="000000"/>
           </a:solidFill>
@@ -8776,7 +8603,7 @@
           <a:sym typeface="Arial"/>
         </a:defRPr>
       </a:lvl6pPr>
-      <a:lvl7pPr marR="0" lvl="6" algn="l" rtl="0">
+      <a:lvl7pPr lvl="6" marR="0" rtl="0" algn="l">
         <a:lnSpc>
           <a:spcPct val="100000"/>
         </a:lnSpc>
@@ -8790,7 +8617,7 @@
           <a:srgbClr val="000000"/>
         </a:buClr>
         <a:buFont typeface="Arial"/>
-        <a:defRPr sz="1400" b="0" i="0" u="none" strike="noStrike" cap="none">
+        <a:defRPr b="0" i="0" sz="1400" u="none" cap="none" strike="noStrike">
           <a:solidFill>
             <a:srgbClr val="000000"/>
           </a:solidFill>
@@ -8800,7 +8627,7 @@
           <a:sym typeface="Arial"/>
         </a:defRPr>
       </a:lvl7pPr>
-      <a:lvl8pPr marR="0" lvl="7" algn="l" rtl="0">
+      <a:lvl8pPr lvl="7" marR="0" rtl="0" algn="l">
         <a:lnSpc>
           <a:spcPct val="100000"/>
         </a:lnSpc>
@@ -8814,7 +8641,7 @@
           <a:srgbClr val="000000"/>
         </a:buClr>
         <a:buFont typeface="Arial"/>
-        <a:defRPr sz="1400" b="0" i="0" u="none" strike="noStrike" cap="none">
+        <a:defRPr b="0" i="0" sz="1400" u="none" cap="none" strike="noStrike">
           <a:solidFill>
             <a:srgbClr val="000000"/>
           </a:solidFill>
@@ -8824,7 +8651,7 @@
           <a:sym typeface="Arial"/>
         </a:defRPr>
       </a:lvl8pPr>
-      <a:lvl9pPr marR="0" lvl="8" algn="l" rtl="0">
+      <a:lvl9pPr lvl="8" marR="0" rtl="0" algn="l">
         <a:lnSpc>
           <a:spcPct val="100000"/>
         </a:lnSpc>
@@ -8838,7 +8665,7 @@
           <a:srgbClr val="000000"/>
         </a:buClr>
         <a:buFont typeface="Arial"/>
-        <a:defRPr sz="1400" b="0" i="0" u="none" strike="noStrike" cap="none">
+        <a:defRPr b="0" i="0" sz="1400" u="none" cap="none" strike="noStrike">
           <a:solidFill>
             <a:srgbClr val="000000"/>
           </a:solidFill>
@@ -8854,19 +8681,18 @@
 </file>
 
 <file path=ppt/slides/slide1.xml><?xml version="1.0" encoding="utf-8"?>
-<p:sld xmlns:a="http://schemas.openxmlformats.org/drawingml/2006/main" xmlns:r="http://schemas.openxmlformats.org/officeDocument/2006/relationships" xmlns:p="http://schemas.openxmlformats.org/presentationml/2006/main">
+<p:sld xmlns:a="http://schemas.openxmlformats.org/drawingml/2006/main" xmlns:r="http://schemas.openxmlformats.org/officeDocument/2006/relationships" xmlns:mc="http://schemas.openxmlformats.org/markup-compatibility/2006" xmlns:mv="urn:schemas-microsoft-com:mac:vml" xmlns:p="http://schemas.openxmlformats.org/presentationml/2006/main" xmlns:c="http://schemas.openxmlformats.org/drawingml/2006/chart" xmlns:dgm="http://schemas.openxmlformats.org/drawingml/2006/diagram" xmlns:o="urn:schemas-microsoft-com:office:office" xmlns:v="urn:schemas-microsoft-com:vml" xmlns:pvml="urn:schemas-microsoft-com:office:powerpoint" xmlns:com="http://schemas.openxmlformats.org/drawingml/2006/compatibility" xmlns:p14="http://schemas.microsoft.com/office/powerpoint/2010/main" xmlns:p15="http://schemas.microsoft.com/office/powerpoint/2012/main" xmlns:ahyp="http://schemas.microsoft.com/office/drawing/2018/hyperlinkcolor">
   <p:cSld>
     <p:bg>
       <p:bgPr>
         <a:solidFill>
           <a:srgbClr val="93C47D"/>
         </a:solidFill>
-        <a:effectLst/>
       </p:bgPr>
     </p:bg>
     <p:spTree>
       <p:nvGrpSpPr>
-        <p:cNvPr id="1" name="Shape 71"/>
+        <p:cNvPr id="71" name="Shape 71"/>
         <p:cNvGrpSpPr/>
         <p:nvPr/>
       </p:nvGrpSpPr>
@@ -8881,71 +8707,81 @@
       <p:sp>
         <p:nvSpPr>
           <p:cNvPr id="72" name="Google Shape;72;p13"/>
-          <p:cNvSpPr txBox="1">
-            <a:spLocks noGrp="1"/>
-          </p:cNvSpPr>
+          <p:cNvSpPr txBox="1"/>
           <p:nvPr>
-            <p:ph type="subTitle" idx="1"/>
+            <p:ph idx="1" type="subTitle"/>
           </p:nvPr>
         </p:nvSpPr>
         <p:spPr>
           <a:xfrm>
-            <a:off x="256553" y="3019449"/>
-            <a:ext cx="2229196" cy="1788635"/>
+            <a:off x="1410650" y="3686400"/>
+            <a:ext cx="3590700" cy="978600"/>
           </a:xfrm>
           <a:prstGeom prst="rect">
             <a:avLst/>
           </a:prstGeom>
         </p:spPr>
         <p:txBody>
-          <a:bodyPr spcFirstLastPara="1" wrap="square" lIns="91425" tIns="91425" rIns="91425" bIns="91425" anchor="b" anchorCtr="0">
+          <a:bodyPr anchorCtr="0" anchor="b" bIns="91425" lIns="91425" spcFirstLastPara="1" rIns="91425" wrap="square" tIns="91425">
             <a:normAutofit fontScale="70000" lnSpcReduction="20000"/>
           </a:bodyPr>
           <a:lstStyle/>
           <a:p>
-            <a:pPr marL="0" lvl="0" indent="0" algn="l" rtl="0">
-              <a:lnSpc>
-                <a:spcPct val="170000"/>
-              </a:lnSpc>
+            <a:pPr indent="0" lvl="0" marL="0" rtl="0" algn="l">
+              <a:spcBef>
+                <a:spcPts val="0"/>
+              </a:spcBef>
+              <a:spcAft>
+                <a:spcPts val="0"/>
+              </a:spcAft>
               <a:buNone/>
             </a:pPr>
             <a:r>
-              <a:rPr lang="pt-BR" sz="2200" b="1" dirty="0"/>
+              <a:rPr lang="pt-BR"/>
               <a:t>Grupo:</a:t>
             </a:r>
-            <a:endParaRPr sz="2200" b="1" dirty="0"/>
+            <a:endParaRPr/>
           </a:p>
           <a:p>
-            <a:pPr marL="457200" lvl="0" indent="0" algn="l" rtl="0">
-              <a:lnSpc>
-                <a:spcPct val="170000"/>
-              </a:lnSpc>
+            <a:pPr indent="0" lvl="0" marL="457200" rtl="0" algn="l">
+              <a:spcBef>
+                <a:spcPts val="0"/>
+              </a:spcBef>
+              <a:spcAft>
+                <a:spcPts val="0"/>
+              </a:spcAft>
               <a:buNone/>
             </a:pPr>
             <a:r>
-              <a:rPr lang="pt-BR" dirty="0"/>
-              <a:t>Erick dos Santos</a:t>
+              <a:rPr lang="pt-BR"/>
+              <a:t>Erick dos Santos - 222031116</a:t>
             </a:r>
-            <a:endParaRPr dirty="0"/>
+            <a:endParaRPr/>
           </a:p>
           <a:p>
-            <a:pPr marL="457200" lvl="0" indent="0" algn="l" rtl="0">
-              <a:lnSpc>
-                <a:spcPct val="170000"/>
-              </a:lnSpc>
+            <a:pPr indent="0" lvl="0" marL="457200" rtl="0" algn="l">
+              <a:spcBef>
+                <a:spcPts val="0"/>
+              </a:spcBef>
+              <a:spcAft>
+                <a:spcPts val="0"/>
+              </a:spcAft>
               <a:buNone/>
             </a:pPr>
             <a:r>
-              <a:rPr lang="pt-BR" dirty="0"/>
-              <a:t>Felipe Aguiar</a:t>
+              <a:rPr lang="pt-BR"/>
+              <a:t>Felipe Aguiar - 222032810</a:t>
             </a:r>
-            <a:endParaRPr dirty="0"/>
+            <a:endParaRPr/>
           </a:p>
           <a:p>
-            <a:pPr marL="457200" lvl="0" indent="0" algn="l" rtl="0">
-              <a:lnSpc>
-                <a:spcPct val="170000"/>
-              </a:lnSpc>
+            <a:pPr indent="0" lvl="0" marL="457200" rtl="0" algn="l">
+              <a:spcBef>
+                <a:spcPts val="0"/>
+              </a:spcBef>
+              <a:spcAft>
+                <a:spcPts val="0"/>
+              </a:spcAft>
               <a:buClr>
                 <a:schemeClr val="dk1"/>
               </a:buClr>
@@ -8954,34 +8790,35 @@
               <a:buNone/>
             </a:pPr>
             <a:r>
-              <a:rPr lang="pt-BR" dirty="0"/>
-              <a:t>Gabriel Lucas</a:t>
+              <a:rPr lang="pt-BR"/>
+              <a:t>Gabriel Lucas - 190107111</a:t>
             </a:r>
-            <a:endParaRPr dirty="0"/>
+            <a:endParaRPr/>
           </a:p>
           <a:p>
-            <a:pPr marL="457200" lvl="0" indent="0" algn="l" rtl="0">
-              <a:lnSpc>
-                <a:spcPct val="170000"/>
-              </a:lnSpc>
+            <a:pPr indent="0" lvl="0" marL="457200" rtl="0" algn="l">
+              <a:spcBef>
+                <a:spcPts val="0"/>
+              </a:spcBef>
+              <a:spcAft>
+                <a:spcPts val="0"/>
+              </a:spcAft>
               <a:buNone/>
             </a:pPr>
             <a:r>
-              <a:rPr lang="pt-BR" dirty="0"/>
-              <a:t>Maria da Conceição</a:t>
+              <a:rPr lang="pt-BR"/>
+              <a:t>Maria da Conceição - 170003370</a:t>
             </a:r>
-            <a:endParaRPr dirty="0"/>
+            <a:endParaRPr/>
           </a:p>
         </p:txBody>
       </p:sp>
       <p:sp>
         <p:nvSpPr>
           <p:cNvPr id="73" name="Google Shape;73;p13"/>
-          <p:cNvSpPr txBox="1">
-            <a:spLocks noGrp="1"/>
-          </p:cNvSpPr>
+          <p:cNvSpPr txBox="1"/>
           <p:nvPr>
-            <p:ph type="subTitle" idx="1"/>
+            <p:ph idx="1" type="subTitle"/>
           </p:nvPr>
         </p:nvSpPr>
         <p:spPr>
@@ -8994,12 +8831,12 @@
           </a:prstGeom>
         </p:spPr>
         <p:txBody>
-          <a:bodyPr spcFirstLastPara="1" wrap="square" lIns="91425" tIns="91425" rIns="91425" bIns="91425" anchor="b" anchorCtr="0">
+          <a:bodyPr anchorCtr="0" anchor="b" bIns="91425" lIns="91425" spcFirstLastPara="1" rIns="91425" wrap="square" tIns="91425">
             <a:normAutofit/>
           </a:bodyPr>
           <a:lstStyle/>
           <a:p>
-            <a:pPr marL="0" lvl="0" indent="0" algn="ctr" rtl="0">
+            <a:pPr indent="0" lvl="0" marL="0" rtl="0" algn="ctr">
               <a:spcBef>
                 <a:spcPts val="0"/>
               </a:spcBef>
@@ -9047,11 +8884,9 @@
       <p:sp>
         <p:nvSpPr>
           <p:cNvPr id="75" name="Google Shape;75;p13"/>
-          <p:cNvSpPr txBox="1">
-            <a:spLocks noGrp="1"/>
-          </p:cNvSpPr>
+          <p:cNvSpPr txBox="1"/>
           <p:nvPr>
-            <p:ph type="subTitle" idx="1"/>
+            <p:ph idx="1" type="subTitle"/>
           </p:nvPr>
         </p:nvSpPr>
         <p:spPr>
@@ -9064,12 +8899,12 @@
           </a:prstGeom>
         </p:spPr>
         <p:txBody>
-          <a:bodyPr spcFirstLastPara="1" wrap="square" lIns="91425" tIns="91425" rIns="91425" bIns="91425" anchor="b" anchorCtr="0">
+          <a:bodyPr anchorCtr="0" anchor="b" bIns="91425" lIns="91425" spcFirstLastPara="1" rIns="91425" wrap="square" tIns="91425">
             <a:noAutofit/>
           </a:bodyPr>
           <a:lstStyle/>
           <a:p>
-            <a:pPr marL="0" lvl="0" indent="0" algn="ctr" rtl="0">
+            <a:pPr indent="0" lvl="0" marL="0" rtl="0" algn="ctr">
               <a:lnSpc>
                 <a:spcPct val="115000"/>
               </a:lnSpc>
@@ -9082,10 +8917,10 @@
               <a:buNone/>
             </a:pPr>
             <a:r>
-              <a:rPr lang="pt-BR" sz="2700" b="1"/>
+              <a:rPr b="1" lang="pt-BR" sz="2700"/>
               <a:t>Sistema de Gerenciamento de Materiais para um Laboratório Didático (SGML)</a:t>
             </a:r>
-            <a:endParaRPr sz="2700" b="1"/>
+            <a:endParaRPr b="1" sz="2700"/>
           </a:p>
         </p:txBody>
       </p:sp>
@@ -9098,11 +8933,11 @@
 </file>
 
 <file path=ppt/slides/slide10.xml><?xml version="1.0" encoding="utf-8"?>
-<p:sld xmlns:a="http://schemas.openxmlformats.org/drawingml/2006/main" xmlns:r="http://schemas.openxmlformats.org/officeDocument/2006/relationships" xmlns:p="http://schemas.openxmlformats.org/presentationml/2006/main">
+<p:sld xmlns:a="http://schemas.openxmlformats.org/drawingml/2006/main" xmlns:r="http://schemas.openxmlformats.org/officeDocument/2006/relationships" xmlns:mc="http://schemas.openxmlformats.org/markup-compatibility/2006" xmlns:mv="urn:schemas-microsoft-com:mac:vml" xmlns:p="http://schemas.openxmlformats.org/presentationml/2006/main" xmlns:c="http://schemas.openxmlformats.org/drawingml/2006/chart" xmlns:dgm="http://schemas.openxmlformats.org/drawingml/2006/diagram" xmlns:o="urn:schemas-microsoft-com:office:office" xmlns:v="urn:schemas-microsoft-com:vml" xmlns:pvml="urn:schemas-microsoft-com:office:powerpoint" xmlns:com="http://schemas.openxmlformats.org/drawingml/2006/compatibility" xmlns:p14="http://schemas.microsoft.com/office/powerpoint/2010/main" xmlns:p15="http://schemas.microsoft.com/office/powerpoint/2012/main" xmlns:ahyp="http://schemas.microsoft.com/office/drawing/2018/hyperlinkcolor">
   <p:cSld>
     <p:spTree>
       <p:nvGrpSpPr>
-        <p:cNvPr id="1" name="Shape 138"/>
+        <p:cNvPr id="139" name="Shape 139"/>
         <p:cNvGrpSpPr/>
         <p:nvPr/>
       </p:nvGrpSpPr>
@@ -9116,10 +8951,8 @@
       </p:grpSpPr>
       <p:sp>
         <p:nvSpPr>
-          <p:cNvPr id="139" name="Google Shape;139;p22"/>
-          <p:cNvSpPr txBox="1">
-            <a:spLocks noGrp="1"/>
-          </p:cNvSpPr>
+          <p:cNvPr id="140" name="Google Shape;140;p22"/>
+          <p:cNvSpPr txBox="1"/>
           <p:nvPr>
             <p:ph type="title"/>
           </p:nvPr>
@@ -9134,12 +8967,12 @@
           </a:prstGeom>
         </p:spPr>
         <p:txBody>
-          <a:bodyPr spcFirstLastPara="1" wrap="square" lIns="91425" tIns="91425" rIns="91425" bIns="91425" anchor="ctr" anchorCtr="0">
+          <a:bodyPr anchorCtr="0" anchor="ctr" bIns="91425" lIns="91425" spcFirstLastPara="1" rIns="91425" wrap="square" tIns="91425">
             <a:normAutofit/>
           </a:bodyPr>
           <a:lstStyle/>
           <a:p>
-            <a:pPr marL="0" lvl="0" indent="0" algn="ctr" rtl="0">
+            <a:pPr indent="0" lvl="0" marL="0" rtl="0" algn="ctr">
               <a:spcBef>
                 <a:spcPts val="0"/>
               </a:spcBef>
@@ -9165,11 +8998,11 @@
 </file>
 
 <file path=ppt/slides/slide2.xml><?xml version="1.0" encoding="utf-8"?>
-<p:sld xmlns:a="http://schemas.openxmlformats.org/drawingml/2006/main" xmlns:r="http://schemas.openxmlformats.org/officeDocument/2006/relationships" xmlns:p="http://schemas.openxmlformats.org/presentationml/2006/main">
+<p:sld xmlns:a="http://schemas.openxmlformats.org/drawingml/2006/main" xmlns:r="http://schemas.openxmlformats.org/officeDocument/2006/relationships" xmlns:mc="http://schemas.openxmlformats.org/markup-compatibility/2006" xmlns:mv="urn:schemas-microsoft-com:mac:vml" xmlns:p="http://schemas.openxmlformats.org/presentationml/2006/main" xmlns:c="http://schemas.openxmlformats.org/drawingml/2006/chart" xmlns:dgm="http://schemas.openxmlformats.org/drawingml/2006/diagram" xmlns:o="urn:schemas-microsoft-com:office:office" xmlns:v="urn:schemas-microsoft-com:vml" xmlns:pvml="urn:schemas-microsoft-com:office:powerpoint" xmlns:com="http://schemas.openxmlformats.org/drawingml/2006/compatibility" xmlns:p14="http://schemas.microsoft.com/office/powerpoint/2010/main" xmlns:p15="http://schemas.microsoft.com/office/powerpoint/2012/main" xmlns:ahyp="http://schemas.microsoft.com/office/drawing/2018/hyperlinkcolor">
   <p:cSld>
     <p:spTree>
       <p:nvGrpSpPr>
-        <p:cNvPr id="1" name="Shape 79"/>
+        <p:cNvPr id="79" name="Shape 79"/>
         <p:cNvGrpSpPr/>
         <p:nvPr/>
       </p:nvGrpSpPr>
@@ -9184,9 +9017,7 @@
       <p:sp>
         <p:nvSpPr>
           <p:cNvPr id="80" name="Google Shape;80;p14"/>
-          <p:cNvSpPr txBox="1">
-            <a:spLocks noGrp="1"/>
-          </p:cNvSpPr>
+          <p:cNvSpPr txBox="1"/>
           <p:nvPr>
             <p:ph type="title"/>
           </p:nvPr>
@@ -9201,12 +9032,12 @@
           </a:prstGeom>
         </p:spPr>
         <p:txBody>
-          <a:bodyPr spcFirstLastPara="1" wrap="square" lIns="91425" tIns="91425" rIns="91425" bIns="91425" anchor="b" anchorCtr="0">
+          <a:bodyPr anchorCtr="0" anchor="b" bIns="91425" lIns="91425" spcFirstLastPara="1" rIns="91425" wrap="square" tIns="91425">
             <a:noAutofit/>
           </a:bodyPr>
           <a:lstStyle/>
           <a:p>
-            <a:pPr marL="0" lvl="0" indent="0" algn="r" rtl="0">
+            <a:pPr indent="0" lvl="0" marL="0" rtl="0" algn="r">
               <a:spcBef>
                 <a:spcPts val="0"/>
               </a:spcBef>
@@ -9226,11 +9057,9 @@
       <p:sp>
         <p:nvSpPr>
           <p:cNvPr id="81" name="Google Shape;81;p14"/>
-          <p:cNvSpPr txBox="1">
-            <a:spLocks noGrp="1"/>
-          </p:cNvSpPr>
+          <p:cNvSpPr txBox="1"/>
           <p:nvPr>
-            <p:ph type="body" idx="2"/>
+            <p:ph idx="2" type="body"/>
           </p:nvPr>
         </p:nvSpPr>
         <p:spPr>
@@ -9243,12 +9072,12 @@
           </a:prstGeom>
         </p:spPr>
         <p:txBody>
-          <a:bodyPr spcFirstLastPara="1" wrap="square" lIns="91425" tIns="91425" rIns="91425" bIns="91425" anchor="ctr" anchorCtr="0">
+          <a:bodyPr anchorCtr="0" anchor="ctr" bIns="91425" lIns="91425" spcFirstLastPara="1" rIns="91425" wrap="square" tIns="91425">
             <a:normAutofit/>
           </a:bodyPr>
           <a:lstStyle/>
           <a:p>
-            <a:pPr marL="457200" lvl="0" indent="-381000" algn="l" rtl="0">
+            <a:pPr indent="-381000" lvl="0" marL="457200" rtl="0" algn="l">
               <a:lnSpc>
                 <a:spcPct val="115000"/>
               </a:lnSpc>
@@ -9268,7 +9097,7 @@
             <a:endParaRPr sz="2400"/>
           </a:p>
           <a:p>
-            <a:pPr marL="457200" lvl="0" indent="-381000" algn="l" rtl="0">
+            <a:pPr indent="-381000" lvl="0" marL="457200" rtl="0" algn="l">
               <a:lnSpc>
                 <a:spcPct val="115000"/>
               </a:lnSpc>
@@ -9288,7 +9117,7 @@
             <a:endParaRPr sz="2400"/>
           </a:p>
           <a:p>
-            <a:pPr marL="457200" lvl="0" indent="-381000" algn="l" rtl="0">
+            <a:pPr indent="-381000" lvl="0" marL="457200" rtl="0" algn="l">
               <a:lnSpc>
                 <a:spcPct val="115000"/>
               </a:lnSpc>
@@ -9308,7 +9137,7 @@
             <a:endParaRPr sz="2400"/>
           </a:p>
           <a:p>
-            <a:pPr marL="457200" lvl="0" indent="-381000" algn="l" rtl="0">
+            <a:pPr indent="-381000" lvl="0" marL="457200" rtl="0" algn="l">
               <a:lnSpc>
                 <a:spcPct val="115000"/>
               </a:lnSpc>
@@ -9328,7 +9157,7 @@
             <a:endParaRPr sz="2400"/>
           </a:p>
           <a:p>
-            <a:pPr marL="457200" lvl="0" indent="-381000" algn="l" rtl="0">
+            <a:pPr indent="-381000" lvl="0" marL="457200" rtl="0" algn="l">
               <a:lnSpc>
                 <a:spcPct val="115000"/>
               </a:lnSpc>
@@ -9358,11 +9187,11 @@
 </file>
 
 <file path=ppt/slides/slide3.xml><?xml version="1.0" encoding="utf-8"?>
-<p:sld xmlns:a="http://schemas.openxmlformats.org/drawingml/2006/main" xmlns:r="http://schemas.openxmlformats.org/officeDocument/2006/relationships" xmlns:p="http://schemas.openxmlformats.org/presentationml/2006/main">
+<p:sld xmlns:a="http://schemas.openxmlformats.org/drawingml/2006/main" xmlns:r="http://schemas.openxmlformats.org/officeDocument/2006/relationships" xmlns:mc="http://schemas.openxmlformats.org/markup-compatibility/2006" xmlns:mv="urn:schemas-microsoft-com:mac:vml" xmlns:p="http://schemas.openxmlformats.org/presentationml/2006/main" xmlns:c="http://schemas.openxmlformats.org/drawingml/2006/chart" xmlns:dgm="http://schemas.openxmlformats.org/drawingml/2006/diagram" xmlns:o="urn:schemas-microsoft-com:office:office" xmlns:v="urn:schemas-microsoft-com:vml" xmlns:pvml="urn:schemas-microsoft-com:office:powerpoint" xmlns:com="http://schemas.openxmlformats.org/drawingml/2006/compatibility" xmlns:p14="http://schemas.microsoft.com/office/powerpoint/2010/main" xmlns:p15="http://schemas.microsoft.com/office/powerpoint/2012/main" xmlns:ahyp="http://schemas.microsoft.com/office/drawing/2018/hyperlinkcolor">
   <p:cSld>
     <p:spTree>
       <p:nvGrpSpPr>
-        <p:cNvPr id="1" name="Shape 85"/>
+        <p:cNvPr id="85" name="Shape 85"/>
         <p:cNvGrpSpPr/>
         <p:nvPr/>
       </p:nvGrpSpPr>
@@ -9377,9 +9206,7 @@
       <p:sp>
         <p:nvSpPr>
           <p:cNvPr id="86" name="Google Shape;86;p15"/>
-          <p:cNvSpPr txBox="1">
-            <a:spLocks noGrp="1"/>
-          </p:cNvSpPr>
+          <p:cNvSpPr txBox="1"/>
           <p:nvPr>
             <p:ph type="title"/>
           </p:nvPr>
@@ -9394,12 +9221,12 @@
           </a:prstGeom>
         </p:spPr>
         <p:txBody>
-          <a:bodyPr spcFirstLastPara="1" wrap="square" lIns="91425" tIns="91425" rIns="91425" bIns="91425" anchor="t" anchorCtr="0">
+          <a:bodyPr anchorCtr="0" anchor="t" bIns="91425" lIns="91425" spcFirstLastPara="1" rIns="91425" wrap="square" tIns="91425">
             <a:normAutofit fontScale="90000"/>
           </a:bodyPr>
           <a:lstStyle/>
           <a:p>
-            <a:pPr marL="0" lvl="0" indent="0" algn="l" rtl="0">
+            <a:pPr indent="0" lvl="0" marL="0" rtl="0" algn="l">
               <a:spcBef>
                 <a:spcPts val="0"/>
               </a:spcBef>
@@ -9453,11 +9280,11 @@
 </file>
 
 <file path=ppt/slides/slide4.xml><?xml version="1.0" encoding="utf-8"?>
-<p:sld xmlns:a="http://schemas.openxmlformats.org/drawingml/2006/main" xmlns:r="http://schemas.openxmlformats.org/officeDocument/2006/relationships" xmlns:p="http://schemas.openxmlformats.org/presentationml/2006/main">
+<p:sld xmlns:a="http://schemas.openxmlformats.org/drawingml/2006/main" xmlns:r="http://schemas.openxmlformats.org/officeDocument/2006/relationships" xmlns:mc="http://schemas.openxmlformats.org/markup-compatibility/2006" xmlns:mv="urn:schemas-microsoft-com:mac:vml" xmlns:p="http://schemas.openxmlformats.org/presentationml/2006/main" xmlns:c="http://schemas.openxmlformats.org/drawingml/2006/chart" xmlns:dgm="http://schemas.openxmlformats.org/drawingml/2006/diagram" xmlns:o="urn:schemas-microsoft-com:office:office" xmlns:v="urn:schemas-microsoft-com:vml" xmlns:pvml="urn:schemas-microsoft-com:office:powerpoint" xmlns:com="http://schemas.openxmlformats.org/drawingml/2006/compatibility" xmlns:p14="http://schemas.microsoft.com/office/powerpoint/2010/main" xmlns:p15="http://schemas.microsoft.com/office/powerpoint/2012/main" xmlns:ahyp="http://schemas.microsoft.com/office/drawing/2018/hyperlinkcolor">
   <p:cSld>
     <p:spTree>
       <p:nvGrpSpPr>
-        <p:cNvPr id="1" name="Shape 91"/>
+        <p:cNvPr id="91" name="Shape 91"/>
         <p:cNvGrpSpPr/>
         <p:nvPr/>
       </p:nvGrpSpPr>
@@ -9472,9 +9299,7 @@
       <p:sp>
         <p:nvSpPr>
           <p:cNvPr id="92" name="Google Shape;92;p16"/>
-          <p:cNvSpPr txBox="1">
-            <a:spLocks noGrp="1"/>
-          </p:cNvSpPr>
+          <p:cNvSpPr txBox="1"/>
           <p:nvPr>
             <p:ph type="title"/>
           </p:nvPr>
@@ -9489,12 +9314,12 @@
           </a:prstGeom>
         </p:spPr>
         <p:txBody>
-          <a:bodyPr spcFirstLastPara="1" wrap="square" lIns="91425" tIns="91425" rIns="91425" bIns="91425" anchor="t" anchorCtr="0">
+          <a:bodyPr anchorCtr="0" anchor="t" bIns="91425" lIns="91425" spcFirstLastPara="1" rIns="91425" wrap="square" tIns="91425">
             <a:normAutofit fontScale="90000"/>
           </a:bodyPr>
           <a:lstStyle/>
           <a:p>
-            <a:pPr marL="0" lvl="0" indent="0" algn="l" rtl="0">
+            <a:pPr indent="0" lvl="0" marL="0" rtl="0" algn="l">
               <a:spcBef>
                 <a:spcPts val="0"/>
               </a:spcBef>
@@ -9515,7 +9340,7 @@
             <a:endParaRPr/>
           </a:p>
           <a:p>
-            <a:pPr marL="0" lvl="0" indent="0" algn="l" rtl="0">
+            <a:pPr indent="0" lvl="0" marL="0" rtl="0" algn="l">
               <a:spcBef>
                 <a:spcPts val="0"/>
               </a:spcBef>
@@ -9529,10 +9354,13 @@
               <a:buFont typeface="Arial"/>
               <a:buNone/>
             </a:pPr>
+            <a:r>
+              <a:t/>
+            </a:r>
             <a:endParaRPr/>
           </a:p>
           <a:p>
-            <a:pPr marL="0" lvl="0" indent="0" algn="l" rtl="0">
+            <a:pPr indent="0" lvl="0" marL="0" rtl="0" algn="l">
               <a:spcBef>
                 <a:spcPts val="0"/>
               </a:spcBef>
@@ -9541,6 +9369,9 @@
               </a:spcAft>
               <a:buNone/>
             </a:pPr>
+            <a:r>
+              <a:t/>
+            </a:r>
             <a:endParaRPr/>
           </a:p>
         </p:txBody>
@@ -9617,7 +9448,7 @@
         </p:blipFill>
         <p:spPr>
           <a:xfrm>
-            <a:off x="3718625" y="2470500"/>
+            <a:off x="4447625" y="2408475"/>
             <a:ext cx="1425388" cy="1600200"/>
           </a:xfrm>
           <a:prstGeom prst="rect">
@@ -9637,7 +9468,7 @@
         </p:nvGrpSpPr>
         <p:grpSpPr>
           <a:xfrm>
-            <a:off x="5906575" y="2571738"/>
+            <a:off x="6453325" y="2408463"/>
             <a:ext cx="2267475" cy="1554963"/>
             <a:chOff x="5144025" y="2385838"/>
             <a:chExt cx="2267475" cy="1554963"/>
@@ -9700,6 +9531,34 @@
           </p:spPr>
         </p:pic>
       </p:grpSp>
+      <p:pic>
+        <p:nvPicPr>
+          <p:cNvPr id="99" name="Google Shape;99;p16"/>
+          <p:cNvPicPr preferRelativeResize="0"/>
+          <p:nvPr/>
+        </p:nvPicPr>
+        <p:blipFill>
+          <a:blip r:embed="rId8">
+            <a:alphaModFix/>
+          </a:blip>
+          <a:stretch>
+            <a:fillRect/>
+          </a:stretch>
+        </p:blipFill>
+        <p:spPr>
+          <a:xfrm>
+            <a:off x="838375" y="2943250"/>
+            <a:ext cx="3028950" cy="1514475"/>
+          </a:xfrm>
+          <a:prstGeom prst="rect">
+            <a:avLst/>
+          </a:prstGeom>
+          <a:noFill/>
+          <a:ln>
+            <a:noFill/>
+          </a:ln>
+        </p:spPr>
+      </p:pic>
     </p:spTree>
   </p:cSld>
   <p:clrMapOvr>
@@ -9709,11 +9568,11 @@
 </file>
 
 <file path=ppt/slides/slide5.xml><?xml version="1.0" encoding="utf-8"?>
-<p:sld xmlns:a="http://schemas.openxmlformats.org/drawingml/2006/main" xmlns:r="http://schemas.openxmlformats.org/officeDocument/2006/relationships" xmlns:p="http://schemas.openxmlformats.org/presentationml/2006/main">
+<p:sld xmlns:a="http://schemas.openxmlformats.org/drawingml/2006/main" xmlns:r="http://schemas.openxmlformats.org/officeDocument/2006/relationships" xmlns:mc="http://schemas.openxmlformats.org/markup-compatibility/2006" xmlns:mv="urn:schemas-microsoft-com:mac:vml" xmlns:p="http://schemas.openxmlformats.org/presentationml/2006/main" xmlns:c="http://schemas.openxmlformats.org/drawingml/2006/chart" xmlns:dgm="http://schemas.openxmlformats.org/drawingml/2006/diagram" xmlns:o="urn:schemas-microsoft-com:office:office" xmlns:v="urn:schemas-microsoft-com:vml" xmlns:pvml="urn:schemas-microsoft-com:office:powerpoint" xmlns:com="http://schemas.openxmlformats.org/drawingml/2006/compatibility" xmlns:p14="http://schemas.microsoft.com/office/powerpoint/2010/main" xmlns:p15="http://schemas.microsoft.com/office/powerpoint/2012/main" xmlns:ahyp="http://schemas.microsoft.com/office/drawing/2018/hyperlinkcolor">
   <p:cSld>
     <p:spTree>
       <p:nvGrpSpPr>
-        <p:cNvPr id="1" name="Shape 102"/>
+        <p:cNvPr id="103" name="Shape 103"/>
         <p:cNvGrpSpPr/>
         <p:nvPr/>
       </p:nvGrpSpPr>
@@ -9727,7 +9586,7 @@
       </p:grpSpPr>
       <p:pic>
         <p:nvPicPr>
-          <p:cNvPr id="103" name="Google Shape;103;p17"/>
+          <p:cNvPr id="104" name="Google Shape;104;p17"/>
           <p:cNvPicPr preferRelativeResize="0"/>
           <p:nvPr/>
         </p:nvPicPr>
@@ -9752,7 +9611,7 @@
             <a:noFill/>
           </a:ln>
           <a:effectLst>
-            <a:outerShdw blurRad="57150" dist="19050" dir="5400000" algn="bl" rotWithShape="0">
+            <a:outerShdw blurRad="57150" rotWithShape="0" algn="bl" dir="5400000" dist="19050">
               <a:srgbClr val="000000">
                 <a:alpha val="50000"/>
               </a:srgbClr>
@@ -9762,10 +9621,8 @@
       </p:pic>
       <p:sp>
         <p:nvSpPr>
-          <p:cNvPr id="104" name="Google Shape;104;p17"/>
-          <p:cNvSpPr txBox="1">
-            <a:spLocks noGrp="1"/>
-          </p:cNvSpPr>
+          <p:cNvPr id="105" name="Google Shape;105;p17"/>
+          <p:cNvSpPr txBox="1"/>
           <p:nvPr>
             <p:ph type="title"/>
           </p:nvPr>
@@ -9780,12 +9637,12 @@
           </a:prstGeom>
         </p:spPr>
         <p:txBody>
-          <a:bodyPr spcFirstLastPara="1" wrap="square" lIns="91425" tIns="91425" rIns="91425" bIns="91425" anchor="t" anchorCtr="0">
+          <a:bodyPr anchorCtr="0" anchor="t" bIns="91425" lIns="91425" spcFirstLastPara="1" rIns="91425" wrap="square" tIns="91425">
             <a:normAutofit fontScale="90000"/>
           </a:bodyPr>
           <a:lstStyle/>
           <a:p>
-            <a:pPr marL="0" lvl="0" indent="0" algn="l" rtl="0">
+            <a:pPr indent="0" lvl="0" marL="0" rtl="0" algn="l">
               <a:spcBef>
                 <a:spcPts val="0"/>
               </a:spcBef>
@@ -9804,7 +9661,7 @@
       </p:sp>
       <p:pic>
         <p:nvPicPr>
-          <p:cNvPr id="105" name="Google Shape;105;p17"/>
+          <p:cNvPr id="106" name="Google Shape;106;p17"/>
           <p:cNvPicPr preferRelativeResize="0"/>
           <p:nvPr/>
         </p:nvPicPr>
@@ -9829,7 +9686,7 @@
             <a:noFill/>
           </a:ln>
           <a:effectLst>
-            <a:outerShdw blurRad="57150" dist="19050" dir="5400000" algn="bl" rotWithShape="0">
+            <a:outerShdw blurRad="57150" rotWithShape="0" algn="bl" dir="5400000" dist="19050">
               <a:srgbClr val="000000">
                 <a:alpha val="50000"/>
               </a:srgbClr>
@@ -9846,11 +9703,11 @@
 </file>
 
 <file path=ppt/slides/slide6.xml><?xml version="1.0" encoding="utf-8"?>
-<p:sld xmlns:a="http://schemas.openxmlformats.org/drawingml/2006/main" xmlns:r="http://schemas.openxmlformats.org/officeDocument/2006/relationships" xmlns:p="http://schemas.openxmlformats.org/presentationml/2006/main">
+<p:sld xmlns:a="http://schemas.openxmlformats.org/drawingml/2006/main" xmlns:r="http://schemas.openxmlformats.org/officeDocument/2006/relationships" xmlns:mc="http://schemas.openxmlformats.org/markup-compatibility/2006" xmlns:mv="urn:schemas-microsoft-com:mac:vml" xmlns:p="http://schemas.openxmlformats.org/presentationml/2006/main" xmlns:c="http://schemas.openxmlformats.org/drawingml/2006/chart" xmlns:dgm="http://schemas.openxmlformats.org/drawingml/2006/diagram" xmlns:o="urn:schemas-microsoft-com:office:office" xmlns:v="urn:schemas-microsoft-com:vml" xmlns:pvml="urn:schemas-microsoft-com:office:powerpoint" xmlns:com="http://schemas.openxmlformats.org/drawingml/2006/compatibility" xmlns:p14="http://schemas.microsoft.com/office/powerpoint/2010/main" xmlns:p15="http://schemas.microsoft.com/office/powerpoint/2012/main" xmlns:ahyp="http://schemas.microsoft.com/office/drawing/2018/hyperlinkcolor">
   <p:cSld>
     <p:spTree>
       <p:nvGrpSpPr>
-        <p:cNvPr id="1" name="Shape 109"/>
+        <p:cNvPr id="110" name="Shape 110"/>
         <p:cNvGrpSpPr/>
         <p:nvPr/>
       </p:nvGrpSpPr>
@@ -9864,10 +9721,8 @@
       </p:grpSpPr>
       <p:sp>
         <p:nvSpPr>
-          <p:cNvPr id="110" name="Google Shape;110;p18"/>
-          <p:cNvSpPr txBox="1">
-            <a:spLocks noGrp="1"/>
-          </p:cNvSpPr>
+          <p:cNvPr id="111" name="Google Shape;111;p18"/>
+          <p:cNvSpPr txBox="1"/>
           <p:nvPr>
             <p:ph type="title"/>
           </p:nvPr>
@@ -9882,12 +9737,12 @@
           </a:prstGeom>
         </p:spPr>
         <p:txBody>
-          <a:bodyPr spcFirstLastPara="1" wrap="square" lIns="91425" tIns="91425" rIns="91425" bIns="91425" anchor="t" anchorCtr="0">
+          <a:bodyPr anchorCtr="0" anchor="t" bIns="91425" lIns="91425" spcFirstLastPara="1" rIns="91425" wrap="square" tIns="91425">
             <a:normAutofit fontScale="90000"/>
           </a:bodyPr>
           <a:lstStyle/>
           <a:p>
-            <a:pPr marL="0" lvl="0" indent="0" algn="l" rtl="0">
+            <a:pPr indent="0" lvl="0" marL="0" rtl="0" algn="l">
               <a:spcBef>
                 <a:spcPts val="0"/>
               </a:spcBef>
@@ -9906,7 +9761,7 @@
       </p:sp>
       <p:pic>
         <p:nvPicPr>
-          <p:cNvPr id="111" name="Google Shape;111;p18"/>
+          <p:cNvPr id="112" name="Google Shape;112;p18"/>
           <p:cNvPicPr preferRelativeResize="0"/>
           <p:nvPr/>
         </p:nvPicPr>
@@ -9931,7 +9786,7 @@
             <a:noFill/>
           </a:ln>
           <a:effectLst>
-            <a:outerShdw blurRad="57150" dist="19050" dir="5400000" algn="bl" rotWithShape="0">
+            <a:outerShdw blurRad="57150" rotWithShape="0" algn="bl" dir="5400000" dist="19050">
               <a:srgbClr val="000000">
                 <a:alpha val="50000"/>
               </a:srgbClr>
@@ -9948,11 +9803,11 @@
 </file>
 
 <file path=ppt/slides/slide7.xml><?xml version="1.0" encoding="utf-8"?>
-<p:sld xmlns:a="http://schemas.openxmlformats.org/drawingml/2006/main" xmlns:r="http://schemas.openxmlformats.org/officeDocument/2006/relationships" xmlns:p="http://schemas.openxmlformats.org/presentationml/2006/main">
+<p:sld xmlns:a="http://schemas.openxmlformats.org/drawingml/2006/main" xmlns:r="http://schemas.openxmlformats.org/officeDocument/2006/relationships" xmlns:mc="http://schemas.openxmlformats.org/markup-compatibility/2006" xmlns:mv="urn:schemas-microsoft-com:mac:vml" xmlns:p="http://schemas.openxmlformats.org/presentationml/2006/main" xmlns:c="http://schemas.openxmlformats.org/drawingml/2006/chart" xmlns:dgm="http://schemas.openxmlformats.org/drawingml/2006/diagram" xmlns:o="urn:schemas-microsoft-com:office:office" xmlns:v="urn:schemas-microsoft-com:vml" xmlns:pvml="urn:schemas-microsoft-com:office:powerpoint" xmlns:com="http://schemas.openxmlformats.org/drawingml/2006/compatibility" xmlns:p14="http://schemas.microsoft.com/office/powerpoint/2010/main" xmlns:p15="http://schemas.microsoft.com/office/powerpoint/2012/main" xmlns:ahyp="http://schemas.microsoft.com/office/drawing/2018/hyperlinkcolor">
   <p:cSld>
     <p:spTree>
       <p:nvGrpSpPr>
-        <p:cNvPr id="1" name="Shape 115"/>
+        <p:cNvPr id="116" name="Shape 116"/>
         <p:cNvGrpSpPr/>
         <p:nvPr/>
       </p:nvGrpSpPr>
@@ -9966,10 +9821,8 @@
       </p:grpSpPr>
       <p:sp>
         <p:nvSpPr>
-          <p:cNvPr id="116" name="Google Shape;116;p19"/>
-          <p:cNvSpPr txBox="1">
-            <a:spLocks noGrp="1"/>
-          </p:cNvSpPr>
+          <p:cNvPr id="117" name="Google Shape;117;p19"/>
+          <p:cNvSpPr txBox="1"/>
           <p:nvPr>
             <p:ph type="title"/>
           </p:nvPr>
@@ -9984,12 +9837,12 @@
           </a:prstGeom>
         </p:spPr>
         <p:txBody>
-          <a:bodyPr spcFirstLastPara="1" wrap="square" lIns="91425" tIns="91425" rIns="91425" bIns="91425" anchor="t" anchorCtr="0">
+          <a:bodyPr anchorCtr="0" anchor="t" bIns="91425" lIns="91425" spcFirstLastPara="1" rIns="91425" wrap="square" tIns="91425">
             <a:normAutofit fontScale="90000"/>
           </a:bodyPr>
           <a:lstStyle/>
           <a:p>
-            <a:pPr marL="0" lvl="0" indent="0" algn="l" rtl="0">
+            <a:pPr indent="0" lvl="0" marL="0" rtl="0" algn="l">
               <a:spcBef>
                 <a:spcPts val="0"/>
               </a:spcBef>
@@ -10008,7 +9861,7 @@
       </p:sp>
       <p:pic>
         <p:nvPicPr>
-          <p:cNvPr id="117" name="Google Shape;117;p19"/>
+          <p:cNvPr id="118" name="Google Shape;118;p19"/>
           <p:cNvPicPr preferRelativeResize="0"/>
           <p:nvPr/>
         </p:nvPicPr>
@@ -10016,7 +9869,7 @@
           <a:blip r:embed="rId3">
             <a:alphaModFix/>
           </a:blip>
-          <a:srcRect r="34938"/>
+          <a:srcRect b="0" l="0" r="34938" t="0"/>
           <a:stretch/>
         </p:blipFill>
         <p:spPr>
@@ -10032,7 +9885,7 @@
             <a:noFill/>
           </a:ln>
           <a:effectLst>
-            <a:outerShdw blurRad="57150" dist="19050" dir="5400000" algn="bl" rotWithShape="0">
+            <a:outerShdw blurRad="57150" rotWithShape="0" algn="bl" dir="5400000" dist="19050">
               <a:srgbClr val="000000">
                 <a:alpha val="50000"/>
               </a:srgbClr>
@@ -10042,7 +9895,7 @@
       </p:pic>
       <p:pic>
         <p:nvPicPr>
-          <p:cNvPr id="118" name="Google Shape;118;p19"/>
+          <p:cNvPr id="119" name="Google Shape;119;p19"/>
           <p:cNvPicPr preferRelativeResize="0"/>
           <p:nvPr/>
         </p:nvPicPr>
@@ -10050,7 +9903,7 @@
           <a:blip r:embed="rId4">
             <a:alphaModFix/>
           </a:blip>
-          <a:srcRect b="34988"/>
+          <a:srcRect b="34988" l="0" r="0" t="0"/>
           <a:stretch/>
         </p:blipFill>
         <p:spPr>
@@ -10066,7 +9919,7 @@
             <a:noFill/>
           </a:ln>
           <a:effectLst>
-            <a:outerShdw blurRad="57150" dist="19050" dir="5400000" algn="bl" rotWithShape="0">
+            <a:outerShdw blurRad="57150" rotWithShape="0" algn="bl" dir="5400000" dist="19050">
               <a:srgbClr val="000000">
                 <a:alpha val="50000"/>
               </a:srgbClr>
@@ -10076,7 +9929,7 @@
       </p:pic>
       <p:pic>
         <p:nvPicPr>
-          <p:cNvPr id="119" name="Google Shape;119;p19"/>
+          <p:cNvPr id="120" name="Google Shape;120;p19"/>
           <p:cNvPicPr preferRelativeResize="0"/>
           <p:nvPr/>
         </p:nvPicPr>
@@ -10084,7 +9937,7 @@
           <a:blip r:embed="rId5">
             <a:alphaModFix/>
           </a:blip>
-          <a:srcRect t="3556" r="891" b="16167"/>
+          <a:srcRect b="16167" l="0" r="891" t="3556"/>
           <a:stretch/>
         </p:blipFill>
         <p:spPr>
@@ -10100,7 +9953,7 @@
             <a:noFill/>
           </a:ln>
           <a:effectLst>
-            <a:outerShdw blurRad="57150" dist="19050" dir="5400000" algn="bl" rotWithShape="0">
+            <a:outerShdw blurRad="57150" rotWithShape="0" algn="bl" dir="5400000" dist="19050">
               <a:srgbClr val="000000">
                 <a:alpha val="50000"/>
               </a:srgbClr>
@@ -10110,7 +9963,7 @@
       </p:pic>
       <p:pic>
         <p:nvPicPr>
-          <p:cNvPr id="120" name="Google Shape;120;p19"/>
+          <p:cNvPr id="121" name="Google Shape;121;p19"/>
           <p:cNvPicPr preferRelativeResize="0"/>
           <p:nvPr/>
         </p:nvPicPr>
@@ -10118,7 +9971,7 @@
           <a:blip r:embed="rId6">
             <a:alphaModFix/>
           </a:blip>
-          <a:srcRect r="21550" b="36212"/>
+          <a:srcRect b="36212" l="0" r="21550" t="0"/>
           <a:stretch/>
         </p:blipFill>
         <p:spPr>
@@ -10134,7 +9987,7 @@
             <a:noFill/>
           </a:ln>
           <a:effectLst>
-            <a:outerShdw blurRad="57150" dist="19050" dir="5400000" algn="bl" rotWithShape="0">
+            <a:outerShdw blurRad="57150" rotWithShape="0" algn="bl" dir="5400000" dist="19050">
               <a:srgbClr val="000000">
                 <a:alpha val="50000"/>
               </a:srgbClr>
@@ -10144,7 +9997,7 @@
       </p:pic>
       <p:pic>
         <p:nvPicPr>
-          <p:cNvPr id="121" name="Google Shape;121;p19"/>
+          <p:cNvPr id="122" name="Google Shape;122;p19"/>
           <p:cNvPicPr preferRelativeResize="0"/>
           <p:nvPr/>
         </p:nvPicPr>
@@ -10169,7 +10022,7 @@
             <a:noFill/>
           </a:ln>
           <a:effectLst>
-            <a:outerShdw blurRad="57150" dist="19050" dir="5400000" algn="bl" rotWithShape="0">
+            <a:outerShdw blurRad="57150" rotWithShape="0" algn="bl" dir="5400000" dist="19050">
               <a:srgbClr val="000000">
                 <a:alpha val="50000"/>
               </a:srgbClr>
@@ -10179,7 +10032,7 @@
       </p:pic>
       <p:pic>
         <p:nvPicPr>
-          <p:cNvPr id="122" name="Google Shape;122;p19"/>
+          <p:cNvPr id="123" name="Google Shape;123;p19"/>
           <p:cNvPicPr preferRelativeResize="0"/>
           <p:nvPr/>
         </p:nvPicPr>
@@ -10204,7 +10057,7 @@
             <a:noFill/>
           </a:ln>
           <a:effectLst>
-            <a:outerShdw blurRad="57150" dist="19050" dir="5400000" algn="bl" rotWithShape="0">
+            <a:outerShdw blurRad="57150" rotWithShape="0" algn="bl" dir="5400000" dist="19050">
               <a:srgbClr val="000000">
                 <a:alpha val="50000"/>
               </a:srgbClr>
@@ -10221,11 +10074,11 @@
 </file>
 
 <file path=ppt/slides/slide8.xml><?xml version="1.0" encoding="utf-8"?>
-<p:sld xmlns:a="http://schemas.openxmlformats.org/drawingml/2006/main" xmlns:r="http://schemas.openxmlformats.org/officeDocument/2006/relationships" xmlns:p="http://schemas.openxmlformats.org/presentationml/2006/main">
+<p:sld xmlns:a="http://schemas.openxmlformats.org/drawingml/2006/main" xmlns:r="http://schemas.openxmlformats.org/officeDocument/2006/relationships" xmlns:mc="http://schemas.openxmlformats.org/markup-compatibility/2006" xmlns:mv="urn:schemas-microsoft-com:mac:vml" xmlns:p="http://schemas.openxmlformats.org/presentationml/2006/main" xmlns:c="http://schemas.openxmlformats.org/drawingml/2006/chart" xmlns:dgm="http://schemas.openxmlformats.org/drawingml/2006/diagram" xmlns:o="urn:schemas-microsoft-com:office:office" xmlns:v="urn:schemas-microsoft-com:vml" xmlns:pvml="urn:schemas-microsoft-com:office:powerpoint" xmlns:com="http://schemas.openxmlformats.org/drawingml/2006/compatibility" xmlns:p14="http://schemas.microsoft.com/office/powerpoint/2010/main" xmlns:p15="http://schemas.microsoft.com/office/powerpoint/2012/main" xmlns:ahyp="http://schemas.microsoft.com/office/drawing/2018/hyperlinkcolor">
   <p:cSld>
     <p:spTree>
       <p:nvGrpSpPr>
-        <p:cNvPr id="1" name="Shape 126"/>
+        <p:cNvPr id="127" name="Shape 127"/>
         <p:cNvGrpSpPr/>
         <p:nvPr/>
       </p:nvGrpSpPr>
@@ -10239,10 +10092,8 @@
       </p:grpSpPr>
       <p:sp>
         <p:nvSpPr>
-          <p:cNvPr id="127" name="Google Shape;127;p20"/>
-          <p:cNvSpPr txBox="1">
-            <a:spLocks noGrp="1"/>
-          </p:cNvSpPr>
+          <p:cNvPr id="128" name="Google Shape;128;p20"/>
+          <p:cNvSpPr txBox="1"/>
           <p:nvPr>
             <p:ph type="title"/>
           </p:nvPr>
@@ -10257,12 +10108,12 @@
           </a:prstGeom>
         </p:spPr>
         <p:txBody>
-          <a:bodyPr spcFirstLastPara="1" wrap="square" lIns="91425" tIns="91425" rIns="91425" bIns="91425" anchor="t" anchorCtr="0">
+          <a:bodyPr anchorCtr="0" anchor="t" bIns="91425" lIns="91425" spcFirstLastPara="1" rIns="91425" wrap="square" tIns="91425">
             <a:normAutofit fontScale="90000"/>
           </a:bodyPr>
           <a:lstStyle/>
           <a:p>
-            <a:pPr marL="0" lvl="0" indent="0" algn="l" rtl="0">
+            <a:pPr indent="0" lvl="0" marL="0" rtl="0" algn="l">
               <a:spcBef>
                 <a:spcPts val="0"/>
               </a:spcBef>
@@ -10278,7 +10129,7 @@
             <a:endParaRPr/>
           </a:p>
           <a:p>
-            <a:pPr marL="0" lvl="0" indent="0" algn="l" rtl="0">
+            <a:pPr indent="0" lvl="0" marL="0" rtl="0" algn="l">
               <a:spcBef>
                 <a:spcPts val="0"/>
               </a:spcBef>
@@ -10297,7 +10148,7 @@
       </p:sp>
       <p:pic>
         <p:nvPicPr>
-          <p:cNvPr id="128" name="Google Shape;128;p20"/>
+          <p:cNvPr id="129" name="Google Shape;129;p20"/>
           <p:cNvPicPr preferRelativeResize="0"/>
           <p:nvPr/>
         </p:nvPicPr>
@@ -10332,11 +10183,11 @@
 </file>
 
 <file path=ppt/slides/slide9.xml><?xml version="1.0" encoding="utf-8"?>
-<p:sld xmlns:a="http://schemas.openxmlformats.org/drawingml/2006/main" xmlns:r="http://schemas.openxmlformats.org/officeDocument/2006/relationships" xmlns:p="http://schemas.openxmlformats.org/presentationml/2006/main">
+<p:sld xmlns:a="http://schemas.openxmlformats.org/drawingml/2006/main" xmlns:r="http://schemas.openxmlformats.org/officeDocument/2006/relationships" xmlns:mc="http://schemas.openxmlformats.org/markup-compatibility/2006" xmlns:mv="urn:schemas-microsoft-com:mac:vml" xmlns:p="http://schemas.openxmlformats.org/presentationml/2006/main" xmlns:c="http://schemas.openxmlformats.org/drawingml/2006/chart" xmlns:dgm="http://schemas.openxmlformats.org/drawingml/2006/diagram" xmlns:o="urn:schemas-microsoft-com:office:office" xmlns:v="urn:schemas-microsoft-com:vml" xmlns:pvml="urn:schemas-microsoft-com:office:powerpoint" xmlns:com="http://schemas.openxmlformats.org/drawingml/2006/compatibility" xmlns:p14="http://schemas.microsoft.com/office/powerpoint/2010/main" xmlns:p15="http://schemas.microsoft.com/office/powerpoint/2012/main" xmlns:ahyp="http://schemas.microsoft.com/office/drawing/2018/hyperlinkcolor">
   <p:cSld>
     <p:spTree>
       <p:nvGrpSpPr>
-        <p:cNvPr id="1" name="Shape 132"/>
+        <p:cNvPr id="133" name="Shape 133"/>
         <p:cNvGrpSpPr/>
         <p:nvPr/>
       </p:nvGrpSpPr>
@@ -10350,10 +10201,8 @@
       </p:grpSpPr>
       <p:sp>
         <p:nvSpPr>
-          <p:cNvPr id="133" name="Google Shape;133;p21"/>
-          <p:cNvSpPr txBox="1">
-            <a:spLocks noGrp="1"/>
-          </p:cNvSpPr>
+          <p:cNvPr id="134" name="Google Shape;134;p21"/>
+          <p:cNvSpPr txBox="1"/>
           <p:nvPr>
             <p:ph type="title"/>
           </p:nvPr>
@@ -10368,12 +10217,12 @@
           </a:prstGeom>
         </p:spPr>
         <p:txBody>
-          <a:bodyPr spcFirstLastPara="1" wrap="square" lIns="91425" tIns="91425" rIns="91425" bIns="91425" anchor="t" anchorCtr="0">
+          <a:bodyPr anchorCtr="0" anchor="t" bIns="91425" lIns="91425" spcFirstLastPara="1" rIns="91425" wrap="square" tIns="91425">
             <a:normAutofit fontScale="90000"/>
           </a:bodyPr>
           <a:lstStyle/>
           <a:p>
-            <a:pPr marL="0" lvl="0" indent="0" algn="l" rtl="0">
+            <a:pPr indent="0" lvl="0" marL="0" rtl="0" algn="l">
               <a:spcBef>
                 <a:spcPts val="0"/>
               </a:spcBef>
@@ -10392,7 +10241,7 @@
       </p:sp>
       <p:sp>
         <p:nvSpPr>
-          <p:cNvPr id="134" name="Google Shape;134;p21"/>
+          <p:cNvPr id="135" name="Google Shape;135;p21"/>
           <p:cNvSpPr txBox="1"/>
           <p:nvPr/>
         </p:nvSpPr>
@@ -10410,12 +10259,12 @@
           </a:ln>
         </p:spPr>
         <p:txBody>
-          <a:bodyPr spcFirstLastPara="1" wrap="square" lIns="91425" tIns="91425" rIns="91425" bIns="91425" anchor="t" anchorCtr="0">
+          <a:bodyPr anchorCtr="0" anchor="t" bIns="91425" lIns="91425" spcFirstLastPara="1" rIns="91425" wrap="square" tIns="91425">
             <a:normAutofit/>
           </a:bodyPr>
           <a:lstStyle/>
           <a:p>
-            <a:pPr marL="457200" lvl="0" indent="-342900" algn="l" rtl="0">
+            <a:pPr indent="-342900" lvl="0" marL="457200" rtl="0" algn="l">
               <a:lnSpc>
                 <a:spcPct val="115000"/>
               </a:lnSpc>
@@ -10449,7 +10298,7 @@
             </a:endParaRPr>
           </a:p>
           <a:p>
-            <a:pPr marL="457200" lvl="0" indent="-342900" algn="l" rtl="0">
+            <a:pPr indent="-342900" lvl="0" marL="457200" rtl="0" algn="l">
               <a:lnSpc>
                 <a:spcPct val="115000"/>
               </a:lnSpc>
@@ -10505,7 +10354,7 @@
             </a:endParaRPr>
           </a:p>
           <a:p>
-            <a:pPr marL="457200" lvl="0" indent="-342900" algn="l" rtl="0">
+            <a:pPr indent="-342900" lvl="0" marL="457200" rtl="0" algn="l">
               <a:lnSpc>
                 <a:spcPct val="115000"/>
               </a:lnSpc>
@@ -10549,7 +10398,286 @@
 </file>
 
 <file path=ppt/theme/theme1.xml><?xml version="1.0" encoding="utf-8"?>
-<a:theme xmlns:a="http://schemas.openxmlformats.org/drawingml/2006/main" name="Swiss">
+<a:theme xmlns:a="http://schemas.openxmlformats.org/drawingml/2006/main" xmlns:r="http://schemas.openxmlformats.org/officeDocument/2006/relationships">
+  <a:themeElements>
+    <a:clrScheme name="Default">
+      <a:dk1>
+        <a:srgbClr val="000000"/>
+      </a:dk1>
+      <a:lt1>
+        <a:srgbClr val="FFFFFF"/>
+      </a:lt1>
+      <a:dk2>
+        <a:srgbClr val="158158"/>
+      </a:dk2>
+      <a:lt2>
+        <a:srgbClr val="F3F3F3"/>
+      </a:lt2>
+      <a:accent1>
+        <a:srgbClr val="058DC7"/>
+      </a:accent1>
+      <a:accent2>
+        <a:srgbClr val="50B432"/>
+      </a:accent2>
+      <a:accent3>
+        <a:srgbClr val="ED561B"/>
+      </a:accent3>
+      <a:accent4>
+        <a:srgbClr val="EDEF00"/>
+      </a:accent4>
+      <a:accent5>
+        <a:srgbClr val="24CBE5"/>
+      </a:accent5>
+      <a:accent6>
+        <a:srgbClr val="64E572"/>
+      </a:accent6>
+      <a:hlink>
+        <a:srgbClr val="2200CC"/>
+      </a:hlink>
+      <a:folHlink>
+        <a:srgbClr val="551A8B"/>
+      </a:folHlink>
+    </a:clrScheme>
+    <a:fontScheme name="Office">
+      <a:majorFont>
+        <a:latin typeface="Arial"/>
+        <a:ea typeface=""/>
+        <a:cs typeface=""/>
+        <a:font script="Jpan" typeface="ＭＳ Ｐゴシック"/>
+        <a:font script="Hang" typeface="맑은 고딕"/>
+        <a:font script="Hans" typeface="宋体"/>
+        <a:font script="Hant" typeface="新細明體"/>
+        <a:font script="Arab" typeface="Times New Roman"/>
+        <a:font script="Hebr" typeface="Times New Roman"/>
+        <a:font script="Thai" typeface="Angsana New"/>
+        <a:font script="Ethi" typeface="Nyala"/>
+        <a:font script="Beng" typeface="Vrinda"/>
+        <a:font script="Gujr" typeface="Shruti"/>
+        <a:font script="Khmr" typeface="MoolBoran"/>
+        <a:font script="Knda" typeface="Tunga"/>
+        <a:font script="Guru" typeface="Raavi"/>
+        <a:font script="Cans" typeface="Euphemia"/>
+        <a:font script="Cher" typeface="Plantagenet Cherokee"/>
+        <a:font script="Yiii" typeface="Microsoft Yi Baiti"/>
+        <a:font script="Tibt" typeface="Microsoft Himalaya"/>
+        <a:font script="Thaa" typeface="MV Boli"/>
+        <a:font script="Deva" typeface="Mangal"/>
+        <a:font script="Telu" typeface="Gautami"/>
+        <a:font script="Taml" typeface="Latha"/>
+        <a:font script="Syrc" typeface="Estrangelo Edessa"/>
+        <a:font script="Orya" typeface="Kalinga"/>
+        <a:font script="Mlym" typeface="Kartika"/>
+        <a:font script="Laoo" typeface="DokChampa"/>
+        <a:font script="Sinh" typeface="Iskoola Pota"/>
+        <a:font script="Mong" typeface="Mongolian Baiti"/>
+        <a:font script="Viet" typeface="Times New Roman"/>
+        <a:font script="Uigh" typeface="Microsoft Uighur"/>
+        <a:font script="Geor" typeface="Sylfaen"/>
+      </a:majorFont>
+      <a:minorFont>
+        <a:latin typeface="Arial"/>
+        <a:ea typeface=""/>
+        <a:cs typeface=""/>
+        <a:font script="Jpan" typeface="ＭＳ Ｐゴシック"/>
+        <a:font script="Hang" typeface="맑은 고딕"/>
+        <a:font script="Hans" typeface="宋体"/>
+        <a:font script="Hant" typeface="新細明體"/>
+        <a:font script="Arab" typeface="Arial"/>
+        <a:font script="Hebr" typeface="Arial"/>
+        <a:font script="Thai" typeface="Cordia New"/>
+        <a:font script="Ethi" typeface="Nyala"/>
+        <a:font script="Beng" typeface="Vrinda"/>
+        <a:font script="Gujr" typeface="Shruti"/>
+        <a:font script="Khmr" typeface="DaunPenh"/>
+        <a:font script="Knda" typeface="Tunga"/>
+        <a:font script="Guru" typeface="Raavi"/>
+        <a:font script="Cans" typeface="Euphemia"/>
+        <a:font script="Cher" typeface="Plantagenet Cherokee"/>
+        <a:font script="Yiii" typeface="Microsoft Yi Baiti"/>
+        <a:font script="Tibt" typeface="Microsoft Himalaya"/>
+        <a:font script="Thaa" typeface="MV Boli"/>
+        <a:font script="Deva" typeface="Mangal"/>
+        <a:font script="Telu" typeface="Gautami"/>
+        <a:font script="Taml" typeface="Latha"/>
+        <a:font script="Syrc" typeface="Estrangelo Edessa"/>
+        <a:font script="Orya" typeface="Kalinga"/>
+        <a:font script="Mlym" typeface="Kartika"/>
+        <a:font script="Laoo" typeface="DokChampa"/>
+        <a:font script="Sinh" typeface="Iskoola Pota"/>
+        <a:font script="Mong" typeface="Mongolian Baiti"/>
+        <a:font script="Viet" typeface="Arial"/>
+        <a:font script="Uigh" typeface="Microsoft Uighur"/>
+        <a:font script="Geor" typeface="Sylfaen"/>
+      </a:minorFont>
+    </a:fontScheme>
+    <a:fmtScheme name="Office">
+      <a:fillStyleLst>
+        <a:solidFill>
+          <a:schemeClr val="phClr"/>
+        </a:solidFill>
+        <a:gradFill rotWithShape="1">
+          <a:gsLst>
+            <a:gs pos="0">
+              <a:schemeClr val="phClr">
+                <a:tint val="50000"/>
+                <a:satMod val="300000"/>
+              </a:schemeClr>
+            </a:gs>
+            <a:gs pos="35000">
+              <a:schemeClr val="phClr">
+                <a:tint val="37000"/>
+                <a:satMod val="300000"/>
+              </a:schemeClr>
+            </a:gs>
+            <a:gs pos="100000">
+              <a:schemeClr val="phClr">
+                <a:tint val="15000"/>
+                <a:satMod val="350000"/>
+              </a:schemeClr>
+            </a:gs>
+          </a:gsLst>
+          <a:lin ang="16200000" scaled="1"/>
+        </a:gradFill>
+        <a:gradFill rotWithShape="1">
+          <a:gsLst>
+            <a:gs pos="0">
+              <a:schemeClr val="phClr">
+                <a:tint val="100000"/>
+                <a:shade val="100000"/>
+                <a:satMod val="130000"/>
+              </a:schemeClr>
+            </a:gs>
+            <a:gs pos="100000">
+              <a:schemeClr val="phClr">
+                <a:tint val="50000"/>
+                <a:shade val="100000"/>
+                <a:satMod val="350000"/>
+              </a:schemeClr>
+            </a:gs>
+          </a:gsLst>
+          <a:lin ang="16200000" scaled="0"/>
+        </a:gradFill>
+      </a:fillStyleLst>
+      <a:lnStyleLst>
+        <a:ln w="9525" cap="flat" cmpd="sng" algn="ctr">
+          <a:solidFill>
+            <a:schemeClr val="phClr">
+              <a:shade val="95000"/>
+              <a:satMod val="105000"/>
+            </a:schemeClr>
+          </a:solidFill>
+          <a:prstDash val="solid"/>
+        </a:ln>
+        <a:ln w="25400" cap="flat" cmpd="sng" algn="ctr">
+          <a:solidFill>
+            <a:schemeClr val="phClr"/>
+          </a:solidFill>
+          <a:prstDash val="solid"/>
+        </a:ln>
+        <a:ln w="38100" cap="flat" cmpd="sng" algn="ctr">
+          <a:solidFill>
+            <a:schemeClr val="phClr"/>
+          </a:solidFill>
+          <a:prstDash val="solid"/>
+        </a:ln>
+      </a:lnStyleLst>
+      <a:effectStyleLst>
+        <a:effectStyle>
+          <a:effectLst>
+            <a:outerShdw blurRad="40000" dist="20000" dir="5400000" rotWithShape="0">
+              <a:srgbClr val="000000">
+                <a:alpha val="38000"/>
+              </a:srgbClr>
+            </a:outerShdw>
+          </a:effectLst>
+        </a:effectStyle>
+        <a:effectStyle>
+          <a:effectLst>
+            <a:outerShdw blurRad="40000" dist="23000" dir="5400000" rotWithShape="0">
+              <a:srgbClr val="000000">
+                <a:alpha val="35000"/>
+              </a:srgbClr>
+            </a:outerShdw>
+          </a:effectLst>
+        </a:effectStyle>
+        <a:effectStyle>
+          <a:effectLst>
+            <a:outerShdw blurRad="40000" dist="23000" dir="5400000" rotWithShape="0">
+              <a:srgbClr val="000000">
+                <a:alpha val="35000"/>
+              </a:srgbClr>
+            </a:outerShdw>
+          </a:effectLst>
+          <a:scene3d>
+            <a:camera prst="orthographicFront">
+              <a:rot lat="0" lon="0" rev="0"/>
+            </a:camera>
+            <a:lightRig rig="threePt" dir="t">
+              <a:rot lat="0" lon="0" rev="1200000"/>
+            </a:lightRig>
+          </a:scene3d>
+          <a:sp3d>
+            <a:bevelT w="63500" h="25400"/>
+          </a:sp3d>
+        </a:effectStyle>
+      </a:effectStyleLst>
+      <a:bgFillStyleLst>
+        <a:solidFill>
+          <a:schemeClr val="phClr"/>
+        </a:solidFill>
+        <a:gradFill rotWithShape="1">
+          <a:gsLst>
+            <a:gs pos="0">
+              <a:schemeClr val="phClr">
+                <a:tint val="40000"/>
+                <a:satMod val="350000"/>
+              </a:schemeClr>
+            </a:gs>
+            <a:gs pos="40000">
+              <a:schemeClr val="phClr">
+                <a:tint val="45000"/>
+                <a:shade val="99000"/>
+                <a:satMod val="350000"/>
+              </a:schemeClr>
+            </a:gs>
+            <a:gs pos="100000">
+              <a:schemeClr val="phClr">
+                <a:shade val="20000"/>
+                <a:satMod val="255000"/>
+              </a:schemeClr>
+            </a:gs>
+          </a:gsLst>
+          <a:path path="circle">
+            <a:fillToRect l="50000" t="-80000" r="50000" b="180000"/>
+          </a:path>
+        </a:gradFill>
+        <a:gradFill rotWithShape="1">
+          <a:gsLst>
+            <a:gs pos="0">
+              <a:schemeClr val="phClr">
+                <a:tint val="80000"/>
+                <a:satMod val="300000"/>
+              </a:schemeClr>
+            </a:gs>
+            <a:gs pos="100000">
+              <a:schemeClr val="phClr">
+                <a:shade val="30000"/>
+                <a:satMod val="200000"/>
+              </a:schemeClr>
+            </a:gs>
+          </a:gsLst>
+          <a:path path="circle">
+            <a:fillToRect l="50000" t="50000" r="50000" b="50000"/>
+          </a:path>
+        </a:gradFill>
+      </a:bgFillStyleLst>
+    </a:fmtScheme>
+  </a:themeElements>
+</a:theme>
+</file>
+
+<file path=ppt/theme/theme2.xml><?xml version="1.0" encoding="utf-8"?>
+<a:theme xmlns:a="http://schemas.openxmlformats.org/drawingml/2006/main" xmlns:r="http://schemas.openxmlformats.org/officeDocument/2006/relationships" name="Swiss">
   <a:themeElements>
     <a:clrScheme name="Swiss">
       <a:dk1>
@@ -10824,288 +10952,5 @@
       </a:bgFillStyleLst>
     </a:fmtScheme>
   </a:themeElements>
-  <a:objectDefaults/>
-  <a:extraClrSchemeLst/>
-</a:theme>
-</file>
-
-<file path=ppt/theme/theme2.xml><?xml version="1.0" encoding="utf-8"?>
-<a:theme xmlns:a="http://schemas.openxmlformats.org/drawingml/2006/main">
-  <a:themeElements>
-    <a:clrScheme name="Default">
-      <a:dk1>
-        <a:srgbClr val="000000"/>
-      </a:dk1>
-      <a:lt1>
-        <a:srgbClr val="FFFFFF"/>
-      </a:lt1>
-      <a:dk2>
-        <a:srgbClr val="158158"/>
-      </a:dk2>
-      <a:lt2>
-        <a:srgbClr val="F3F3F3"/>
-      </a:lt2>
-      <a:accent1>
-        <a:srgbClr val="058DC7"/>
-      </a:accent1>
-      <a:accent2>
-        <a:srgbClr val="50B432"/>
-      </a:accent2>
-      <a:accent3>
-        <a:srgbClr val="ED561B"/>
-      </a:accent3>
-      <a:accent4>
-        <a:srgbClr val="EDEF00"/>
-      </a:accent4>
-      <a:accent5>
-        <a:srgbClr val="24CBE5"/>
-      </a:accent5>
-      <a:accent6>
-        <a:srgbClr val="64E572"/>
-      </a:accent6>
-      <a:hlink>
-        <a:srgbClr val="2200CC"/>
-      </a:hlink>
-      <a:folHlink>
-        <a:srgbClr val="551A8B"/>
-      </a:folHlink>
-    </a:clrScheme>
-    <a:fontScheme name="Office">
-      <a:majorFont>
-        <a:latin typeface="Arial"/>
-        <a:ea typeface=""/>
-        <a:cs typeface=""/>
-        <a:font script="Jpan" typeface="ＭＳ Ｐゴシック"/>
-        <a:font script="Hang" typeface="맑은 고딕"/>
-        <a:font script="Hans" typeface="宋体"/>
-        <a:font script="Hant" typeface="新細明體"/>
-        <a:font script="Arab" typeface="Times New Roman"/>
-        <a:font script="Hebr" typeface="Times New Roman"/>
-        <a:font script="Thai" typeface="Angsana New"/>
-        <a:font script="Ethi" typeface="Nyala"/>
-        <a:font script="Beng" typeface="Vrinda"/>
-        <a:font script="Gujr" typeface="Shruti"/>
-        <a:font script="Khmr" typeface="MoolBoran"/>
-        <a:font script="Knda" typeface="Tunga"/>
-        <a:font script="Guru" typeface="Raavi"/>
-        <a:font script="Cans" typeface="Euphemia"/>
-        <a:font script="Cher" typeface="Plantagenet Cherokee"/>
-        <a:font script="Yiii" typeface="Microsoft Yi Baiti"/>
-        <a:font script="Tibt" typeface="Microsoft Himalaya"/>
-        <a:font script="Thaa" typeface="MV Boli"/>
-        <a:font script="Deva" typeface="Mangal"/>
-        <a:font script="Telu" typeface="Gautami"/>
-        <a:font script="Taml" typeface="Latha"/>
-        <a:font script="Syrc" typeface="Estrangelo Edessa"/>
-        <a:font script="Orya" typeface="Kalinga"/>
-        <a:font script="Mlym" typeface="Kartika"/>
-        <a:font script="Laoo" typeface="DokChampa"/>
-        <a:font script="Sinh" typeface="Iskoola Pota"/>
-        <a:font script="Mong" typeface="Mongolian Baiti"/>
-        <a:font script="Viet" typeface="Times New Roman"/>
-        <a:font script="Uigh" typeface="Microsoft Uighur"/>
-        <a:font script="Geor" typeface="Sylfaen"/>
-      </a:majorFont>
-      <a:minorFont>
-        <a:latin typeface="Arial"/>
-        <a:ea typeface=""/>
-        <a:cs typeface=""/>
-        <a:font script="Jpan" typeface="ＭＳ Ｐゴシック"/>
-        <a:font script="Hang" typeface="맑은 고딕"/>
-        <a:font script="Hans" typeface="宋体"/>
-        <a:font script="Hant" typeface="新細明體"/>
-        <a:font script="Arab" typeface="Arial"/>
-        <a:font script="Hebr" typeface="Arial"/>
-        <a:font script="Thai" typeface="Cordia New"/>
-        <a:font script="Ethi" typeface="Nyala"/>
-        <a:font script="Beng" typeface="Vrinda"/>
-        <a:font script="Gujr" typeface="Shruti"/>
-        <a:font script="Khmr" typeface="DaunPenh"/>
-        <a:font script="Knda" typeface="Tunga"/>
-        <a:font script="Guru" typeface="Raavi"/>
-        <a:font script="Cans" typeface="Euphemia"/>
-        <a:font script="Cher" typeface="Plantagenet Cherokee"/>
-        <a:font script="Yiii" typeface="Microsoft Yi Baiti"/>
-        <a:font script="Tibt" typeface="Microsoft Himalaya"/>
-        <a:font script="Thaa" typeface="MV Boli"/>
-        <a:font script="Deva" typeface="Mangal"/>
-        <a:font script="Telu" typeface="Gautami"/>
-        <a:font script="Taml" typeface="Latha"/>
-        <a:font script="Syrc" typeface="Estrangelo Edessa"/>
-        <a:font script="Orya" typeface="Kalinga"/>
-        <a:font script="Mlym" typeface="Kartika"/>
-        <a:font script="Laoo" typeface="DokChampa"/>
-        <a:font script="Sinh" typeface="Iskoola Pota"/>
-        <a:font script="Mong" typeface="Mongolian Baiti"/>
-        <a:font script="Viet" typeface="Arial"/>
-        <a:font script="Uigh" typeface="Microsoft Uighur"/>
-        <a:font script="Geor" typeface="Sylfaen"/>
-      </a:minorFont>
-    </a:fontScheme>
-    <a:fmtScheme name="Office">
-      <a:fillStyleLst>
-        <a:solidFill>
-          <a:schemeClr val="phClr"/>
-        </a:solidFill>
-        <a:gradFill rotWithShape="1">
-          <a:gsLst>
-            <a:gs pos="0">
-              <a:schemeClr val="phClr">
-                <a:tint val="50000"/>
-                <a:satMod val="300000"/>
-              </a:schemeClr>
-            </a:gs>
-            <a:gs pos="35000">
-              <a:schemeClr val="phClr">
-                <a:tint val="37000"/>
-                <a:satMod val="300000"/>
-              </a:schemeClr>
-            </a:gs>
-            <a:gs pos="100000">
-              <a:schemeClr val="phClr">
-                <a:tint val="15000"/>
-                <a:satMod val="350000"/>
-              </a:schemeClr>
-            </a:gs>
-          </a:gsLst>
-          <a:lin ang="16200000" scaled="1"/>
-        </a:gradFill>
-        <a:gradFill rotWithShape="1">
-          <a:gsLst>
-            <a:gs pos="0">
-              <a:schemeClr val="phClr">
-                <a:tint val="100000"/>
-                <a:shade val="100000"/>
-                <a:satMod val="130000"/>
-              </a:schemeClr>
-            </a:gs>
-            <a:gs pos="100000">
-              <a:schemeClr val="phClr">
-                <a:tint val="50000"/>
-                <a:shade val="100000"/>
-                <a:satMod val="350000"/>
-              </a:schemeClr>
-            </a:gs>
-          </a:gsLst>
-          <a:lin ang="16200000" scaled="0"/>
-        </a:gradFill>
-      </a:fillStyleLst>
-      <a:lnStyleLst>
-        <a:ln w="9525" cap="flat" cmpd="sng" algn="ctr">
-          <a:solidFill>
-            <a:schemeClr val="phClr">
-              <a:shade val="95000"/>
-              <a:satMod val="105000"/>
-            </a:schemeClr>
-          </a:solidFill>
-          <a:prstDash val="solid"/>
-        </a:ln>
-        <a:ln w="25400" cap="flat" cmpd="sng" algn="ctr">
-          <a:solidFill>
-            <a:schemeClr val="phClr"/>
-          </a:solidFill>
-          <a:prstDash val="solid"/>
-        </a:ln>
-        <a:ln w="38100" cap="flat" cmpd="sng" algn="ctr">
-          <a:solidFill>
-            <a:schemeClr val="phClr"/>
-          </a:solidFill>
-          <a:prstDash val="solid"/>
-        </a:ln>
-      </a:lnStyleLst>
-      <a:effectStyleLst>
-        <a:effectStyle>
-          <a:effectLst>
-            <a:outerShdw blurRad="40000" dist="20000" dir="5400000" rotWithShape="0">
-              <a:srgbClr val="000000">
-                <a:alpha val="38000"/>
-              </a:srgbClr>
-            </a:outerShdw>
-          </a:effectLst>
-        </a:effectStyle>
-        <a:effectStyle>
-          <a:effectLst>
-            <a:outerShdw blurRad="40000" dist="23000" dir="5400000" rotWithShape="0">
-              <a:srgbClr val="000000">
-                <a:alpha val="35000"/>
-              </a:srgbClr>
-            </a:outerShdw>
-          </a:effectLst>
-        </a:effectStyle>
-        <a:effectStyle>
-          <a:effectLst>
-            <a:outerShdw blurRad="40000" dist="23000" dir="5400000" rotWithShape="0">
-              <a:srgbClr val="000000">
-                <a:alpha val="35000"/>
-              </a:srgbClr>
-            </a:outerShdw>
-          </a:effectLst>
-          <a:scene3d>
-            <a:camera prst="orthographicFront">
-              <a:rot lat="0" lon="0" rev="0"/>
-            </a:camera>
-            <a:lightRig rig="threePt" dir="t">
-              <a:rot lat="0" lon="0" rev="1200000"/>
-            </a:lightRig>
-          </a:scene3d>
-          <a:sp3d>
-            <a:bevelT w="63500" h="25400"/>
-          </a:sp3d>
-        </a:effectStyle>
-      </a:effectStyleLst>
-      <a:bgFillStyleLst>
-        <a:solidFill>
-          <a:schemeClr val="phClr"/>
-        </a:solidFill>
-        <a:gradFill rotWithShape="1">
-          <a:gsLst>
-            <a:gs pos="0">
-              <a:schemeClr val="phClr">
-                <a:tint val="40000"/>
-                <a:satMod val="350000"/>
-              </a:schemeClr>
-            </a:gs>
-            <a:gs pos="40000">
-              <a:schemeClr val="phClr">
-                <a:tint val="45000"/>
-                <a:shade val="99000"/>
-                <a:satMod val="350000"/>
-              </a:schemeClr>
-            </a:gs>
-            <a:gs pos="100000">
-              <a:schemeClr val="phClr">
-                <a:shade val="20000"/>
-                <a:satMod val="255000"/>
-              </a:schemeClr>
-            </a:gs>
-          </a:gsLst>
-          <a:path path="circle">
-            <a:fillToRect l="50000" t="-80000" r="50000" b="180000"/>
-          </a:path>
-        </a:gradFill>
-        <a:gradFill rotWithShape="1">
-          <a:gsLst>
-            <a:gs pos="0">
-              <a:schemeClr val="phClr">
-                <a:tint val="80000"/>
-                <a:satMod val="300000"/>
-              </a:schemeClr>
-            </a:gs>
-            <a:gs pos="100000">
-              <a:schemeClr val="phClr">
-                <a:shade val="30000"/>
-                <a:satMod val="200000"/>
-              </a:schemeClr>
-            </a:gs>
-          </a:gsLst>
-          <a:path path="circle">
-            <a:fillToRect l="50000" t="50000" r="50000" b="50000"/>
-          </a:path>
-        </a:gradFill>
-      </a:bgFillStyleLst>
-    </a:fmtScheme>
-  </a:themeElements>
-  <a:objectDefaults/>
-  <a:extraClrSchemeLst/>
 </a:theme>
 </file>